--- a/CRPO.pptx
+++ b/CRPO.pptx
@@ -4,6 +4,9 @@
   <p:sldMasterIdLst>
     <p:sldMasterId id="2147483648" r:id="rId1"/>
   </p:sldMasterIdLst>
+  <p:notesMasterIdLst>
+    <p:notesMasterId r:id="rId14"/>
+  </p:notesMasterIdLst>
   <p:sldIdLst>
     <p:sldId id="256" r:id="rId2"/>
     <p:sldId id="257" r:id="rId3"/>
@@ -11,13 +14,12 @@
     <p:sldId id="275" r:id="rId5"/>
     <p:sldId id="278" r:id="rId6"/>
     <p:sldId id="262" r:id="rId7"/>
-    <p:sldId id="276" r:id="rId8"/>
-    <p:sldId id="277" r:id="rId9"/>
-    <p:sldId id="280" r:id="rId10"/>
-    <p:sldId id="281" r:id="rId11"/>
-    <p:sldId id="279" r:id="rId12"/>
-    <p:sldId id="271" r:id="rId13"/>
-    <p:sldId id="272" r:id="rId14"/>
+    <p:sldId id="277" r:id="rId8"/>
+    <p:sldId id="281" r:id="rId9"/>
+    <p:sldId id="279" r:id="rId10"/>
+    <p:sldId id="282" r:id="rId11"/>
+    <p:sldId id="271" r:id="rId12"/>
+    <p:sldId id="272" r:id="rId13"/>
   </p:sldIdLst>
   <p:sldSz cx="12192000" cy="6858000"/>
   <p:notesSz cx="6858000" cy="9144000"/>
@@ -122,6 +124,1465 @@
     </p:ext>
   </p:extLst>
 </p:presentation>
+</file>
+
+<file path=ppt/notesMasters/notesMaster1.xml><?xml version="1.0" encoding="utf-8"?>
+<p:notesMaster xmlns:a="http://schemas.openxmlformats.org/drawingml/2006/main" xmlns:r="http://schemas.openxmlformats.org/officeDocument/2006/relationships" xmlns:p="http://schemas.openxmlformats.org/presentationml/2006/main">
+  <p:cSld>
+    <p:bg>
+      <p:bgRef idx="1001">
+        <a:schemeClr val="bg1"/>
+      </p:bgRef>
+    </p:bg>
+    <p:spTree>
+      <p:nvGrpSpPr>
+        <p:cNvPr id="1" name=""/>
+        <p:cNvGrpSpPr/>
+        <p:nvPr/>
+      </p:nvGrpSpPr>
+      <p:grpSpPr>
+        <a:xfrm>
+          <a:off x="0" y="0"/>
+          <a:ext cx="0" cy="0"/>
+          <a:chOff x="0" y="0"/>
+          <a:chExt cx="0" cy="0"/>
+        </a:xfrm>
+      </p:grpSpPr>
+      <p:sp>
+        <p:nvSpPr>
+          <p:cNvPr id="2" name="Espaço Reservado para Cabeçalho 1"/>
+          <p:cNvSpPr>
+            <a:spLocks noGrp="1"/>
+          </p:cNvSpPr>
+          <p:nvPr>
+            <p:ph type="hdr" sz="quarter"/>
+          </p:nvPr>
+        </p:nvSpPr>
+        <p:spPr>
+          <a:xfrm>
+            <a:off x="0" y="0"/>
+            <a:ext cx="2971800" cy="458788"/>
+          </a:xfrm>
+          <a:prstGeom prst="rect">
+            <a:avLst/>
+          </a:prstGeom>
+        </p:spPr>
+        <p:txBody>
+          <a:bodyPr vert="horz" lIns="91440" tIns="45720" rIns="91440" bIns="45720" rtlCol="0"/>
+          <a:lstStyle>
+            <a:lvl1pPr algn="l">
+              <a:defRPr sz="1200"/>
+            </a:lvl1pPr>
+          </a:lstStyle>
+          <a:p>
+            <a:endParaRPr lang="pt-BR"/>
+          </a:p>
+        </p:txBody>
+      </p:sp>
+      <p:sp>
+        <p:nvSpPr>
+          <p:cNvPr id="3" name="Espaço Reservado para Data 2"/>
+          <p:cNvSpPr>
+            <a:spLocks noGrp="1"/>
+          </p:cNvSpPr>
+          <p:nvPr>
+            <p:ph type="dt" idx="1"/>
+          </p:nvPr>
+        </p:nvSpPr>
+        <p:spPr>
+          <a:xfrm>
+            <a:off x="3884613" y="0"/>
+            <a:ext cx="2971800" cy="458788"/>
+          </a:xfrm>
+          <a:prstGeom prst="rect">
+            <a:avLst/>
+          </a:prstGeom>
+        </p:spPr>
+        <p:txBody>
+          <a:bodyPr vert="horz" lIns="91440" tIns="45720" rIns="91440" bIns="45720" rtlCol="0"/>
+          <a:lstStyle>
+            <a:lvl1pPr algn="r">
+              <a:defRPr sz="1200"/>
+            </a:lvl1pPr>
+          </a:lstStyle>
+          <a:p>
+            <a:fld id="{3397FD11-4E9F-44C1-A834-3767C312FD22}" type="datetimeFigureOut">
+              <a:rPr lang="pt-BR" smtClean="0"/>
+              <a:t>26/11/2016</a:t>
+            </a:fld>
+            <a:endParaRPr lang="pt-BR"/>
+          </a:p>
+        </p:txBody>
+      </p:sp>
+      <p:sp>
+        <p:nvSpPr>
+          <p:cNvPr id="4" name="Espaço Reservado para Imagem de Slide 3"/>
+          <p:cNvSpPr>
+            <a:spLocks noGrp="1" noRot="1" noChangeAspect="1"/>
+          </p:cNvSpPr>
+          <p:nvPr>
+            <p:ph type="sldImg" idx="2"/>
+          </p:nvPr>
+        </p:nvSpPr>
+        <p:spPr>
+          <a:xfrm>
+            <a:off x="685800" y="1143000"/>
+            <a:ext cx="5486400" cy="3086100"/>
+          </a:xfrm>
+          <a:prstGeom prst="rect">
+            <a:avLst/>
+          </a:prstGeom>
+          <a:noFill/>
+          <a:ln w="12700">
+            <a:solidFill>
+              <a:prstClr val="black"/>
+            </a:solidFill>
+          </a:ln>
+        </p:spPr>
+        <p:txBody>
+          <a:bodyPr vert="horz" lIns="91440" tIns="45720" rIns="91440" bIns="45720" rtlCol="0" anchor="ctr"/>
+          <a:lstStyle/>
+          <a:p>
+            <a:endParaRPr lang="pt-BR"/>
+          </a:p>
+        </p:txBody>
+      </p:sp>
+      <p:sp>
+        <p:nvSpPr>
+          <p:cNvPr id="5" name="Espaço Reservado para Anotações 4"/>
+          <p:cNvSpPr>
+            <a:spLocks noGrp="1"/>
+          </p:cNvSpPr>
+          <p:nvPr>
+            <p:ph type="body" sz="quarter" idx="3"/>
+          </p:nvPr>
+        </p:nvSpPr>
+        <p:spPr>
+          <a:xfrm>
+            <a:off x="685800" y="4400550"/>
+            <a:ext cx="5486400" cy="3600450"/>
+          </a:xfrm>
+          <a:prstGeom prst="rect">
+            <a:avLst/>
+          </a:prstGeom>
+        </p:spPr>
+        <p:txBody>
+          <a:bodyPr vert="horz" lIns="91440" tIns="45720" rIns="91440" bIns="45720" rtlCol="0"/>
+          <a:lstStyle/>
+          <a:p>
+            <a:pPr lvl="0"/>
+            <a:r>
+              <a:rPr lang="pt-BR" smtClean="0"/>
+              <a:t>Clique para editar o texto mestre</a:t>
+            </a:r>
+          </a:p>
+          <a:p>
+            <a:pPr lvl="1"/>
+            <a:r>
+              <a:rPr lang="pt-BR" smtClean="0"/>
+              <a:t>Segundo nível</a:t>
+            </a:r>
+          </a:p>
+          <a:p>
+            <a:pPr lvl="2"/>
+            <a:r>
+              <a:rPr lang="pt-BR" smtClean="0"/>
+              <a:t>Terceiro nível</a:t>
+            </a:r>
+          </a:p>
+          <a:p>
+            <a:pPr lvl="3"/>
+            <a:r>
+              <a:rPr lang="pt-BR" smtClean="0"/>
+              <a:t>Quarto nível</a:t>
+            </a:r>
+          </a:p>
+          <a:p>
+            <a:pPr lvl="4"/>
+            <a:r>
+              <a:rPr lang="pt-BR" smtClean="0"/>
+              <a:t>Quinto nível</a:t>
+            </a:r>
+            <a:endParaRPr lang="pt-BR"/>
+          </a:p>
+        </p:txBody>
+      </p:sp>
+      <p:sp>
+        <p:nvSpPr>
+          <p:cNvPr id="6" name="Espaço Reservado para Rodapé 5"/>
+          <p:cNvSpPr>
+            <a:spLocks noGrp="1"/>
+          </p:cNvSpPr>
+          <p:nvPr>
+            <p:ph type="ftr" sz="quarter" idx="4"/>
+          </p:nvPr>
+        </p:nvSpPr>
+        <p:spPr>
+          <a:xfrm>
+            <a:off x="0" y="8685213"/>
+            <a:ext cx="2971800" cy="458787"/>
+          </a:xfrm>
+          <a:prstGeom prst="rect">
+            <a:avLst/>
+          </a:prstGeom>
+        </p:spPr>
+        <p:txBody>
+          <a:bodyPr vert="horz" lIns="91440" tIns="45720" rIns="91440" bIns="45720" rtlCol="0" anchor="b"/>
+          <a:lstStyle>
+            <a:lvl1pPr algn="l">
+              <a:defRPr sz="1200"/>
+            </a:lvl1pPr>
+          </a:lstStyle>
+          <a:p>
+            <a:endParaRPr lang="pt-BR"/>
+          </a:p>
+        </p:txBody>
+      </p:sp>
+      <p:sp>
+        <p:nvSpPr>
+          <p:cNvPr id="7" name="Espaço Reservado para Número de Slide 6"/>
+          <p:cNvSpPr>
+            <a:spLocks noGrp="1"/>
+          </p:cNvSpPr>
+          <p:nvPr>
+            <p:ph type="sldNum" sz="quarter" idx="5"/>
+          </p:nvPr>
+        </p:nvSpPr>
+        <p:spPr>
+          <a:xfrm>
+            <a:off x="3884613" y="8685213"/>
+            <a:ext cx="2971800" cy="458787"/>
+          </a:xfrm>
+          <a:prstGeom prst="rect">
+            <a:avLst/>
+          </a:prstGeom>
+        </p:spPr>
+        <p:txBody>
+          <a:bodyPr vert="horz" lIns="91440" tIns="45720" rIns="91440" bIns="45720" rtlCol="0" anchor="b"/>
+          <a:lstStyle>
+            <a:lvl1pPr algn="r">
+              <a:defRPr sz="1200"/>
+            </a:lvl1pPr>
+          </a:lstStyle>
+          <a:p>
+            <a:fld id="{467D9C01-D751-4A74-854B-E5C067626FA7}" type="slidenum">
+              <a:rPr lang="pt-BR" smtClean="0"/>
+              <a:t>‹nº›</a:t>
+            </a:fld>
+            <a:endParaRPr lang="pt-BR"/>
+          </a:p>
+        </p:txBody>
+      </p:sp>
+    </p:spTree>
+    <p:extLst>
+      <p:ext uri="{BB962C8B-B14F-4D97-AF65-F5344CB8AC3E}">
+        <p14:creationId xmlns:p14="http://schemas.microsoft.com/office/powerpoint/2010/main" val="3696353419"/>
+      </p:ext>
+    </p:extLst>
+  </p:cSld>
+  <p:clrMap bg1="lt1" tx1="dk1" bg2="lt2" tx2="dk2" accent1="accent1" accent2="accent2" accent3="accent3" accent4="accent4" accent5="accent5" accent6="accent6" hlink="hlink" folHlink="folHlink"/>
+  <p:notesStyle>
+    <a:lvl1pPr marL="0" algn="l" defTabSz="914400" rtl="0" eaLnBrk="1" latinLnBrk="0" hangingPunct="1">
+      <a:defRPr sz="1200" kern="1200">
+        <a:solidFill>
+          <a:schemeClr val="tx1"/>
+        </a:solidFill>
+        <a:latin typeface="+mn-lt"/>
+        <a:ea typeface="+mn-ea"/>
+        <a:cs typeface="+mn-cs"/>
+      </a:defRPr>
+    </a:lvl1pPr>
+    <a:lvl2pPr marL="457200" algn="l" defTabSz="914400" rtl="0" eaLnBrk="1" latinLnBrk="0" hangingPunct="1">
+      <a:defRPr sz="1200" kern="1200">
+        <a:solidFill>
+          <a:schemeClr val="tx1"/>
+        </a:solidFill>
+        <a:latin typeface="+mn-lt"/>
+        <a:ea typeface="+mn-ea"/>
+        <a:cs typeface="+mn-cs"/>
+      </a:defRPr>
+    </a:lvl2pPr>
+    <a:lvl3pPr marL="914400" algn="l" defTabSz="914400" rtl="0" eaLnBrk="1" latinLnBrk="0" hangingPunct="1">
+      <a:defRPr sz="1200" kern="1200">
+        <a:solidFill>
+          <a:schemeClr val="tx1"/>
+        </a:solidFill>
+        <a:latin typeface="+mn-lt"/>
+        <a:ea typeface="+mn-ea"/>
+        <a:cs typeface="+mn-cs"/>
+      </a:defRPr>
+    </a:lvl3pPr>
+    <a:lvl4pPr marL="1371600" algn="l" defTabSz="914400" rtl="0" eaLnBrk="1" latinLnBrk="0" hangingPunct="1">
+      <a:defRPr sz="1200" kern="1200">
+        <a:solidFill>
+          <a:schemeClr val="tx1"/>
+        </a:solidFill>
+        <a:latin typeface="+mn-lt"/>
+        <a:ea typeface="+mn-ea"/>
+        <a:cs typeface="+mn-cs"/>
+      </a:defRPr>
+    </a:lvl4pPr>
+    <a:lvl5pPr marL="1828800" algn="l" defTabSz="914400" rtl="0" eaLnBrk="1" latinLnBrk="0" hangingPunct="1">
+      <a:defRPr sz="1200" kern="1200">
+        <a:solidFill>
+          <a:schemeClr val="tx1"/>
+        </a:solidFill>
+        <a:latin typeface="+mn-lt"/>
+        <a:ea typeface="+mn-ea"/>
+        <a:cs typeface="+mn-cs"/>
+      </a:defRPr>
+    </a:lvl5pPr>
+    <a:lvl6pPr marL="2286000" algn="l" defTabSz="914400" rtl="0" eaLnBrk="1" latinLnBrk="0" hangingPunct="1">
+      <a:defRPr sz="1200" kern="1200">
+        <a:solidFill>
+          <a:schemeClr val="tx1"/>
+        </a:solidFill>
+        <a:latin typeface="+mn-lt"/>
+        <a:ea typeface="+mn-ea"/>
+        <a:cs typeface="+mn-cs"/>
+      </a:defRPr>
+    </a:lvl6pPr>
+    <a:lvl7pPr marL="2743200" algn="l" defTabSz="914400" rtl="0" eaLnBrk="1" latinLnBrk="0" hangingPunct="1">
+      <a:defRPr sz="1200" kern="1200">
+        <a:solidFill>
+          <a:schemeClr val="tx1"/>
+        </a:solidFill>
+        <a:latin typeface="+mn-lt"/>
+        <a:ea typeface="+mn-ea"/>
+        <a:cs typeface="+mn-cs"/>
+      </a:defRPr>
+    </a:lvl7pPr>
+    <a:lvl8pPr marL="3200400" algn="l" defTabSz="914400" rtl="0" eaLnBrk="1" latinLnBrk="0" hangingPunct="1">
+      <a:defRPr sz="1200" kern="1200">
+        <a:solidFill>
+          <a:schemeClr val="tx1"/>
+        </a:solidFill>
+        <a:latin typeface="+mn-lt"/>
+        <a:ea typeface="+mn-ea"/>
+        <a:cs typeface="+mn-cs"/>
+      </a:defRPr>
+    </a:lvl8pPr>
+    <a:lvl9pPr marL="3657600" algn="l" defTabSz="914400" rtl="0" eaLnBrk="1" latinLnBrk="0" hangingPunct="1">
+      <a:defRPr sz="1200" kern="1200">
+        <a:solidFill>
+          <a:schemeClr val="tx1"/>
+        </a:solidFill>
+        <a:latin typeface="+mn-lt"/>
+        <a:ea typeface="+mn-ea"/>
+        <a:cs typeface="+mn-cs"/>
+      </a:defRPr>
+    </a:lvl9pPr>
+  </p:notesStyle>
+</p:notesMaster>
+</file>
+
+<file path=ppt/notesSlides/notesSlide1.xml><?xml version="1.0" encoding="utf-8"?>
+<p:notes xmlns:a="http://schemas.openxmlformats.org/drawingml/2006/main" xmlns:r="http://schemas.openxmlformats.org/officeDocument/2006/relationships" xmlns:p="http://schemas.openxmlformats.org/presentationml/2006/main">
+  <p:cSld>
+    <p:spTree>
+      <p:nvGrpSpPr>
+        <p:cNvPr id="1" name=""/>
+        <p:cNvGrpSpPr/>
+        <p:nvPr/>
+      </p:nvGrpSpPr>
+      <p:grpSpPr>
+        <a:xfrm>
+          <a:off x="0" y="0"/>
+          <a:ext cx="0" cy="0"/>
+          <a:chOff x="0" y="0"/>
+          <a:chExt cx="0" cy="0"/>
+        </a:xfrm>
+      </p:grpSpPr>
+      <p:sp>
+        <p:nvSpPr>
+          <p:cNvPr id="2" name="Espaço Reservado para Imagem de Slide 1"/>
+          <p:cNvSpPr>
+            <a:spLocks noGrp="1" noRot="1" noChangeAspect="1"/>
+          </p:cNvSpPr>
+          <p:nvPr>
+            <p:ph type="sldImg"/>
+          </p:nvPr>
+        </p:nvSpPr>
+        <p:spPr/>
+      </p:sp>
+      <p:sp>
+        <p:nvSpPr>
+          <p:cNvPr id="3" name="Espaço Reservado para Anotações 2"/>
+          <p:cNvSpPr>
+            <a:spLocks noGrp="1"/>
+          </p:cNvSpPr>
+          <p:nvPr>
+            <p:ph type="body" idx="1"/>
+          </p:nvPr>
+        </p:nvSpPr>
+        <p:spPr/>
+        <p:txBody>
+          <a:bodyPr/>
+          <a:lstStyle/>
+          <a:p>
+            <a:pPr marL="0" marR="0" indent="0" algn="l" defTabSz="914400" rtl="0" eaLnBrk="1" fontAlgn="auto" latinLnBrk="0" hangingPunct="1">
+              <a:lnSpc>
+                <a:spcPct val="100000"/>
+              </a:lnSpc>
+              <a:spcBef>
+                <a:spcPts val="0"/>
+              </a:spcBef>
+              <a:spcAft>
+                <a:spcPts val="0"/>
+              </a:spcAft>
+              <a:buClrTx/>
+              <a:buSzTx/>
+              <a:buFontTx/>
+              <a:buNone/>
+              <a:tabLst/>
+              <a:defRPr/>
+            </a:pPr>
+            <a:r>
+              <a:rPr lang="it-IT" dirty="0" smtClean="0"/>
+              <a:t>Demetrius</a:t>
+            </a:r>
+            <a:endParaRPr lang="pt-BR" dirty="0" smtClean="0"/>
+          </a:p>
+          <a:p>
+            <a:r>
+              <a:rPr lang="it-IT" dirty="0" smtClean="0"/>
+              <a:t>Diogo</a:t>
+            </a:r>
+            <a:endParaRPr lang="it-IT" dirty="0" smtClean="0"/>
+          </a:p>
+          <a:p>
+            <a:r>
+              <a:rPr lang="it-IT" dirty="0" smtClean="0"/>
+              <a:t>Carlos</a:t>
+            </a:r>
+          </a:p>
+          <a:p>
+            <a:r>
+              <a:rPr lang="it-IT" dirty="0" smtClean="0"/>
+              <a:t>Clei</a:t>
+            </a:r>
+          </a:p>
+          <a:p>
+            <a:r>
+              <a:rPr lang="it-IT" dirty="0" smtClean="0"/>
+              <a:t>Daniel</a:t>
+            </a:r>
+            <a:endParaRPr lang="it-IT" dirty="0" smtClean="0"/>
+          </a:p>
+        </p:txBody>
+      </p:sp>
+      <p:sp>
+        <p:nvSpPr>
+          <p:cNvPr id="4" name="Espaço Reservado para Número de Slide 3"/>
+          <p:cNvSpPr>
+            <a:spLocks noGrp="1"/>
+          </p:cNvSpPr>
+          <p:nvPr>
+            <p:ph type="sldNum" sz="quarter" idx="10"/>
+          </p:nvPr>
+        </p:nvSpPr>
+        <p:spPr/>
+        <p:txBody>
+          <a:bodyPr/>
+          <a:lstStyle/>
+          <a:p>
+            <a:fld id="{467D9C01-D751-4A74-854B-E5C067626FA7}" type="slidenum">
+              <a:rPr lang="pt-BR" smtClean="0"/>
+              <a:t>1</a:t>
+            </a:fld>
+            <a:endParaRPr lang="pt-BR"/>
+          </a:p>
+        </p:txBody>
+      </p:sp>
+    </p:spTree>
+    <p:extLst>
+      <p:ext uri="{BB962C8B-B14F-4D97-AF65-F5344CB8AC3E}">
+        <p14:creationId xmlns:p14="http://schemas.microsoft.com/office/powerpoint/2010/main" val="3109319737"/>
+      </p:ext>
+    </p:extLst>
+  </p:cSld>
+  <p:clrMapOvr>
+    <a:masterClrMapping/>
+  </p:clrMapOvr>
+</p:notes>
+</file>
+
+<file path=ppt/notesSlides/notesSlide10.xml><?xml version="1.0" encoding="utf-8"?>
+<p:notes xmlns:a="http://schemas.openxmlformats.org/drawingml/2006/main" xmlns:r="http://schemas.openxmlformats.org/officeDocument/2006/relationships" xmlns:p="http://schemas.openxmlformats.org/presentationml/2006/main">
+  <p:cSld>
+    <p:spTree>
+      <p:nvGrpSpPr>
+        <p:cNvPr id="1" name=""/>
+        <p:cNvGrpSpPr/>
+        <p:nvPr/>
+      </p:nvGrpSpPr>
+      <p:grpSpPr>
+        <a:xfrm>
+          <a:off x="0" y="0"/>
+          <a:ext cx="0" cy="0"/>
+          <a:chOff x="0" y="0"/>
+          <a:chExt cx="0" cy="0"/>
+        </a:xfrm>
+      </p:grpSpPr>
+      <p:sp>
+        <p:nvSpPr>
+          <p:cNvPr id="2" name="Espaço Reservado para Imagem de Slide 1"/>
+          <p:cNvSpPr>
+            <a:spLocks noGrp="1" noRot="1" noChangeAspect="1"/>
+          </p:cNvSpPr>
+          <p:nvPr>
+            <p:ph type="sldImg"/>
+          </p:nvPr>
+        </p:nvSpPr>
+        <p:spPr/>
+      </p:sp>
+      <p:sp>
+        <p:nvSpPr>
+          <p:cNvPr id="3" name="Espaço Reservado para Anotações 2"/>
+          <p:cNvSpPr>
+            <a:spLocks noGrp="1"/>
+          </p:cNvSpPr>
+          <p:nvPr>
+            <p:ph type="body" idx="1"/>
+          </p:nvPr>
+        </p:nvSpPr>
+        <p:spPr/>
+        <p:txBody>
+          <a:bodyPr/>
+          <a:lstStyle/>
+          <a:p>
+            <a:r>
+              <a:rPr lang="pt-BR" dirty="0" err="1" smtClean="0"/>
+              <a:t>clei</a:t>
+            </a:r>
+            <a:endParaRPr lang="pt-BR" dirty="0"/>
+          </a:p>
+        </p:txBody>
+      </p:sp>
+      <p:sp>
+        <p:nvSpPr>
+          <p:cNvPr id="4" name="Espaço Reservado para Número de Slide 3"/>
+          <p:cNvSpPr>
+            <a:spLocks noGrp="1"/>
+          </p:cNvSpPr>
+          <p:nvPr>
+            <p:ph type="sldNum" sz="quarter" idx="10"/>
+          </p:nvPr>
+        </p:nvSpPr>
+        <p:spPr/>
+        <p:txBody>
+          <a:bodyPr/>
+          <a:lstStyle/>
+          <a:p>
+            <a:fld id="{467D9C01-D751-4A74-854B-E5C067626FA7}" type="slidenum">
+              <a:rPr lang="pt-BR" smtClean="0"/>
+              <a:t>10</a:t>
+            </a:fld>
+            <a:endParaRPr lang="pt-BR"/>
+          </a:p>
+        </p:txBody>
+      </p:sp>
+    </p:spTree>
+    <p:extLst>
+      <p:ext uri="{BB962C8B-B14F-4D97-AF65-F5344CB8AC3E}">
+        <p14:creationId xmlns:p14="http://schemas.microsoft.com/office/powerpoint/2010/main" val="4177067008"/>
+      </p:ext>
+    </p:extLst>
+  </p:cSld>
+  <p:clrMapOvr>
+    <a:masterClrMapping/>
+  </p:clrMapOvr>
+</p:notes>
+</file>
+
+<file path=ppt/notesSlides/notesSlide11.xml><?xml version="1.0" encoding="utf-8"?>
+<p:notes xmlns:a="http://schemas.openxmlformats.org/drawingml/2006/main" xmlns:r="http://schemas.openxmlformats.org/officeDocument/2006/relationships" xmlns:p="http://schemas.openxmlformats.org/presentationml/2006/main">
+  <p:cSld>
+    <p:spTree>
+      <p:nvGrpSpPr>
+        <p:cNvPr id="1" name=""/>
+        <p:cNvGrpSpPr/>
+        <p:nvPr/>
+      </p:nvGrpSpPr>
+      <p:grpSpPr>
+        <a:xfrm>
+          <a:off x="0" y="0"/>
+          <a:ext cx="0" cy="0"/>
+          <a:chOff x="0" y="0"/>
+          <a:chExt cx="0" cy="0"/>
+        </a:xfrm>
+      </p:grpSpPr>
+      <p:sp>
+        <p:nvSpPr>
+          <p:cNvPr id="2" name="Espaço Reservado para Imagem de Slide 1"/>
+          <p:cNvSpPr>
+            <a:spLocks noGrp="1" noRot="1" noChangeAspect="1"/>
+          </p:cNvSpPr>
+          <p:nvPr>
+            <p:ph type="sldImg"/>
+          </p:nvPr>
+        </p:nvSpPr>
+        <p:spPr/>
+      </p:sp>
+      <p:sp>
+        <p:nvSpPr>
+          <p:cNvPr id="3" name="Espaço Reservado para Anotações 2"/>
+          <p:cNvSpPr>
+            <a:spLocks noGrp="1"/>
+          </p:cNvSpPr>
+          <p:nvPr>
+            <p:ph type="body" idx="1"/>
+          </p:nvPr>
+        </p:nvSpPr>
+        <p:spPr/>
+        <p:txBody>
+          <a:bodyPr/>
+          <a:lstStyle/>
+          <a:p>
+            <a:r>
+              <a:rPr lang="it-IT" dirty="0" smtClean="0"/>
+              <a:t>Diogo</a:t>
+            </a:r>
+          </a:p>
+          <a:p>
+            <a:r>
+              <a:rPr lang="it-IT" dirty="0" smtClean="0"/>
+              <a:t>Carlos</a:t>
+            </a:r>
+          </a:p>
+          <a:p>
+            <a:r>
+              <a:rPr lang="it-IT" dirty="0" smtClean="0"/>
+              <a:t>Clei</a:t>
+            </a:r>
+          </a:p>
+          <a:p>
+            <a:r>
+              <a:rPr lang="it-IT" dirty="0" smtClean="0"/>
+              <a:t>Daniel</a:t>
+            </a:r>
+          </a:p>
+          <a:p>
+            <a:r>
+              <a:rPr lang="it-IT" dirty="0" smtClean="0"/>
+              <a:t>demetrius</a:t>
+            </a:r>
+            <a:endParaRPr lang="pt-BR" dirty="0" smtClean="0"/>
+          </a:p>
+          <a:p>
+            <a:endParaRPr lang="pt-BR" dirty="0"/>
+          </a:p>
+        </p:txBody>
+      </p:sp>
+      <p:sp>
+        <p:nvSpPr>
+          <p:cNvPr id="4" name="Espaço Reservado para Número de Slide 3"/>
+          <p:cNvSpPr>
+            <a:spLocks noGrp="1"/>
+          </p:cNvSpPr>
+          <p:nvPr>
+            <p:ph type="sldNum" sz="quarter" idx="10"/>
+          </p:nvPr>
+        </p:nvSpPr>
+        <p:spPr/>
+        <p:txBody>
+          <a:bodyPr/>
+          <a:lstStyle/>
+          <a:p>
+            <a:fld id="{467D9C01-D751-4A74-854B-E5C067626FA7}" type="slidenum">
+              <a:rPr lang="pt-BR" smtClean="0"/>
+              <a:t>11</a:t>
+            </a:fld>
+            <a:endParaRPr lang="pt-BR"/>
+          </a:p>
+        </p:txBody>
+      </p:sp>
+    </p:spTree>
+    <p:extLst>
+      <p:ext uri="{BB962C8B-B14F-4D97-AF65-F5344CB8AC3E}">
+        <p14:creationId xmlns:p14="http://schemas.microsoft.com/office/powerpoint/2010/main" val="3744009848"/>
+      </p:ext>
+    </p:extLst>
+  </p:cSld>
+  <p:clrMapOvr>
+    <a:masterClrMapping/>
+  </p:clrMapOvr>
+</p:notes>
+</file>
+
+<file path=ppt/notesSlides/notesSlide2.xml><?xml version="1.0" encoding="utf-8"?>
+<p:notes xmlns:a="http://schemas.openxmlformats.org/drawingml/2006/main" xmlns:r="http://schemas.openxmlformats.org/officeDocument/2006/relationships" xmlns:p="http://schemas.openxmlformats.org/presentationml/2006/main">
+  <p:cSld>
+    <p:spTree>
+      <p:nvGrpSpPr>
+        <p:cNvPr id="1" name=""/>
+        <p:cNvGrpSpPr/>
+        <p:nvPr/>
+      </p:nvGrpSpPr>
+      <p:grpSpPr>
+        <a:xfrm>
+          <a:off x="0" y="0"/>
+          <a:ext cx="0" cy="0"/>
+          <a:chOff x="0" y="0"/>
+          <a:chExt cx="0" cy="0"/>
+        </a:xfrm>
+      </p:grpSpPr>
+      <p:sp>
+        <p:nvSpPr>
+          <p:cNvPr id="2" name="Espaço Reservado para Imagem de Slide 1"/>
+          <p:cNvSpPr>
+            <a:spLocks noGrp="1" noRot="1" noChangeAspect="1"/>
+          </p:cNvSpPr>
+          <p:nvPr>
+            <p:ph type="sldImg"/>
+          </p:nvPr>
+        </p:nvSpPr>
+        <p:spPr/>
+      </p:sp>
+      <p:sp>
+        <p:nvSpPr>
+          <p:cNvPr id="3" name="Espaço Reservado para Anotações 2"/>
+          <p:cNvSpPr>
+            <a:spLocks noGrp="1"/>
+          </p:cNvSpPr>
+          <p:nvPr>
+            <p:ph type="body" idx="1"/>
+          </p:nvPr>
+        </p:nvSpPr>
+        <p:spPr/>
+        <p:txBody>
+          <a:bodyPr/>
+          <a:lstStyle/>
+          <a:p>
+            <a:r>
+              <a:rPr lang="pt-BR" dirty="0" smtClean="0"/>
+              <a:t>Diogo – 1:30</a:t>
+            </a:r>
+            <a:endParaRPr lang="pt-BR" dirty="0"/>
+          </a:p>
+        </p:txBody>
+      </p:sp>
+      <p:sp>
+        <p:nvSpPr>
+          <p:cNvPr id="4" name="Espaço Reservado para Número de Slide 3"/>
+          <p:cNvSpPr>
+            <a:spLocks noGrp="1"/>
+          </p:cNvSpPr>
+          <p:nvPr>
+            <p:ph type="sldNum" sz="quarter" idx="10"/>
+          </p:nvPr>
+        </p:nvSpPr>
+        <p:spPr/>
+        <p:txBody>
+          <a:bodyPr/>
+          <a:lstStyle/>
+          <a:p>
+            <a:fld id="{467D9C01-D751-4A74-854B-E5C067626FA7}" type="slidenum">
+              <a:rPr lang="pt-BR" smtClean="0"/>
+              <a:t>2</a:t>
+            </a:fld>
+            <a:endParaRPr lang="pt-BR"/>
+          </a:p>
+        </p:txBody>
+      </p:sp>
+    </p:spTree>
+    <p:extLst>
+      <p:ext uri="{BB962C8B-B14F-4D97-AF65-F5344CB8AC3E}">
+        <p14:creationId xmlns:p14="http://schemas.microsoft.com/office/powerpoint/2010/main" val="3444235662"/>
+      </p:ext>
+    </p:extLst>
+  </p:cSld>
+  <p:clrMapOvr>
+    <a:masterClrMapping/>
+  </p:clrMapOvr>
+</p:notes>
+</file>
+
+<file path=ppt/notesSlides/notesSlide3.xml><?xml version="1.0" encoding="utf-8"?>
+<p:notes xmlns:a="http://schemas.openxmlformats.org/drawingml/2006/main" xmlns:r="http://schemas.openxmlformats.org/officeDocument/2006/relationships" xmlns:p="http://schemas.openxmlformats.org/presentationml/2006/main">
+  <p:cSld>
+    <p:spTree>
+      <p:nvGrpSpPr>
+        <p:cNvPr id="1" name=""/>
+        <p:cNvGrpSpPr/>
+        <p:nvPr/>
+      </p:nvGrpSpPr>
+      <p:grpSpPr>
+        <a:xfrm>
+          <a:off x="0" y="0"/>
+          <a:ext cx="0" cy="0"/>
+          <a:chOff x="0" y="0"/>
+          <a:chExt cx="0" cy="0"/>
+        </a:xfrm>
+      </p:grpSpPr>
+      <p:sp>
+        <p:nvSpPr>
+          <p:cNvPr id="2" name="Espaço Reservado para Imagem de Slide 1"/>
+          <p:cNvSpPr>
+            <a:spLocks noGrp="1" noRot="1" noChangeAspect="1"/>
+          </p:cNvSpPr>
+          <p:nvPr>
+            <p:ph type="sldImg"/>
+          </p:nvPr>
+        </p:nvSpPr>
+        <p:spPr/>
+      </p:sp>
+      <p:sp>
+        <p:nvSpPr>
+          <p:cNvPr id="3" name="Espaço Reservado para Anotações 2"/>
+          <p:cNvSpPr>
+            <a:spLocks noGrp="1"/>
+          </p:cNvSpPr>
+          <p:nvPr>
+            <p:ph type="body" idx="1"/>
+          </p:nvPr>
+        </p:nvSpPr>
+        <p:spPr/>
+        <p:txBody>
+          <a:bodyPr/>
+          <a:lstStyle/>
+          <a:p>
+            <a:r>
+              <a:rPr lang="pt-BR" dirty="0" err="1" smtClean="0"/>
+              <a:t>carlos</a:t>
+            </a:r>
+            <a:r>
+              <a:rPr lang="pt-BR" dirty="0" smtClean="0"/>
+              <a:t> - 2:00 slide 3</a:t>
+            </a:r>
+            <a:endParaRPr lang="pt-BR" dirty="0"/>
+          </a:p>
+        </p:txBody>
+      </p:sp>
+      <p:sp>
+        <p:nvSpPr>
+          <p:cNvPr id="4" name="Espaço Reservado para Número de Slide 3"/>
+          <p:cNvSpPr>
+            <a:spLocks noGrp="1"/>
+          </p:cNvSpPr>
+          <p:nvPr>
+            <p:ph type="sldNum" sz="quarter" idx="10"/>
+          </p:nvPr>
+        </p:nvSpPr>
+        <p:spPr/>
+        <p:txBody>
+          <a:bodyPr/>
+          <a:lstStyle/>
+          <a:p>
+            <a:fld id="{467D9C01-D751-4A74-854B-E5C067626FA7}" type="slidenum">
+              <a:rPr lang="pt-BR" smtClean="0"/>
+              <a:t>3</a:t>
+            </a:fld>
+            <a:endParaRPr lang="pt-BR"/>
+          </a:p>
+        </p:txBody>
+      </p:sp>
+    </p:spTree>
+    <p:extLst>
+      <p:ext uri="{BB962C8B-B14F-4D97-AF65-F5344CB8AC3E}">
+        <p14:creationId xmlns:p14="http://schemas.microsoft.com/office/powerpoint/2010/main" val="1247432289"/>
+      </p:ext>
+    </p:extLst>
+  </p:cSld>
+  <p:clrMapOvr>
+    <a:masterClrMapping/>
+  </p:clrMapOvr>
+</p:notes>
+</file>
+
+<file path=ppt/notesSlides/notesSlide4.xml><?xml version="1.0" encoding="utf-8"?>
+<p:notes xmlns:a="http://schemas.openxmlformats.org/drawingml/2006/main" xmlns:r="http://schemas.openxmlformats.org/officeDocument/2006/relationships" xmlns:p="http://schemas.openxmlformats.org/presentationml/2006/main">
+  <p:cSld>
+    <p:spTree>
+      <p:nvGrpSpPr>
+        <p:cNvPr id="1" name=""/>
+        <p:cNvGrpSpPr/>
+        <p:nvPr/>
+      </p:nvGrpSpPr>
+      <p:grpSpPr>
+        <a:xfrm>
+          <a:off x="0" y="0"/>
+          <a:ext cx="0" cy="0"/>
+          <a:chOff x="0" y="0"/>
+          <a:chExt cx="0" cy="0"/>
+        </a:xfrm>
+      </p:grpSpPr>
+      <p:sp>
+        <p:nvSpPr>
+          <p:cNvPr id="2" name="Espaço Reservado para Imagem de Slide 1"/>
+          <p:cNvSpPr>
+            <a:spLocks noGrp="1" noRot="1" noChangeAspect="1"/>
+          </p:cNvSpPr>
+          <p:nvPr>
+            <p:ph type="sldImg"/>
+          </p:nvPr>
+        </p:nvSpPr>
+        <p:spPr/>
+      </p:sp>
+      <p:sp>
+        <p:nvSpPr>
+          <p:cNvPr id="3" name="Espaço Reservado para Anotações 2"/>
+          <p:cNvSpPr>
+            <a:spLocks noGrp="1"/>
+          </p:cNvSpPr>
+          <p:nvPr>
+            <p:ph type="body" idx="1"/>
+          </p:nvPr>
+        </p:nvSpPr>
+        <p:spPr/>
+        <p:txBody>
+          <a:bodyPr/>
+          <a:lstStyle/>
+          <a:p>
+            <a:r>
+              <a:rPr lang="pt-BR" dirty="0" err="1" smtClean="0"/>
+              <a:t>clei</a:t>
+            </a:r>
+            <a:r>
+              <a:rPr lang="pt-BR" dirty="0" smtClean="0"/>
+              <a:t> - 2:00 slide 4</a:t>
+            </a:r>
+            <a:endParaRPr lang="pt-BR" dirty="0"/>
+          </a:p>
+        </p:txBody>
+      </p:sp>
+      <p:sp>
+        <p:nvSpPr>
+          <p:cNvPr id="4" name="Espaço Reservado para Número de Slide 3"/>
+          <p:cNvSpPr>
+            <a:spLocks noGrp="1"/>
+          </p:cNvSpPr>
+          <p:nvPr>
+            <p:ph type="sldNum" sz="quarter" idx="10"/>
+          </p:nvPr>
+        </p:nvSpPr>
+        <p:spPr/>
+        <p:txBody>
+          <a:bodyPr/>
+          <a:lstStyle/>
+          <a:p>
+            <a:fld id="{467D9C01-D751-4A74-854B-E5C067626FA7}" type="slidenum">
+              <a:rPr lang="pt-BR" smtClean="0"/>
+              <a:t>4</a:t>
+            </a:fld>
+            <a:endParaRPr lang="pt-BR"/>
+          </a:p>
+        </p:txBody>
+      </p:sp>
+    </p:spTree>
+    <p:extLst>
+      <p:ext uri="{BB962C8B-B14F-4D97-AF65-F5344CB8AC3E}">
+        <p14:creationId xmlns:p14="http://schemas.microsoft.com/office/powerpoint/2010/main" val="3119429292"/>
+      </p:ext>
+    </p:extLst>
+  </p:cSld>
+  <p:clrMapOvr>
+    <a:masterClrMapping/>
+  </p:clrMapOvr>
+</p:notes>
+</file>
+
+<file path=ppt/notesSlides/notesSlide5.xml><?xml version="1.0" encoding="utf-8"?>
+<p:notes xmlns:a="http://schemas.openxmlformats.org/drawingml/2006/main" xmlns:r="http://schemas.openxmlformats.org/officeDocument/2006/relationships" xmlns:p="http://schemas.openxmlformats.org/presentationml/2006/main">
+  <p:cSld>
+    <p:spTree>
+      <p:nvGrpSpPr>
+        <p:cNvPr id="1" name=""/>
+        <p:cNvGrpSpPr/>
+        <p:nvPr/>
+      </p:nvGrpSpPr>
+      <p:grpSpPr>
+        <a:xfrm>
+          <a:off x="0" y="0"/>
+          <a:ext cx="0" cy="0"/>
+          <a:chOff x="0" y="0"/>
+          <a:chExt cx="0" cy="0"/>
+        </a:xfrm>
+      </p:grpSpPr>
+      <p:sp>
+        <p:nvSpPr>
+          <p:cNvPr id="2" name="Espaço Reservado para Imagem de Slide 1"/>
+          <p:cNvSpPr>
+            <a:spLocks noGrp="1" noRot="1" noChangeAspect="1"/>
+          </p:cNvSpPr>
+          <p:nvPr>
+            <p:ph type="sldImg"/>
+          </p:nvPr>
+        </p:nvSpPr>
+        <p:spPr/>
+      </p:sp>
+      <p:sp>
+        <p:nvSpPr>
+          <p:cNvPr id="3" name="Espaço Reservado para Anotações 2"/>
+          <p:cNvSpPr>
+            <a:spLocks noGrp="1"/>
+          </p:cNvSpPr>
+          <p:nvPr>
+            <p:ph type="body" idx="1"/>
+          </p:nvPr>
+        </p:nvSpPr>
+        <p:spPr/>
+        <p:txBody>
+          <a:bodyPr/>
+          <a:lstStyle/>
+          <a:p>
+            <a:r>
+              <a:rPr lang="pt-BR" dirty="0" err="1" smtClean="0"/>
+              <a:t>daniel</a:t>
+            </a:r>
+            <a:r>
+              <a:rPr lang="pt-BR" dirty="0" smtClean="0"/>
+              <a:t> - 2:00 slide 5</a:t>
+            </a:r>
+            <a:endParaRPr lang="pt-BR" dirty="0"/>
+          </a:p>
+        </p:txBody>
+      </p:sp>
+      <p:sp>
+        <p:nvSpPr>
+          <p:cNvPr id="4" name="Espaço Reservado para Número de Slide 3"/>
+          <p:cNvSpPr>
+            <a:spLocks noGrp="1"/>
+          </p:cNvSpPr>
+          <p:nvPr>
+            <p:ph type="sldNum" sz="quarter" idx="10"/>
+          </p:nvPr>
+        </p:nvSpPr>
+        <p:spPr/>
+        <p:txBody>
+          <a:bodyPr/>
+          <a:lstStyle/>
+          <a:p>
+            <a:fld id="{467D9C01-D751-4A74-854B-E5C067626FA7}" type="slidenum">
+              <a:rPr lang="pt-BR" smtClean="0"/>
+              <a:t>5</a:t>
+            </a:fld>
+            <a:endParaRPr lang="pt-BR"/>
+          </a:p>
+        </p:txBody>
+      </p:sp>
+    </p:spTree>
+    <p:extLst>
+      <p:ext uri="{BB962C8B-B14F-4D97-AF65-F5344CB8AC3E}">
+        <p14:creationId xmlns:p14="http://schemas.microsoft.com/office/powerpoint/2010/main" val="1536547015"/>
+      </p:ext>
+    </p:extLst>
+  </p:cSld>
+  <p:clrMapOvr>
+    <a:masterClrMapping/>
+  </p:clrMapOvr>
+</p:notes>
+</file>
+
+<file path=ppt/notesSlides/notesSlide6.xml><?xml version="1.0" encoding="utf-8"?>
+<p:notes xmlns:a="http://schemas.openxmlformats.org/drawingml/2006/main" xmlns:r="http://schemas.openxmlformats.org/officeDocument/2006/relationships" xmlns:p="http://schemas.openxmlformats.org/presentationml/2006/main">
+  <p:cSld>
+    <p:spTree>
+      <p:nvGrpSpPr>
+        <p:cNvPr id="1" name=""/>
+        <p:cNvGrpSpPr/>
+        <p:nvPr/>
+      </p:nvGrpSpPr>
+      <p:grpSpPr>
+        <a:xfrm>
+          <a:off x="0" y="0"/>
+          <a:ext cx="0" cy="0"/>
+          <a:chOff x="0" y="0"/>
+          <a:chExt cx="0" cy="0"/>
+        </a:xfrm>
+      </p:grpSpPr>
+      <p:sp>
+        <p:nvSpPr>
+          <p:cNvPr id="2" name="Espaço Reservado para Imagem de Slide 1"/>
+          <p:cNvSpPr>
+            <a:spLocks noGrp="1" noRot="1" noChangeAspect="1"/>
+          </p:cNvSpPr>
+          <p:nvPr>
+            <p:ph type="sldImg"/>
+          </p:nvPr>
+        </p:nvSpPr>
+        <p:spPr/>
+      </p:sp>
+      <p:sp>
+        <p:nvSpPr>
+          <p:cNvPr id="3" name="Espaço Reservado para Anotações 2"/>
+          <p:cNvSpPr>
+            <a:spLocks noGrp="1"/>
+          </p:cNvSpPr>
+          <p:nvPr>
+            <p:ph type="body" idx="1"/>
+          </p:nvPr>
+        </p:nvSpPr>
+        <p:spPr/>
+        <p:txBody>
+          <a:bodyPr/>
+          <a:lstStyle/>
+          <a:p>
+            <a:r>
+              <a:rPr lang="pt-BR" dirty="0" err="1" smtClean="0"/>
+              <a:t>demetrius</a:t>
+            </a:r>
+            <a:r>
+              <a:rPr lang="pt-BR" dirty="0" smtClean="0"/>
+              <a:t> 1:00 slide 6</a:t>
+            </a:r>
+            <a:endParaRPr lang="pt-BR" dirty="0"/>
+          </a:p>
+        </p:txBody>
+      </p:sp>
+      <p:sp>
+        <p:nvSpPr>
+          <p:cNvPr id="4" name="Espaço Reservado para Número de Slide 3"/>
+          <p:cNvSpPr>
+            <a:spLocks noGrp="1"/>
+          </p:cNvSpPr>
+          <p:nvPr>
+            <p:ph type="sldNum" sz="quarter" idx="10"/>
+          </p:nvPr>
+        </p:nvSpPr>
+        <p:spPr/>
+        <p:txBody>
+          <a:bodyPr/>
+          <a:lstStyle/>
+          <a:p>
+            <a:fld id="{467D9C01-D751-4A74-854B-E5C067626FA7}" type="slidenum">
+              <a:rPr lang="pt-BR" smtClean="0"/>
+              <a:t>6</a:t>
+            </a:fld>
+            <a:endParaRPr lang="pt-BR"/>
+          </a:p>
+        </p:txBody>
+      </p:sp>
+    </p:spTree>
+    <p:extLst>
+      <p:ext uri="{BB962C8B-B14F-4D97-AF65-F5344CB8AC3E}">
+        <p14:creationId xmlns:p14="http://schemas.microsoft.com/office/powerpoint/2010/main" val="392628983"/>
+      </p:ext>
+    </p:extLst>
+  </p:cSld>
+  <p:clrMapOvr>
+    <a:masterClrMapping/>
+  </p:clrMapOvr>
+</p:notes>
+</file>
+
+<file path=ppt/notesSlides/notesSlide7.xml><?xml version="1.0" encoding="utf-8"?>
+<p:notes xmlns:a="http://schemas.openxmlformats.org/drawingml/2006/main" xmlns:r="http://schemas.openxmlformats.org/officeDocument/2006/relationships" xmlns:p="http://schemas.openxmlformats.org/presentationml/2006/main">
+  <p:cSld>
+    <p:spTree>
+      <p:nvGrpSpPr>
+        <p:cNvPr id="1" name=""/>
+        <p:cNvGrpSpPr/>
+        <p:nvPr/>
+      </p:nvGrpSpPr>
+      <p:grpSpPr>
+        <a:xfrm>
+          <a:off x="0" y="0"/>
+          <a:ext cx="0" cy="0"/>
+          <a:chOff x="0" y="0"/>
+          <a:chExt cx="0" cy="0"/>
+        </a:xfrm>
+      </p:grpSpPr>
+      <p:sp>
+        <p:nvSpPr>
+          <p:cNvPr id="2" name="Espaço Reservado para Imagem de Slide 1"/>
+          <p:cNvSpPr>
+            <a:spLocks noGrp="1" noRot="1" noChangeAspect="1"/>
+          </p:cNvSpPr>
+          <p:nvPr>
+            <p:ph type="sldImg"/>
+          </p:nvPr>
+        </p:nvSpPr>
+        <p:spPr/>
+      </p:sp>
+      <p:sp>
+        <p:nvSpPr>
+          <p:cNvPr id="3" name="Espaço Reservado para Anotações 2"/>
+          <p:cNvSpPr>
+            <a:spLocks noGrp="1"/>
+          </p:cNvSpPr>
+          <p:nvPr>
+            <p:ph type="body" idx="1"/>
+          </p:nvPr>
+        </p:nvSpPr>
+        <p:spPr/>
+        <p:txBody>
+          <a:bodyPr/>
+          <a:lstStyle/>
+          <a:p>
+            <a:r>
+              <a:rPr lang="pt-BR" dirty="0" err="1" smtClean="0"/>
+              <a:t>diogo</a:t>
+            </a:r>
+            <a:r>
+              <a:rPr lang="pt-BR" dirty="0" smtClean="0"/>
+              <a:t> </a:t>
+            </a:r>
+            <a:r>
+              <a:rPr lang="pt-BR" dirty="0" smtClean="0"/>
+              <a:t>1:00 slide 7</a:t>
+            </a:r>
+            <a:endParaRPr lang="pt-BR" dirty="0"/>
+          </a:p>
+        </p:txBody>
+      </p:sp>
+      <p:sp>
+        <p:nvSpPr>
+          <p:cNvPr id="4" name="Espaço Reservado para Número de Slide 3"/>
+          <p:cNvSpPr>
+            <a:spLocks noGrp="1"/>
+          </p:cNvSpPr>
+          <p:nvPr>
+            <p:ph type="sldNum" sz="quarter" idx="10"/>
+          </p:nvPr>
+        </p:nvSpPr>
+        <p:spPr/>
+        <p:txBody>
+          <a:bodyPr/>
+          <a:lstStyle/>
+          <a:p>
+            <a:fld id="{467D9C01-D751-4A74-854B-E5C067626FA7}" type="slidenum">
+              <a:rPr lang="pt-BR" smtClean="0"/>
+              <a:t>7</a:t>
+            </a:fld>
+            <a:endParaRPr lang="pt-BR"/>
+          </a:p>
+        </p:txBody>
+      </p:sp>
+    </p:spTree>
+    <p:extLst>
+      <p:ext uri="{BB962C8B-B14F-4D97-AF65-F5344CB8AC3E}">
+        <p14:creationId xmlns:p14="http://schemas.microsoft.com/office/powerpoint/2010/main" val="2117512304"/>
+      </p:ext>
+    </p:extLst>
+  </p:cSld>
+  <p:clrMapOvr>
+    <a:masterClrMapping/>
+  </p:clrMapOvr>
+</p:notes>
+</file>
+
+<file path=ppt/notesSlides/notesSlide8.xml><?xml version="1.0" encoding="utf-8"?>
+<p:notes xmlns:a="http://schemas.openxmlformats.org/drawingml/2006/main" xmlns:r="http://schemas.openxmlformats.org/officeDocument/2006/relationships" xmlns:p="http://schemas.openxmlformats.org/presentationml/2006/main">
+  <p:cSld>
+    <p:spTree>
+      <p:nvGrpSpPr>
+        <p:cNvPr id="1" name=""/>
+        <p:cNvGrpSpPr/>
+        <p:nvPr/>
+      </p:nvGrpSpPr>
+      <p:grpSpPr>
+        <a:xfrm>
+          <a:off x="0" y="0"/>
+          <a:ext cx="0" cy="0"/>
+          <a:chOff x="0" y="0"/>
+          <a:chExt cx="0" cy="0"/>
+        </a:xfrm>
+      </p:grpSpPr>
+      <p:sp>
+        <p:nvSpPr>
+          <p:cNvPr id="2" name="Espaço Reservado para Imagem de Slide 1"/>
+          <p:cNvSpPr>
+            <a:spLocks noGrp="1" noRot="1" noChangeAspect="1"/>
+          </p:cNvSpPr>
+          <p:nvPr>
+            <p:ph type="sldImg"/>
+          </p:nvPr>
+        </p:nvSpPr>
+        <p:spPr/>
+      </p:sp>
+      <p:sp>
+        <p:nvSpPr>
+          <p:cNvPr id="3" name="Espaço Reservado para Anotações 2"/>
+          <p:cNvSpPr>
+            <a:spLocks noGrp="1"/>
+          </p:cNvSpPr>
+          <p:nvPr>
+            <p:ph type="body" idx="1"/>
+          </p:nvPr>
+        </p:nvSpPr>
+        <p:spPr/>
+        <p:txBody>
+          <a:bodyPr/>
+          <a:lstStyle/>
+          <a:p>
+            <a:r>
+              <a:rPr lang="pt-BR" dirty="0" err="1" smtClean="0"/>
+              <a:t>carlos</a:t>
+            </a:r>
+            <a:r>
+              <a:rPr lang="pt-BR" dirty="0" smtClean="0"/>
+              <a:t> </a:t>
+            </a:r>
+            <a:r>
+              <a:rPr lang="pt-BR" dirty="0" smtClean="0"/>
+              <a:t>- 1:30 slide </a:t>
+            </a:r>
+            <a:r>
+              <a:rPr lang="pt-BR" dirty="0" smtClean="0"/>
+              <a:t>8</a:t>
+            </a:r>
+          </a:p>
+          <a:p>
+            <a:endParaRPr lang="pt-BR" dirty="0" smtClean="0"/>
+          </a:p>
+          <a:p>
+            <a:r>
+              <a:rPr lang="pt-BR" dirty="0" smtClean="0"/>
+              <a:t>Colocar estatísticas de comparativo antes e depois</a:t>
+            </a:r>
+          </a:p>
+          <a:p>
+            <a:endParaRPr lang="pt-BR" dirty="0"/>
+          </a:p>
+        </p:txBody>
+      </p:sp>
+      <p:sp>
+        <p:nvSpPr>
+          <p:cNvPr id="4" name="Espaço Reservado para Número de Slide 3"/>
+          <p:cNvSpPr>
+            <a:spLocks noGrp="1"/>
+          </p:cNvSpPr>
+          <p:nvPr>
+            <p:ph type="sldNum" sz="quarter" idx="10"/>
+          </p:nvPr>
+        </p:nvSpPr>
+        <p:spPr/>
+        <p:txBody>
+          <a:bodyPr/>
+          <a:lstStyle/>
+          <a:p>
+            <a:fld id="{467D9C01-D751-4A74-854B-E5C067626FA7}" type="slidenum">
+              <a:rPr lang="pt-BR" smtClean="0"/>
+              <a:t>8</a:t>
+            </a:fld>
+            <a:endParaRPr lang="pt-BR"/>
+          </a:p>
+        </p:txBody>
+      </p:sp>
+    </p:spTree>
+    <p:extLst>
+      <p:ext uri="{BB962C8B-B14F-4D97-AF65-F5344CB8AC3E}">
+        <p14:creationId xmlns:p14="http://schemas.microsoft.com/office/powerpoint/2010/main" val="930629366"/>
+      </p:ext>
+    </p:extLst>
+  </p:cSld>
+  <p:clrMapOvr>
+    <a:masterClrMapping/>
+  </p:clrMapOvr>
+</p:notes>
+</file>
+
+<file path=ppt/notesSlides/notesSlide9.xml><?xml version="1.0" encoding="utf-8"?>
+<p:notes xmlns:a="http://schemas.openxmlformats.org/drawingml/2006/main" xmlns:r="http://schemas.openxmlformats.org/officeDocument/2006/relationships" xmlns:p="http://schemas.openxmlformats.org/presentationml/2006/main">
+  <p:cSld>
+    <p:spTree>
+      <p:nvGrpSpPr>
+        <p:cNvPr id="1" name=""/>
+        <p:cNvGrpSpPr/>
+        <p:nvPr/>
+      </p:nvGrpSpPr>
+      <p:grpSpPr>
+        <a:xfrm>
+          <a:off x="0" y="0"/>
+          <a:ext cx="0" cy="0"/>
+          <a:chOff x="0" y="0"/>
+          <a:chExt cx="0" cy="0"/>
+        </a:xfrm>
+      </p:grpSpPr>
+      <p:sp>
+        <p:nvSpPr>
+          <p:cNvPr id="2" name="Espaço Reservado para Imagem de Slide 1"/>
+          <p:cNvSpPr>
+            <a:spLocks noGrp="1" noRot="1" noChangeAspect="1"/>
+          </p:cNvSpPr>
+          <p:nvPr>
+            <p:ph type="sldImg"/>
+          </p:nvPr>
+        </p:nvSpPr>
+        <p:spPr/>
+      </p:sp>
+      <p:sp>
+        <p:nvSpPr>
+          <p:cNvPr id="3" name="Espaço Reservado para Anotações 2"/>
+          <p:cNvSpPr>
+            <a:spLocks noGrp="1"/>
+          </p:cNvSpPr>
+          <p:nvPr>
+            <p:ph type="body" idx="1"/>
+          </p:nvPr>
+        </p:nvSpPr>
+        <p:spPr/>
+        <p:txBody>
+          <a:bodyPr/>
+          <a:lstStyle/>
+          <a:p>
+            <a:r>
+              <a:rPr lang="it-IT" dirty="0" smtClean="0"/>
+              <a:t>Diogo</a:t>
+            </a:r>
+          </a:p>
+          <a:p>
+            <a:r>
+              <a:rPr lang="it-IT" dirty="0" smtClean="0"/>
+              <a:t>Carlos</a:t>
+            </a:r>
+          </a:p>
+          <a:p>
+            <a:r>
+              <a:rPr lang="it-IT" dirty="0" smtClean="0"/>
+              <a:t>Clei</a:t>
+            </a:r>
+          </a:p>
+          <a:p>
+            <a:r>
+              <a:rPr lang="it-IT" dirty="0" smtClean="0"/>
+              <a:t>Daniel</a:t>
+            </a:r>
+          </a:p>
+          <a:p>
+            <a:r>
+              <a:rPr lang="it-IT" dirty="0" smtClean="0"/>
+              <a:t>demetrius</a:t>
+            </a:r>
+            <a:endParaRPr lang="pt-BR" dirty="0" smtClean="0"/>
+          </a:p>
+        </p:txBody>
+      </p:sp>
+      <p:sp>
+        <p:nvSpPr>
+          <p:cNvPr id="4" name="Espaço Reservado para Número de Slide 3"/>
+          <p:cNvSpPr>
+            <a:spLocks noGrp="1"/>
+          </p:cNvSpPr>
+          <p:nvPr>
+            <p:ph type="sldNum" sz="quarter" idx="10"/>
+          </p:nvPr>
+        </p:nvSpPr>
+        <p:spPr/>
+        <p:txBody>
+          <a:bodyPr/>
+          <a:lstStyle/>
+          <a:p>
+            <a:fld id="{467D9C01-D751-4A74-854B-E5C067626FA7}" type="slidenum">
+              <a:rPr lang="pt-BR" smtClean="0"/>
+              <a:t>9</a:t>
+            </a:fld>
+            <a:endParaRPr lang="pt-BR"/>
+          </a:p>
+        </p:txBody>
+      </p:sp>
+    </p:spTree>
+    <p:extLst>
+      <p:ext uri="{BB962C8B-B14F-4D97-AF65-F5344CB8AC3E}">
+        <p14:creationId xmlns:p14="http://schemas.microsoft.com/office/powerpoint/2010/main" val="3544045124"/>
+      </p:ext>
+    </p:extLst>
+  </p:cSld>
+  <p:clrMapOvr>
+    <a:masterClrMapping/>
+  </p:clrMapOvr>
+</p:notes>
 </file>
 
 <file path=ppt/slideLayouts/slideLayout1.xml><?xml version="1.0" encoding="utf-8"?>
@@ -870,7 +2331,7 @@
             <a:fld id="{B61BEF0D-F0BB-DE4B-95CE-6DB70DBA9567}" type="datetimeFigureOut">
               <a:rPr lang="en-US" dirty="0"/>
               <a:pPr/>
-              <a:t>11/20/2016</a:t>
+              <a:t>11/26/2016</a:t>
             </a:fld>
             <a:endParaRPr lang="en-US" dirty="0"/>
           </a:p>
@@ -1118,7 +2579,7 @@
             <a:fld id="{B61BEF0D-F0BB-DE4B-95CE-6DB70DBA9567}" type="datetimeFigureOut">
               <a:rPr lang="en-US" dirty="0"/>
               <a:pPr/>
-              <a:t>11/20/2016</a:t>
+              <a:t>11/26/2016</a:t>
             </a:fld>
             <a:endParaRPr lang="en-US" dirty="0"/>
           </a:p>
@@ -1429,7 +2890,7 @@
             <a:fld id="{B61BEF0D-F0BB-DE4B-95CE-6DB70DBA9567}" type="datetimeFigureOut">
               <a:rPr lang="en-US" dirty="0"/>
               <a:pPr/>
-              <a:t>11/20/2016</a:t>
+              <a:t>11/26/2016</a:t>
             </a:fld>
             <a:endParaRPr lang="en-US" dirty="0"/>
           </a:p>
@@ -1759,7 +3220,7 @@
             <a:fld id="{B61BEF0D-F0BB-DE4B-95CE-6DB70DBA9567}" type="datetimeFigureOut">
               <a:rPr lang="en-US" dirty="0"/>
               <a:pPr/>
-              <a:t>11/20/2016</a:t>
+              <a:t>11/26/2016</a:t>
             </a:fld>
             <a:endParaRPr lang="en-US" dirty="0"/>
           </a:p>
@@ -2070,7 +3531,7 @@
             <a:fld id="{B61BEF0D-F0BB-DE4B-95CE-6DB70DBA9567}" type="datetimeFigureOut">
               <a:rPr lang="en-US" dirty="0"/>
               <a:pPr/>
-              <a:t>11/20/2016</a:t>
+              <a:t>11/26/2016</a:t>
             </a:fld>
             <a:endParaRPr lang="en-US" dirty="0"/>
           </a:p>
@@ -2460,7 +3921,7 @@
             <a:fld id="{B61BEF0D-F0BB-DE4B-95CE-6DB70DBA9567}" type="datetimeFigureOut">
               <a:rPr lang="en-US" dirty="0"/>
               <a:pPr/>
-              <a:t>11/20/2016</a:t>
+              <a:t>11/26/2016</a:t>
             </a:fld>
             <a:endParaRPr lang="en-US" dirty="0"/>
           </a:p>
@@ -2626,7 +4087,7 @@
           <a:p>
             <a:fld id="{55C6B4A9-1611-4792-9094-5F34BCA07E0B}" type="datetimeFigureOut">
               <a:rPr lang="en-US" dirty="0"/>
-              <a:t>11/20/2016</a:t>
+              <a:t>11/26/2016</a:t>
             </a:fld>
             <a:endParaRPr lang="en-US" dirty="0"/>
           </a:p>
@@ -2802,7 +4263,7 @@
             <a:fld id="{B61BEF0D-F0BB-DE4B-95CE-6DB70DBA9567}" type="datetimeFigureOut">
               <a:rPr lang="en-US" dirty="0"/>
               <a:pPr/>
-              <a:t>11/20/2016</a:t>
+              <a:t>11/26/2016</a:t>
             </a:fld>
             <a:endParaRPr lang="en-US" dirty="0"/>
           </a:p>
@@ -2968,7 +4429,7 @@
           <a:p>
             <a:fld id="{42A54C80-263E-416B-A8E0-580EDEADCBDC}" type="datetimeFigureOut">
               <a:rPr lang="en-US" dirty="0"/>
-              <a:t>11/20/2016</a:t>
+              <a:t>11/26/2016</a:t>
             </a:fld>
             <a:endParaRPr lang="en-US" dirty="0"/>
           </a:p>
@@ -3211,7 +4672,7 @@
             <a:fld id="{B61BEF0D-F0BB-DE4B-95CE-6DB70DBA9567}" type="datetimeFigureOut">
               <a:rPr lang="en-US" dirty="0"/>
               <a:pPr/>
-              <a:t>11/20/2016</a:t>
+              <a:t>11/26/2016</a:t>
             </a:fld>
             <a:endParaRPr lang="en-US" dirty="0"/>
           </a:p>
@@ -3439,7 +4900,7 @@
           <a:p>
             <a:fld id="{42A54C80-263E-416B-A8E0-580EDEADCBDC}" type="datetimeFigureOut">
               <a:rPr lang="en-US" dirty="0"/>
-              <a:t>11/20/2016</a:t>
+              <a:t>11/26/2016</a:t>
             </a:fld>
             <a:endParaRPr lang="en-US" dirty="0"/>
           </a:p>
@@ -3809,7 +5270,7 @@
             <a:fld id="{B61BEF0D-F0BB-DE4B-95CE-6DB70DBA9567}" type="datetimeFigureOut">
               <a:rPr lang="en-US" dirty="0"/>
               <a:pPr/>
-              <a:t>11/20/2016</a:t>
+              <a:t>11/26/2016</a:t>
             </a:fld>
             <a:endParaRPr lang="en-US" dirty="0"/>
           </a:p>
@@ -3929,7 +5390,7 @@
             <a:fld id="{B61BEF0D-F0BB-DE4B-95CE-6DB70DBA9567}" type="datetimeFigureOut">
               <a:rPr lang="en-US" dirty="0"/>
               <a:pPr/>
-              <a:t>11/20/2016</a:t>
+              <a:t>11/26/2016</a:t>
             </a:fld>
             <a:endParaRPr lang="en-US" dirty="0"/>
           </a:p>
@@ -4021,7 +5482,7 @@
             <a:fld id="{B61BEF0D-F0BB-DE4B-95CE-6DB70DBA9567}" type="datetimeFigureOut">
               <a:rPr lang="en-US" dirty="0"/>
               <a:pPr/>
-              <a:t>11/20/2016</a:t>
+              <a:t>11/26/2016</a:t>
             </a:fld>
             <a:endParaRPr lang="en-US" dirty="0"/>
           </a:p>
@@ -4272,7 +5733,7 @@
           <a:p>
             <a:fld id="{42A54C80-263E-416B-A8E0-580EDEADCBDC}" type="datetimeFigureOut">
               <a:rPr lang="en-US" dirty="0"/>
-              <a:t>11/20/2016</a:t>
+              <a:t>11/26/2016</a:t>
             </a:fld>
             <a:endParaRPr lang="en-US" dirty="0"/>
           </a:p>
@@ -4574,7 +6035,7 @@
             <a:fld id="{B61BEF0D-F0BB-DE4B-95CE-6DB70DBA9567}" type="datetimeFigureOut">
               <a:rPr lang="en-US" dirty="0"/>
               <a:pPr/>
-              <a:t>11/20/2016</a:t>
+              <a:t>11/26/2016</a:t>
             </a:fld>
             <a:endParaRPr lang="en-US" dirty="0"/>
           </a:p>
@@ -5272,7 +6733,7 @@
             <a:fld id="{B61BEF0D-F0BB-DE4B-95CE-6DB70DBA9567}" type="datetimeFigureOut">
               <a:rPr lang="en-US" dirty="0"/>
               <a:pPr/>
-              <a:t>11/20/2016</a:t>
+              <a:t>11/26/2016</a:t>
             </a:fld>
             <a:endParaRPr lang="en-US" dirty="0"/>
           </a:p>
@@ -6138,8 +7599,13 @@
                 <a:ea typeface="Calibri" panose="020F0502020204030204" pitchFamily="34" charset="0"/>
                 <a:cs typeface="Times New Roman" panose="02020603050405020304" pitchFamily="18" charset="0"/>
               </a:rPr>
-              <a:t>FLORES, DANIEL RIBEIRO, DIOGO PARADELLA</a:t>
-            </a:r>
+              <a:t>FLORES, DANIEL RIBEIRO, </a:t>
+            </a:r>
+            <a:endParaRPr lang="pt-BR" sz="1600" b="1" dirty="0">
+              <a:latin typeface="Arial" panose="020B0604020202020204" pitchFamily="34" charset="0"/>
+              <a:ea typeface="Calibri" panose="020F0502020204030204" pitchFamily="34" charset="0"/>
+              <a:cs typeface="Times New Roman" panose="02020603050405020304" pitchFamily="18" charset="0"/>
+            </a:endParaRPr>
           </a:p>
           <a:p>
             <a:pPr algn="ctr">
@@ -6156,31 +7622,7 @@
                 <a:ea typeface="Calibri" panose="020F0502020204030204" pitchFamily="34" charset="0"/>
                 <a:cs typeface="Times New Roman" panose="02020603050405020304" pitchFamily="18" charset="0"/>
               </a:rPr>
-              <a:t>ELIMAR </a:t>
-            </a:r>
-            <a:r>
-              <a:rPr lang="pt-BR" sz="1600" b="1" dirty="0">
-                <a:latin typeface="Arial" panose="020B0604020202020204" pitchFamily="34" charset="0"/>
-                <a:ea typeface="Calibri" panose="020F0502020204030204" pitchFamily="34" charset="0"/>
-                <a:cs typeface="Times New Roman" panose="02020603050405020304" pitchFamily="18" charset="0"/>
-              </a:rPr>
-              <a:t>DA </a:t>
-            </a:r>
-            <a:r>
-              <a:rPr lang="pt-BR" sz="1600" b="1" dirty="0" smtClean="0">
-                <a:latin typeface="Arial" panose="020B0604020202020204" pitchFamily="34" charset="0"/>
-                <a:ea typeface="Calibri" panose="020F0502020204030204" pitchFamily="34" charset="0"/>
-                <a:cs typeface="Times New Roman" panose="02020603050405020304" pitchFamily="18" charset="0"/>
-              </a:rPr>
-              <a:t>COSTA, </a:t>
-            </a:r>
-            <a:r>
-              <a:rPr lang="pt-BR" sz="1600" b="1" dirty="0" smtClean="0">
-                <a:latin typeface="Arial" panose="020B0604020202020204" pitchFamily="34" charset="0"/>
-                <a:ea typeface="Calibri" panose="020F0502020204030204" pitchFamily="34" charset="0"/>
-                <a:cs typeface="Times New Roman" panose="02020603050405020304" pitchFamily="18" charset="0"/>
-              </a:rPr>
-              <a:t>LUIS </a:t>
+              <a:t>DIOGO PARADELLA, LUIS </a:t>
             </a:r>
             <a:r>
               <a:rPr lang="pt-BR" sz="1600" b="1" dirty="0">
@@ -6249,7 +7691,7 @@
         <p:spPr>
           <a:xfrm>
             <a:off x="3490175" y="145957"/>
-            <a:ext cx="4572000" cy="626771"/>
+            <a:ext cx="4649273" cy="626771"/>
           </a:xfrm>
         </p:spPr>
         <p:txBody>
@@ -6260,7 +7702,7 @@
           <a:p>
             <a:r>
               <a:rPr lang="pt-BR" dirty="0" smtClean="0"/>
-              <a:t>Implementação</a:t>
+              <a:t>Futuras Implementações</a:t>
             </a:r>
             <a:endParaRPr lang="pt-BR" dirty="0"/>
           </a:p>
@@ -6276,8 +7718,8 @@
         </p:nvSpPr>
         <p:spPr>
           <a:xfrm>
-            <a:off x="431442" y="1017879"/>
-            <a:ext cx="9124681" cy="5434435"/>
+            <a:off x="431442" y="1481519"/>
+            <a:ext cx="9124681" cy="4107912"/>
           </a:xfrm>
           <a:prstGeom prst="rect">
             <a:avLst/>
@@ -6364,16 +7806,19 @@
               <a:lnSpc>
                 <a:spcPct val="150000"/>
               </a:lnSpc>
+              <a:buClr>
+                <a:schemeClr val="accent1"/>
+              </a:buClr>
               <a:buFont typeface="Wingdings" panose="05000000000000000000" pitchFamily="2" charset="2"/>
               <a:buChar char="Ø"/>
             </a:pPr>
             <a:r>
-              <a:rPr lang="pt-BR" sz="2400" dirty="0" smtClean="0">
+              <a:rPr lang="pt-BR" sz="2800" dirty="0" smtClean="0">
                 <a:solidFill>
                   <a:schemeClr val="tx1"/>
                 </a:solidFill>
               </a:rPr>
-              <a:t>O sistema web CRPO/Serra visa agilizar as atividades administrativas;</a:t>
+              <a:t>Escalabilidade para outras unidades subordinadas;</a:t>
             </a:r>
           </a:p>
           <a:p>
@@ -6381,16 +7826,19 @@
               <a:lnSpc>
                 <a:spcPct val="150000"/>
               </a:lnSpc>
+              <a:buClr>
+                <a:schemeClr val="accent1"/>
+              </a:buClr>
               <a:buFont typeface="Wingdings" panose="05000000000000000000" pitchFamily="2" charset="2"/>
               <a:buChar char="Ø"/>
             </a:pPr>
             <a:r>
-              <a:rPr lang="pt-BR" sz="2400" dirty="0" smtClean="0">
+              <a:rPr lang="pt-BR" sz="2800" dirty="0" smtClean="0">
                 <a:solidFill>
                   <a:schemeClr val="tx1"/>
                 </a:solidFill>
               </a:rPr>
-              <a:t>Gerenciar o efetivo;</a:t>
+              <a:t>Implementação de novos relatórios;</a:t>
             </a:r>
           </a:p>
           <a:p>
@@ -6398,16 +7846,19 @@
               <a:lnSpc>
                 <a:spcPct val="150000"/>
               </a:lnSpc>
+              <a:buClr>
+                <a:schemeClr val="accent1"/>
+              </a:buClr>
               <a:buFont typeface="Wingdings" panose="05000000000000000000" pitchFamily="2" charset="2"/>
               <a:buChar char="Ø"/>
             </a:pPr>
             <a:r>
-              <a:rPr lang="pt-BR" sz="2400" dirty="0" smtClean="0">
+              <a:rPr lang="pt-BR" sz="2800" dirty="0" smtClean="0">
                 <a:solidFill>
                   <a:schemeClr val="tx1"/>
                 </a:solidFill>
               </a:rPr>
-              <a:t>Agilizar o processo de apontamento de horas extras e gerenciamento de escala de serviço;</a:t>
+              <a:t>Chat interno;</a:t>
             </a:r>
           </a:p>
           <a:p>
@@ -6415,16 +7866,19 @@
               <a:lnSpc>
                 <a:spcPct val="150000"/>
               </a:lnSpc>
+              <a:buClr>
+                <a:schemeClr val="accent1"/>
+              </a:buClr>
               <a:buFont typeface="Wingdings" panose="05000000000000000000" pitchFamily="2" charset="2"/>
               <a:buChar char="Ø"/>
             </a:pPr>
             <a:r>
-              <a:rPr lang="pt-BR" sz="2400" dirty="0" smtClean="0">
+              <a:rPr lang="pt-BR" sz="2800" dirty="0" smtClean="0">
                 <a:solidFill>
                   <a:schemeClr val="tx1"/>
                 </a:solidFill>
               </a:rPr>
-              <a:t>Gerenciar o processo de solicitação e aprovação de dispensa;</a:t>
+              <a:t>Aperfeiçoamento dos requisitos;</a:t>
             </a:r>
           </a:p>
           <a:p>
@@ -6432,25 +7886,28 @@
               <a:lnSpc>
                 <a:spcPct val="150000"/>
               </a:lnSpc>
+              <a:buClr>
+                <a:schemeClr val="accent1"/>
+              </a:buClr>
               <a:buFont typeface="Wingdings" panose="05000000000000000000" pitchFamily="2" charset="2"/>
               <a:buChar char="Ø"/>
             </a:pPr>
-            <a:r>
-              <a:rPr lang="pt-BR" sz="2400" dirty="0" smtClean="0">
-                <a:solidFill>
-                  <a:schemeClr val="tx1"/>
-                </a:solidFill>
-              </a:rPr>
-              <a:t>Gerenciar o processo de documentos internos e externos;</a:t>
-            </a:r>
+            <a:endParaRPr lang="pt-BR" sz="2800" dirty="0" smtClean="0">
+              <a:solidFill>
+                <a:schemeClr val="tx1"/>
+              </a:solidFill>
+            </a:endParaRPr>
           </a:p>
           <a:p>
             <a:pPr>
               <a:lnSpc>
                 <a:spcPct val="150000"/>
               </a:lnSpc>
+              <a:buClr>
+                <a:schemeClr val="accent1"/>
+              </a:buClr>
             </a:pPr>
-            <a:endParaRPr lang="pt-BR" sz="2400" dirty="0" smtClean="0">
+            <a:endParaRPr lang="pt-BR" sz="2800" dirty="0" smtClean="0">
               <a:solidFill>
                 <a:schemeClr val="tx1"/>
               </a:solidFill>
@@ -6478,20 +7935,6 @@
               <a:buFont typeface="Wingdings" panose="05000000000000000000" pitchFamily="2" charset="2"/>
               <a:buChar char="Ø"/>
             </a:pPr>
-            <a:endParaRPr lang="pt-BR" sz="2400" dirty="0" smtClean="0">
-              <a:solidFill>
-                <a:schemeClr val="tx1"/>
-              </a:solidFill>
-            </a:endParaRPr>
-          </a:p>
-          <a:p>
-            <a:pPr marL="342900" indent="-342900">
-              <a:lnSpc>
-                <a:spcPct val="150000"/>
-              </a:lnSpc>
-              <a:buFont typeface="Wingdings" panose="05000000000000000000" pitchFamily="2" charset="2"/>
-              <a:buChar char="Ø"/>
-            </a:pPr>
             <a:endParaRPr lang="pt-BR" sz="2400" dirty="0">
               <a:solidFill>
                 <a:schemeClr val="tx1"/>
@@ -6500,10 +7943,39 @@
           </a:p>
         </p:txBody>
       </p:sp>
+      <p:pic>
+        <p:nvPicPr>
+          <p:cNvPr id="5" name="Espaço Reservado para Conteúdo 3"/>
+          <p:cNvPicPr>
+            <a:picLocks noGrp="1" noChangeAspect="1"/>
+          </p:cNvPicPr>
+          <p:nvPr>
+            <p:ph idx="1"/>
+          </p:nvPr>
+        </p:nvPicPr>
+        <p:blipFill>
+          <a:blip r:embed="rId3">
+            <a:extLst>
+              <a:ext uri="{28A0092B-C50C-407E-A947-70E740481C1C}">
+                <a14:useLocalDpi xmlns:a14="http://schemas.microsoft.com/office/drawing/2010/main" val="0"/>
+              </a:ext>
+            </a:extLst>
+          </a:blip>
+          <a:stretch>
+            <a:fillRect/>
+          </a:stretch>
+        </p:blipFill>
+        <p:spPr>
+          <a:xfrm>
+            <a:off x="9226371" y="4615243"/>
+            <a:ext cx="2965629" cy="2242757"/>
+          </a:xfrm>
+        </p:spPr>
+      </p:pic>
     </p:spTree>
     <p:extLst>
       <p:ext uri="{BB962C8B-B14F-4D97-AF65-F5344CB8AC3E}">
-        <p14:creationId xmlns:p14="http://schemas.microsoft.com/office/powerpoint/2010/main" val="2028673774"/>
+        <p14:creationId xmlns:p14="http://schemas.microsoft.com/office/powerpoint/2010/main" val="1641300376"/>
       </p:ext>
     </p:extLst>
   </p:cSld>
@@ -6537,20 +8009,49 @@
           <a:chExt cx="0" cy="0"/>
         </a:xfrm>
       </p:grpSpPr>
-      <p:sp>
-        <p:nvSpPr>
-          <p:cNvPr id="2" name="Título 1"/>
-          <p:cNvSpPr>
-            <a:spLocks noGrp="1"/>
-          </p:cNvSpPr>
-          <p:nvPr>
-            <p:ph type="title"/>
-          </p:nvPr>
-        </p:nvSpPr>
+      <p:pic>
+        <p:nvPicPr>
+          <p:cNvPr id="5" name="Espaço Reservado para Conteúdo 3"/>
+          <p:cNvPicPr>
+            <a:picLocks noGrp="1" noChangeAspect="1"/>
+          </p:cNvPicPr>
+          <p:nvPr>
+            <p:ph idx="1"/>
+          </p:nvPr>
+        </p:nvPicPr>
+        <p:blipFill>
+          <a:blip r:embed="rId3">
+            <a:extLst>
+              <a:ext uri="{28A0092B-C50C-407E-A947-70E740481C1C}">
+                <a14:useLocalDpi xmlns:a14="http://schemas.microsoft.com/office/drawing/2010/main" val="0"/>
+              </a:ext>
+            </a:extLst>
+          </a:blip>
+          <a:stretch>
+            <a:fillRect/>
+          </a:stretch>
+        </p:blipFill>
         <p:spPr>
           <a:xfrm>
-            <a:off x="3490175" y="145957"/>
-            <a:ext cx="3503053" cy="626771"/>
+            <a:off x="9226371" y="4615243"/>
+            <a:ext cx="2965629" cy="2242757"/>
+          </a:xfrm>
+        </p:spPr>
+      </p:pic>
+      <p:sp>
+        <p:nvSpPr>
+          <p:cNvPr id="2" name="Título 1"/>
+          <p:cNvSpPr>
+            <a:spLocks noGrp="1"/>
+          </p:cNvSpPr>
+          <p:nvPr>
+            <p:ph type="title"/>
+          </p:nvPr>
+        </p:nvSpPr>
+        <p:spPr>
+          <a:xfrm>
+            <a:off x="3895860" y="223231"/>
+            <a:ext cx="2112135" cy="626771"/>
           </a:xfrm>
         </p:spPr>
         <p:txBody>
@@ -6560,233 +8061,158 @@
           <a:lstStyle/>
           <a:p>
             <a:r>
-              <a:rPr lang="pt-BR" dirty="0"/>
-              <a:t>Lições aprendidas</a:t>
-            </a:r>
-          </a:p>
-        </p:txBody>
-      </p:sp>
-      <p:sp>
-        <p:nvSpPr>
-          <p:cNvPr id="4" name="Título 1"/>
-          <p:cNvSpPr txBox="1">
-            <a:spLocks/>
-          </p:cNvSpPr>
+              <a:rPr lang="pt-BR" dirty="0" smtClean="0"/>
+              <a:t>Conclusão</a:t>
+            </a:r>
+            <a:endParaRPr lang="pt-BR" dirty="0"/>
+          </a:p>
+        </p:txBody>
+      </p:sp>
+      <p:sp>
+        <p:nvSpPr>
+          <p:cNvPr id="4" name="Retângulo 3"/>
+          <p:cNvSpPr/>
           <p:nvPr/>
         </p:nvSpPr>
         <p:spPr>
           <a:xfrm>
-            <a:off x="431442" y="1481519"/>
-            <a:ext cx="9124681" cy="4107912"/>
+            <a:off x="247918" y="1171973"/>
+            <a:ext cx="9408017" cy="3746667"/>
           </a:xfrm>
           <a:prstGeom prst="rect">
             <a:avLst/>
           </a:prstGeom>
         </p:spPr>
         <p:txBody>
-          <a:bodyPr vert="horz" lIns="91440" tIns="45720" rIns="91440" bIns="45720" rtlCol="0" anchor="t">
-            <a:noAutofit/>
+          <a:bodyPr wrap="square">
+            <a:spAutoFit/>
           </a:bodyPr>
-          <a:lstStyle>
-            <a:lvl1pPr algn="l" defTabSz="457200" rtl="0" eaLnBrk="1" latinLnBrk="0" hangingPunct="1">
-              <a:spcBef>
-                <a:spcPct val="0"/>
-              </a:spcBef>
-              <a:buNone/>
-              <a:defRPr sz="3600" kern="1200">
-                <a:solidFill>
-                  <a:schemeClr val="accent1"/>
-                </a:solidFill>
-                <a:latin typeface="+mj-lt"/>
-                <a:ea typeface="+mj-ea"/>
-                <a:cs typeface="+mj-cs"/>
-              </a:defRPr>
-            </a:lvl1pPr>
-            <a:lvl2pPr eaLnBrk="1" hangingPunct="1">
-              <a:defRPr>
-                <a:solidFill>
-                  <a:schemeClr val="tx2"/>
-                </a:solidFill>
-              </a:defRPr>
-            </a:lvl2pPr>
-            <a:lvl3pPr eaLnBrk="1" hangingPunct="1">
-              <a:defRPr>
-                <a:solidFill>
-                  <a:schemeClr val="tx2"/>
-                </a:solidFill>
-              </a:defRPr>
-            </a:lvl3pPr>
-            <a:lvl4pPr eaLnBrk="1" hangingPunct="1">
-              <a:defRPr>
-                <a:solidFill>
-                  <a:schemeClr val="tx2"/>
-                </a:solidFill>
-              </a:defRPr>
-            </a:lvl4pPr>
-            <a:lvl5pPr eaLnBrk="1" hangingPunct="1">
-              <a:defRPr>
-                <a:solidFill>
-                  <a:schemeClr val="tx2"/>
-                </a:solidFill>
-              </a:defRPr>
-            </a:lvl5pPr>
-            <a:lvl6pPr eaLnBrk="1" hangingPunct="1">
-              <a:defRPr>
-                <a:solidFill>
-                  <a:schemeClr val="tx2"/>
-                </a:solidFill>
-              </a:defRPr>
-            </a:lvl6pPr>
-            <a:lvl7pPr eaLnBrk="1" hangingPunct="1">
-              <a:defRPr>
-                <a:solidFill>
-                  <a:schemeClr val="tx2"/>
-                </a:solidFill>
-              </a:defRPr>
-            </a:lvl7pPr>
-            <a:lvl8pPr eaLnBrk="1" hangingPunct="1">
-              <a:defRPr>
-                <a:solidFill>
-                  <a:schemeClr val="tx2"/>
-                </a:solidFill>
-              </a:defRPr>
-            </a:lvl8pPr>
-            <a:lvl9pPr eaLnBrk="1" hangingPunct="1">
-              <a:defRPr>
-                <a:solidFill>
-                  <a:schemeClr val="tx2"/>
-                </a:solidFill>
-              </a:defRPr>
-            </a:lvl9pPr>
-          </a:lstStyle>
+          <a:lstStyle/>
           <a:p>
             <a:pPr marL="342900" indent="-342900">
               <a:lnSpc>
-                <a:spcPct val="150000"/>
+                <a:spcPct val="115000"/>
               </a:lnSpc>
+              <a:spcAft>
+                <a:spcPts val="1000"/>
+              </a:spcAft>
               <a:buFont typeface="Wingdings" panose="05000000000000000000" pitchFamily="2" charset="2"/>
               <a:buChar char="Ø"/>
             </a:pPr>
             <a:r>
+              <a:rPr lang="pt-BR" sz="2400" dirty="0">
+                <a:latin typeface="Arial" panose="020B0604020202020204" pitchFamily="34" charset="0"/>
+                <a:ea typeface="Calibri" panose="020F0502020204030204" pitchFamily="34" charset="0"/>
+                <a:cs typeface="Times New Roman" panose="02020603050405020304" pitchFamily="18" charset="0"/>
+              </a:rPr>
+              <a:t>A realidade vista nas repartições públicas, no quesito controle dos </a:t>
+            </a:r>
+            <a:r>
               <a:rPr lang="pt-BR" sz="2400" dirty="0" smtClean="0">
-                <a:solidFill>
-                  <a:schemeClr val="tx1"/>
-                </a:solidFill>
+                <a:latin typeface="Arial" panose="020B0604020202020204" pitchFamily="34" charset="0"/>
+                <a:ea typeface="Calibri" panose="020F0502020204030204" pitchFamily="34" charset="0"/>
+                <a:cs typeface="Times New Roman" panose="02020603050405020304" pitchFamily="18" charset="0"/>
               </a:rPr>
-              <a:t>Trabalho em equipe;</a:t>
+              <a:t>processos</a:t>
             </a:r>
           </a:p>
           <a:p>
             <a:pPr marL="342900" indent="-342900">
               <a:lnSpc>
-                <a:spcPct val="150000"/>
+                <a:spcPct val="115000"/>
               </a:lnSpc>
+              <a:spcAft>
+                <a:spcPts val="1000"/>
+              </a:spcAft>
               <a:buFont typeface="Wingdings" panose="05000000000000000000" pitchFamily="2" charset="2"/>
               <a:buChar char="Ø"/>
             </a:pPr>
             <a:r>
               <a:rPr lang="pt-BR" sz="2400" dirty="0" smtClean="0">
-                <a:solidFill>
-                  <a:schemeClr val="tx1"/>
-                </a:solidFill>
+                <a:latin typeface="Arial" panose="020B0604020202020204" pitchFamily="34" charset="0"/>
+                <a:ea typeface="Calibri" panose="020F0502020204030204" pitchFamily="34" charset="0"/>
+                <a:cs typeface="Times New Roman" panose="02020603050405020304" pitchFamily="18" charset="0"/>
               </a:rPr>
-              <a:t>Distribuição de responsabilidades;</a:t>
-            </a:r>
+              <a:t>O </a:t>
+            </a:r>
+            <a:r>
+              <a:rPr lang="pt-BR" sz="2400" dirty="0">
+                <a:latin typeface="Arial" panose="020B0604020202020204" pitchFamily="34" charset="0"/>
+                <a:ea typeface="Calibri" panose="020F0502020204030204" pitchFamily="34" charset="0"/>
+                <a:cs typeface="Times New Roman" panose="02020603050405020304" pitchFamily="18" charset="0"/>
+              </a:rPr>
+              <a:t>objetivo </a:t>
+            </a:r>
+            <a:r>
+              <a:rPr lang="pt-BR" sz="2400" dirty="0" smtClean="0">
+                <a:latin typeface="Arial" panose="020B0604020202020204" pitchFamily="34" charset="0"/>
+                <a:ea typeface="Calibri" panose="020F0502020204030204" pitchFamily="34" charset="0"/>
+                <a:cs typeface="Times New Roman" panose="02020603050405020304" pitchFamily="18" charset="0"/>
+              </a:rPr>
+              <a:t>deste </a:t>
+            </a:r>
+            <a:r>
+              <a:rPr lang="pt-BR" sz="2400" dirty="0">
+                <a:latin typeface="Arial" panose="020B0604020202020204" pitchFamily="34" charset="0"/>
+                <a:ea typeface="Calibri" panose="020F0502020204030204" pitchFamily="34" charset="0"/>
+                <a:cs typeface="Times New Roman" panose="02020603050405020304" pitchFamily="18" charset="0"/>
+              </a:rPr>
+              <a:t>estudo foi alcançado e permitirá aos usuários uma automatização do fluxo de trabalho, proporcionando-lhes maior controle sobre as escalas e menor probabilidade de </a:t>
+            </a:r>
+            <a:r>
+              <a:rPr lang="pt-BR" sz="2400" dirty="0" smtClean="0">
+                <a:latin typeface="Arial" panose="020B0604020202020204" pitchFamily="34" charset="0"/>
+                <a:ea typeface="Calibri" panose="020F0502020204030204" pitchFamily="34" charset="0"/>
+                <a:cs typeface="Times New Roman" panose="02020603050405020304" pitchFamily="18" charset="0"/>
+              </a:rPr>
+              <a:t>erro.</a:t>
+            </a:r>
+            <a:endParaRPr lang="pt-BR" sz="2000" dirty="0">
+              <a:latin typeface="Calibri" panose="020F0502020204030204" pitchFamily="34" charset="0"/>
+              <a:ea typeface="Calibri" panose="020F0502020204030204" pitchFamily="34" charset="0"/>
+              <a:cs typeface="Times New Roman" panose="02020603050405020304" pitchFamily="18" charset="0"/>
+            </a:endParaRPr>
           </a:p>
           <a:p>
             <a:pPr marL="342900" indent="-342900">
               <a:lnSpc>
-                <a:spcPct val="150000"/>
+                <a:spcPct val="115000"/>
               </a:lnSpc>
+              <a:spcAft>
+                <a:spcPts val="1000"/>
+              </a:spcAft>
               <a:buFont typeface="Wingdings" panose="05000000000000000000" pitchFamily="2" charset="2"/>
               <a:buChar char="Ø"/>
             </a:pPr>
             <a:r>
               <a:rPr lang="pt-BR" sz="2400" dirty="0" smtClean="0">
-                <a:solidFill>
-                  <a:schemeClr val="tx1"/>
-                </a:solidFill>
+                <a:latin typeface="Arial" panose="020B0604020202020204" pitchFamily="34" charset="0"/>
+                <a:ea typeface="Calibri" panose="020F0502020204030204" pitchFamily="34" charset="0"/>
+                <a:cs typeface="Times New Roman" panose="02020603050405020304" pitchFamily="18" charset="0"/>
               </a:rPr>
-              <a:t>Controle de socopo;</a:t>
-            </a:r>
-          </a:p>
-          <a:p>
-            <a:pPr marL="342900" indent="-342900">
-              <a:lnSpc>
-                <a:spcPct val="150000"/>
-              </a:lnSpc>
-              <a:buFont typeface="Wingdings" panose="05000000000000000000" pitchFamily="2" charset="2"/>
-              <a:buChar char="Ø"/>
-            </a:pPr>
+              <a:t>Uma </a:t>
+            </a:r>
+            <a:r>
+              <a:rPr lang="pt-BR" sz="2400" dirty="0">
+                <a:latin typeface="Arial" panose="020B0604020202020204" pitchFamily="34" charset="0"/>
+                <a:ea typeface="Calibri" panose="020F0502020204030204" pitchFamily="34" charset="0"/>
+                <a:cs typeface="Times New Roman" panose="02020603050405020304" pitchFamily="18" charset="0"/>
+              </a:rPr>
+              <a:t>ferramenta deste porte se define não apenas como um simples software de controle, e sim como uma ferramenta de apoio nas tomadas de decisão dos diferentes setores</a:t>
+            </a:r>
             <a:r>
               <a:rPr lang="pt-BR" sz="2400" dirty="0" smtClean="0">
-                <a:solidFill>
-                  <a:schemeClr val="tx1"/>
-                </a:solidFill>
+                <a:latin typeface="Arial" panose="020B0604020202020204" pitchFamily="34" charset="0"/>
+                <a:ea typeface="Calibri" panose="020F0502020204030204" pitchFamily="34" charset="0"/>
+                <a:cs typeface="Times New Roman" panose="02020603050405020304" pitchFamily="18" charset="0"/>
               </a:rPr>
-              <a:t>Controle de tempo;</a:t>
-            </a:r>
-          </a:p>
-          <a:p>
-            <a:pPr marL="342900" indent="-342900">
-              <a:lnSpc>
-                <a:spcPct val="150000"/>
-              </a:lnSpc>
-              <a:buFont typeface="Wingdings" panose="05000000000000000000" pitchFamily="2" charset="2"/>
-              <a:buChar char="Ø"/>
-            </a:pPr>
-            <a:r>
-              <a:rPr lang="pt-BR" sz="2400" dirty="0" smtClean="0">
-                <a:solidFill>
-                  <a:schemeClr val="tx1"/>
-                </a:solidFill>
-              </a:rPr>
-              <a:t>Assiduidade nas entregas;</a:t>
-            </a:r>
-          </a:p>
-          <a:p>
-            <a:pPr marL="342900" indent="-342900">
-              <a:lnSpc>
-                <a:spcPct val="150000"/>
-              </a:lnSpc>
-              <a:buFont typeface="Wingdings" panose="05000000000000000000" pitchFamily="2" charset="2"/>
-              <a:buChar char="Ø"/>
-            </a:pPr>
-            <a:r>
-              <a:rPr lang="pt-BR" sz="2400" dirty="0" smtClean="0">
-                <a:solidFill>
-                  <a:schemeClr val="tx1"/>
-                </a:solidFill>
-              </a:rPr>
-              <a:t>Levantamento de requisitos;</a:t>
-            </a:r>
-          </a:p>
-          <a:p>
-            <a:pPr marL="342900" indent="-342900">
-              <a:lnSpc>
-                <a:spcPct val="150000"/>
-              </a:lnSpc>
-              <a:buFont typeface="Wingdings" panose="05000000000000000000" pitchFamily="2" charset="2"/>
-              <a:buChar char="Ø"/>
-            </a:pPr>
-            <a:endParaRPr lang="pt-BR" sz="2400" dirty="0" smtClean="0">
-              <a:solidFill>
-                <a:schemeClr val="tx1"/>
-              </a:solidFill>
-            </a:endParaRPr>
-          </a:p>
-          <a:p>
-            <a:pPr marL="342900" indent="-342900">
-              <a:lnSpc>
-                <a:spcPct val="150000"/>
-              </a:lnSpc>
-              <a:buFont typeface="Wingdings" panose="05000000000000000000" pitchFamily="2" charset="2"/>
-              <a:buChar char="Ø"/>
-            </a:pPr>
-            <a:endParaRPr lang="pt-BR" sz="2400" dirty="0">
-              <a:solidFill>
-                <a:schemeClr val="tx1"/>
-              </a:solidFill>
+              <a:t>.</a:t>
+            </a:r>
+            <a:endParaRPr lang="pt-BR" sz="2000" dirty="0">
+              <a:effectLst/>
+              <a:latin typeface="Calibri" panose="020F0502020204030204" pitchFamily="34" charset="0"/>
+              <a:ea typeface="Calibri" panose="020F0502020204030204" pitchFamily="34" charset="0"/>
+              <a:cs typeface="Times New Roman" panose="02020603050405020304" pitchFamily="18" charset="0"/>
             </a:endParaRPr>
           </a:p>
         </p:txBody>
@@ -6794,7 +8220,7 @@
     </p:spTree>
     <p:extLst>
       <p:ext uri="{BB962C8B-B14F-4D97-AF65-F5344CB8AC3E}">
-        <p14:creationId xmlns:p14="http://schemas.microsoft.com/office/powerpoint/2010/main" val="2702419248"/>
+        <p14:creationId xmlns:p14="http://schemas.microsoft.com/office/powerpoint/2010/main" val="2860427375"/>
       </p:ext>
     </p:extLst>
   </p:cSld>
@@ -6828,197 +8254,35 @@
           <a:chExt cx="0" cy="0"/>
         </a:xfrm>
       </p:grpSpPr>
-      <p:sp>
-        <p:nvSpPr>
-          <p:cNvPr id="2" name="Título 1"/>
-          <p:cNvSpPr>
-            <a:spLocks noGrp="1"/>
-          </p:cNvSpPr>
-          <p:nvPr>
-            <p:ph type="title"/>
-          </p:nvPr>
-        </p:nvSpPr>
+      <p:pic>
+        <p:nvPicPr>
+          <p:cNvPr id="5" name="Espaço Reservado para Conteúdo 3"/>
+          <p:cNvPicPr>
+            <a:picLocks noGrp="1" noChangeAspect="1"/>
+          </p:cNvPicPr>
+          <p:nvPr>
+            <p:ph idx="1"/>
+          </p:nvPr>
+        </p:nvPicPr>
+        <p:blipFill>
+          <a:blip r:embed="rId2">
+            <a:extLst>
+              <a:ext uri="{28A0092B-C50C-407E-A947-70E740481C1C}">
+                <a14:useLocalDpi xmlns:a14="http://schemas.microsoft.com/office/drawing/2010/main" val="0"/>
+              </a:ext>
+            </a:extLst>
+          </a:blip>
+          <a:stretch>
+            <a:fillRect/>
+          </a:stretch>
+        </p:blipFill>
         <p:spPr>
           <a:xfrm>
-            <a:off x="3895860" y="223231"/>
-            <a:ext cx="2112135" cy="626771"/>
+            <a:off x="9226371" y="4615243"/>
+            <a:ext cx="2965629" cy="2242757"/>
           </a:xfrm>
         </p:spPr>
-        <p:txBody>
-          <a:bodyPr>
-            <a:normAutofit fontScale="90000"/>
-          </a:bodyPr>
-          <a:lstStyle/>
-          <a:p>
-            <a:r>
-              <a:rPr lang="pt-BR" dirty="0" smtClean="0"/>
-              <a:t>Conclusão</a:t>
-            </a:r>
-            <a:endParaRPr lang="pt-BR" dirty="0"/>
-          </a:p>
-        </p:txBody>
-      </p:sp>
-      <p:sp>
-        <p:nvSpPr>
-          <p:cNvPr id="4" name="Retângulo 3"/>
-          <p:cNvSpPr/>
-          <p:nvPr/>
-        </p:nvSpPr>
-        <p:spPr>
-          <a:xfrm>
-            <a:off x="247918" y="1171973"/>
-            <a:ext cx="9408017" cy="4171398"/>
-          </a:xfrm>
-          <a:prstGeom prst="rect">
-            <a:avLst/>
-          </a:prstGeom>
-        </p:spPr>
-        <p:txBody>
-          <a:bodyPr wrap="square">
-            <a:spAutoFit/>
-          </a:bodyPr>
-          <a:lstStyle/>
-          <a:p>
-            <a:pPr indent="540385">
-              <a:lnSpc>
-                <a:spcPct val="115000"/>
-              </a:lnSpc>
-              <a:spcAft>
-                <a:spcPts val="1000"/>
-              </a:spcAft>
-            </a:pPr>
-            <a:r>
-              <a:rPr lang="pt-BR" sz="2400" dirty="0">
-                <a:latin typeface="Arial" panose="020B0604020202020204" pitchFamily="34" charset="0"/>
-                <a:ea typeface="Calibri" panose="020F0502020204030204" pitchFamily="34" charset="0"/>
-                <a:cs typeface="Times New Roman" panose="02020603050405020304" pitchFamily="18" charset="0"/>
-              </a:rPr>
-              <a:t>A realidade vista nas repartições públicas, no quesito controle dos processos, vem deixando muito a desejar, consequentemente geram um retrabalho enorme para os servidores civis (usuário).</a:t>
-            </a:r>
-            <a:endParaRPr lang="pt-BR" sz="2000" dirty="0">
-              <a:latin typeface="Calibri" panose="020F0502020204030204" pitchFamily="34" charset="0"/>
-              <a:ea typeface="Calibri" panose="020F0502020204030204" pitchFamily="34" charset="0"/>
-              <a:cs typeface="Times New Roman" panose="02020603050405020304" pitchFamily="18" charset="0"/>
-            </a:endParaRPr>
-          </a:p>
-          <a:p>
-            <a:pPr indent="540385">
-              <a:lnSpc>
-                <a:spcPct val="115000"/>
-              </a:lnSpc>
-              <a:spcAft>
-                <a:spcPts val="1000"/>
-              </a:spcAft>
-            </a:pPr>
-            <a:r>
-              <a:rPr lang="pt-BR" sz="2400" dirty="0">
-                <a:latin typeface="Arial" panose="020B0604020202020204" pitchFamily="34" charset="0"/>
-                <a:ea typeface="Calibri" panose="020F0502020204030204" pitchFamily="34" charset="0"/>
-                <a:cs typeface="Times New Roman" panose="02020603050405020304" pitchFamily="18" charset="0"/>
-              </a:rPr>
-              <a:t>O objetivo </a:t>
-            </a:r>
-            <a:r>
-              <a:rPr lang="pt-BR" sz="2400" dirty="0" smtClean="0">
-                <a:latin typeface="Arial" panose="020B0604020202020204" pitchFamily="34" charset="0"/>
-                <a:ea typeface="Calibri" panose="020F0502020204030204" pitchFamily="34" charset="0"/>
-                <a:cs typeface="Times New Roman" panose="02020603050405020304" pitchFamily="18" charset="0"/>
-              </a:rPr>
-              <a:t>deste </a:t>
-            </a:r>
-            <a:r>
-              <a:rPr lang="pt-BR" sz="2400" dirty="0">
-                <a:latin typeface="Arial" panose="020B0604020202020204" pitchFamily="34" charset="0"/>
-                <a:ea typeface="Calibri" panose="020F0502020204030204" pitchFamily="34" charset="0"/>
-                <a:cs typeface="Times New Roman" panose="02020603050405020304" pitchFamily="18" charset="0"/>
-              </a:rPr>
-              <a:t>estudo foi alcançado e permitirá aos usuários uma automatização do fluxo de trabalho, proporcionando-lhes maior controle sobre as escalas e menor probabilidade de erro.</a:t>
-            </a:r>
-            <a:endParaRPr lang="pt-BR" sz="2000" dirty="0">
-              <a:latin typeface="Calibri" panose="020F0502020204030204" pitchFamily="34" charset="0"/>
-              <a:ea typeface="Calibri" panose="020F0502020204030204" pitchFamily="34" charset="0"/>
-              <a:cs typeface="Times New Roman" panose="02020603050405020304" pitchFamily="18" charset="0"/>
-            </a:endParaRPr>
-          </a:p>
-          <a:p>
-            <a:pPr indent="540385">
-              <a:lnSpc>
-                <a:spcPct val="115000"/>
-              </a:lnSpc>
-              <a:spcAft>
-                <a:spcPts val="1000"/>
-              </a:spcAft>
-            </a:pPr>
-            <a:r>
-              <a:rPr lang="pt-BR" sz="2400" dirty="0" smtClean="0">
-                <a:latin typeface="Arial" panose="020B0604020202020204" pitchFamily="34" charset="0"/>
-                <a:ea typeface="Calibri" panose="020F0502020204030204" pitchFamily="34" charset="0"/>
-                <a:cs typeface="Times New Roman" panose="02020603050405020304" pitchFamily="18" charset="0"/>
-              </a:rPr>
-              <a:t>Uma </a:t>
-            </a:r>
-            <a:r>
-              <a:rPr lang="pt-BR" sz="2400" dirty="0">
-                <a:latin typeface="Arial" panose="020B0604020202020204" pitchFamily="34" charset="0"/>
-                <a:ea typeface="Calibri" panose="020F0502020204030204" pitchFamily="34" charset="0"/>
-                <a:cs typeface="Times New Roman" panose="02020603050405020304" pitchFamily="18" charset="0"/>
-              </a:rPr>
-              <a:t>ferramenta deste porte se define não apenas como um simples software de controle, e sim como uma ferramenta de apoio nas tomadas de decisão dos diferentes setores</a:t>
-            </a:r>
-            <a:r>
-              <a:rPr lang="pt-BR" sz="2400" dirty="0" smtClean="0">
-                <a:latin typeface="Arial" panose="020B0604020202020204" pitchFamily="34" charset="0"/>
-                <a:ea typeface="Calibri" panose="020F0502020204030204" pitchFamily="34" charset="0"/>
-                <a:cs typeface="Times New Roman" panose="02020603050405020304" pitchFamily="18" charset="0"/>
-              </a:rPr>
-              <a:t>.</a:t>
-            </a:r>
-            <a:endParaRPr lang="pt-BR" sz="2000" dirty="0">
-              <a:effectLst/>
-              <a:latin typeface="Calibri" panose="020F0502020204030204" pitchFamily="34" charset="0"/>
-              <a:ea typeface="Calibri" panose="020F0502020204030204" pitchFamily="34" charset="0"/>
-              <a:cs typeface="Times New Roman" panose="02020603050405020304" pitchFamily="18" charset="0"/>
-            </a:endParaRPr>
-          </a:p>
-        </p:txBody>
-      </p:sp>
-    </p:spTree>
-    <p:extLst>
-      <p:ext uri="{BB962C8B-B14F-4D97-AF65-F5344CB8AC3E}">
-        <p14:creationId xmlns:p14="http://schemas.microsoft.com/office/powerpoint/2010/main" val="2860427375"/>
-      </p:ext>
-    </p:extLst>
-  </p:cSld>
-  <p:clrMapOvr>
-    <a:masterClrMapping/>
-  </p:clrMapOvr>
-  <p:timing>
-    <p:tnLst>
-      <p:par>
-        <p:cTn id="1" dur="indefinite" restart="never" nodeType="tmRoot"/>
-      </p:par>
-    </p:tnLst>
-  </p:timing>
-</p:sld>
-</file>
-
-<file path=ppt/slides/slide13.xml><?xml version="1.0" encoding="utf-8"?>
-<p:sld xmlns:a="http://schemas.openxmlformats.org/drawingml/2006/main" xmlns:r="http://schemas.openxmlformats.org/officeDocument/2006/relationships" xmlns:p="http://schemas.openxmlformats.org/presentationml/2006/main">
-  <p:cSld>
-    <p:spTree>
-      <p:nvGrpSpPr>
-        <p:cNvPr id="1" name=""/>
-        <p:cNvGrpSpPr/>
-        <p:nvPr/>
-      </p:nvGrpSpPr>
-      <p:grpSpPr>
-        <a:xfrm>
-          <a:off x="0" y="0"/>
-          <a:ext cx="0" cy="0"/>
-          <a:chOff x="0" y="0"/>
-          <a:chExt cx="0" cy="0"/>
-        </a:xfrm>
-      </p:grpSpPr>
+      </p:pic>
       <p:sp>
         <p:nvSpPr>
           <p:cNvPr id="2" name="Título 1"/>
@@ -7233,7 +8497,7 @@
           </p:nvPr>
         </p:nvPicPr>
         <p:blipFill>
-          <a:blip r:embed="rId2">
+          <a:blip r:embed="rId3">
             <a:extLst>
               <a:ext uri="{28A0092B-C50C-407E-A947-70E740481C1C}">
                 <a14:useLocalDpi xmlns:a14="http://schemas.microsoft.com/office/drawing/2010/main" val="0"/>
@@ -7246,7 +8510,7 @@
         </p:blipFill>
         <p:spPr>
           <a:xfrm>
-            <a:off x="2912055" y="4314423"/>
+            <a:off x="9226371" y="4615243"/>
             <a:ext cx="2965629" cy="2242757"/>
           </a:xfrm>
         </p:spPr>
@@ -7270,7 +8534,7 @@
         </p:spPr>
         <p:txBody>
           <a:bodyPr vert="horz" lIns="91440" tIns="45720" rIns="91440" bIns="45720" rtlCol="0">
-            <a:normAutofit lnSpcReduction="10000"/>
+            <a:noAutofit/>
           </a:bodyPr>
           <a:lstStyle>
             <a:lvl1pPr marL="342900" indent="-342900" algn="l" defTabSz="457200" rtl="0" eaLnBrk="1" latinLnBrk="0" hangingPunct="1">
@@ -7504,9 +8768,11 @@
               <a:lnSpc>
                 <a:spcPct val="150000"/>
               </a:lnSpc>
+              <a:buFont typeface="Wingdings" panose="05000000000000000000" pitchFamily="2" charset="2"/>
+              <a:buChar char="Ø"/>
             </a:pPr>
             <a:r>
-              <a:rPr lang="pt-BR" sz="2400" dirty="0" smtClean="0"/>
+              <a:rPr lang="pt-BR" sz="2800" dirty="0" smtClean="0"/>
               <a:t>Comando Regional de Patrulhamento Ostensivo.</a:t>
             </a:r>
           </a:p>
@@ -7515,21 +8781,23 @@
               <a:lnSpc>
                 <a:spcPct val="150000"/>
               </a:lnSpc>
+              <a:buFont typeface="Wingdings" panose="05000000000000000000" pitchFamily="2" charset="2"/>
+              <a:buChar char="Ø"/>
             </a:pPr>
             <a:r>
-              <a:rPr lang="pt-BR" sz="2400" dirty="0"/>
+              <a:rPr lang="pt-BR" sz="2800" dirty="0"/>
               <a:t>F</a:t>
             </a:r>
             <a:r>
-              <a:rPr lang="pt-BR" sz="2400" dirty="0" smtClean="0"/>
+              <a:rPr lang="pt-BR" sz="2800" dirty="0" smtClean="0"/>
               <a:t>oi </a:t>
             </a:r>
             <a:r>
-              <a:rPr lang="pt-BR" sz="2400" dirty="0"/>
+              <a:rPr lang="pt-BR" sz="2800" dirty="0"/>
               <a:t>criado no dia 09 de dezembro de 1986 </a:t>
             </a:r>
             <a:r>
-              <a:rPr lang="pt-BR" sz="2400" dirty="0" smtClean="0"/>
+              <a:rPr lang="pt-BR" sz="2800" dirty="0" smtClean="0"/>
               <a:t>.</a:t>
             </a:r>
           </a:p>
@@ -7538,21 +8806,23 @@
               <a:lnSpc>
                 <a:spcPct val="150000"/>
               </a:lnSpc>
+              <a:buFont typeface="Wingdings" panose="05000000000000000000" pitchFamily="2" charset="2"/>
+              <a:buChar char="Ø"/>
             </a:pPr>
             <a:r>
-              <a:rPr lang="pt-BR" sz="2400" dirty="0"/>
+              <a:rPr lang="pt-BR" sz="2800" dirty="0"/>
               <a:t>Em 23 de Maio de 1990, o CRPO/Serra transferiu sua sede para a Rua Dr. </a:t>
             </a:r>
             <a:r>
-              <a:rPr lang="pt-BR" sz="2400" dirty="0" err="1"/>
+              <a:rPr lang="pt-BR" sz="2800" dirty="0" err="1"/>
               <a:t>Montaury</a:t>
             </a:r>
             <a:r>
-              <a:rPr lang="pt-BR" sz="2400" dirty="0"/>
+              <a:rPr lang="pt-BR" sz="2800" dirty="0"/>
               <a:t>, n.º </a:t>
             </a:r>
             <a:r>
-              <a:rPr lang="pt-BR" sz="2400" dirty="0" smtClean="0"/>
+              <a:rPr lang="pt-BR" sz="2800" dirty="0" smtClean="0"/>
               <a:t>1110, centro – Caxias do Sul/RS.</a:t>
             </a:r>
           </a:p>
@@ -7561,24 +8831,26 @@
               <a:lnSpc>
                 <a:spcPct val="150000"/>
               </a:lnSpc>
+              <a:buFont typeface="Wingdings" panose="05000000000000000000" pitchFamily="2" charset="2"/>
+              <a:buChar char="Ø"/>
             </a:pPr>
             <a:r>
-              <a:rPr lang="pt-BR" sz="2400" dirty="0"/>
+              <a:rPr lang="pt-BR" sz="2800" dirty="0"/>
               <a:t>C</a:t>
             </a:r>
             <a:r>
-              <a:rPr lang="pt-BR" sz="2400" dirty="0" smtClean="0"/>
+              <a:rPr lang="pt-BR" sz="2800" dirty="0" smtClean="0"/>
               <a:t>oordena </a:t>
             </a:r>
             <a:r>
-              <a:rPr lang="pt-BR" sz="2400" dirty="0"/>
+              <a:rPr lang="pt-BR" sz="2800" dirty="0"/>
               <a:t>o policiamento ostensivo em 68 </a:t>
             </a:r>
             <a:r>
-              <a:rPr lang="pt-BR" sz="2400" dirty="0" smtClean="0"/>
+              <a:rPr lang="pt-BR" sz="2800" dirty="0" smtClean="0"/>
               <a:t>municípios.</a:t>
             </a:r>
-            <a:endParaRPr lang="pt-BR" sz="2400" dirty="0"/>
+            <a:endParaRPr lang="pt-BR" sz="2800" dirty="0"/>
           </a:p>
         </p:txBody>
       </p:sp>
@@ -7660,7 +8932,7 @@
           </p:nvPr>
         </p:nvPicPr>
         <p:blipFill>
-          <a:blip r:embed="rId2">
+          <a:blip r:embed="rId3">
             <a:extLst>
               <a:ext uri="{28A0092B-C50C-407E-A947-70E740481C1C}">
                 <a14:useLocalDpi xmlns:a14="http://schemas.microsoft.com/office/drawing/2010/main" val="0"/>
@@ -7673,7 +8945,7 @@
         </p:blipFill>
         <p:spPr>
           <a:xfrm>
-            <a:off x="593858" y="4615243"/>
+            <a:off x="9226371" y="4615243"/>
             <a:ext cx="2965629" cy="2242757"/>
           </a:xfrm>
         </p:spPr>
@@ -7927,84 +9199,100 @@
             </a:lvl9pPr>
           </a:lstStyle>
           <a:p>
-            <a:r>
-              <a:rPr lang="pt-BR" sz="2400" b="1" dirty="0"/>
-              <a:t> </a:t>
-            </a:r>
-            <a:r>
-              <a:rPr lang="pt-BR" sz="2400" dirty="0" smtClean="0"/>
+            <a:pPr>
+              <a:buFont typeface="Wingdings" panose="05000000000000000000" pitchFamily="2" charset="2"/>
+              <a:buChar char="Ø"/>
+            </a:pPr>
+            <a:r>
+              <a:rPr lang="pt-BR" sz="2800" dirty="0" smtClean="0"/>
               <a:t>Este </a:t>
             </a:r>
             <a:r>
-              <a:rPr lang="pt-BR" sz="2400" dirty="0"/>
+              <a:rPr lang="pt-BR" sz="2800" dirty="0"/>
               <a:t>trabalho </a:t>
             </a:r>
             <a:r>
-              <a:rPr lang="pt-BR" sz="2400" dirty="0" smtClean="0"/>
+              <a:rPr lang="pt-BR" sz="2800" dirty="0" smtClean="0"/>
               <a:t>apresenta um </a:t>
             </a:r>
             <a:r>
-              <a:rPr lang="pt-BR" sz="2400" dirty="0"/>
+              <a:rPr lang="pt-BR" sz="2800" dirty="0"/>
               <a:t>sistema de gerenciamento </a:t>
             </a:r>
             <a:r>
-              <a:rPr lang="pt-BR" sz="2400" dirty="0" smtClean="0"/>
+              <a:rPr lang="pt-BR" sz="2800" dirty="0" smtClean="0"/>
               <a:t>de fluxo </a:t>
             </a:r>
             <a:r>
-              <a:rPr lang="pt-BR" sz="2400" dirty="0"/>
+              <a:rPr lang="pt-BR" sz="2800" dirty="0"/>
               <a:t>de </a:t>
             </a:r>
             <a:r>
-              <a:rPr lang="pt-BR" sz="2400" dirty="0" smtClean="0"/>
+              <a:rPr lang="pt-BR" sz="2800" dirty="0" smtClean="0"/>
               <a:t>documentos;</a:t>
             </a:r>
           </a:p>
           <a:p>
-            <a:r>
-              <a:rPr lang="pt-BR" sz="2400" dirty="0" smtClean="0"/>
+            <a:pPr>
+              <a:buFont typeface="Wingdings" panose="05000000000000000000" pitchFamily="2" charset="2"/>
+              <a:buChar char="Ø"/>
+            </a:pPr>
+            <a:r>
+              <a:rPr lang="pt-BR" sz="2800" dirty="0" smtClean="0"/>
               <a:t>O </a:t>
             </a:r>
             <a:r>
-              <a:rPr lang="pt-BR" sz="2400" dirty="0"/>
+              <a:rPr lang="pt-BR" sz="2800" dirty="0"/>
               <a:t>sistema </a:t>
             </a:r>
             <a:r>
-              <a:rPr lang="pt-BR" sz="2400" dirty="0" smtClean="0"/>
+              <a:rPr lang="pt-BR" sz="2800" dirty="0" smtClean="0"/>
               <a:t>automatiza o </a:t>
             </a:r>
             <a:r>
-              <a:rPr lang="pt-BR" sz="2400" dirty="0"/>
-              <a:t>gerenciamento de horário de </a:t>
-            </a:r>
-            <a:r>
-              <a:rPr lang="pt-BR" sz="2400" dirty="0" smtClean="0"/>
-              <a:t>escalas; </a:t>
-            </a:r>
-          </a:p>
-          <a:p>
-            <a:r>
-              <a:rPr lang="pt-BR" sz="2400" dirty="0" smtClean="0"/>
+              <a:rPr lang="pt-BR" sz="2800" dirty="0"/>
+              <a:t>gerenciamento </a:t>
+            </a:r>
+            <a:r>
+              <a:rPr lang="pt-BR" sz="2800" dirty="0" smtClean="0"/>
+              <a:t>de carga horária e escalas; </a:t>
+            </a:r>
+          </a:p>
+          <a:p>
+            <a:pPr>
+              <a:buFont typeface="Wingdings" panose="05000000000000000000" pitchFamily="2" charset="2"/>
+              <a:buChar char="Ø"/>
+            </a:pPr>
+            <a:r>
+              <a:rPr lang="pt-BR" sz="2800" dirty="0" smtClean="0"/>
               <a:t>Controle </a:t>
             </a:r>
             <a:r>
-              <a:rPr lang="pt-BR" sz="2400" dirty="0"/>
+              <a:rPr lang="pt-BR" sz="2800" dirty="0"/>
               <a:t>de boletins administrativos </a:t>
             </a:r>
             <a:r>
-              <a:rPr lang="pt-BR" sz="2400" dirty="0" smtClean="0"/>
-              <a:t>internos;</a:t>
-            </a:r>
-          </a:p>
-          <a:p>
-            <a:r>
-              <a:rPr lang="pt-BR" sz="2400" dirty="0" smtClean="0"/>
-              <a:t>Apontamento de horas;</a:t>
-            </a:r>
-          </a:p>
-          <a:p>
-            <a:r>
-              <a:rPr lang="pt-BR" sz="2400" dirty="0" smtClean="0"/>
+              <a:rPr lang="pt-BR" sz="2800" dirty="0" smtClean="0"/>
+              <a:t>internos e externos;</a:t>
+            </a:r>
+          </a:p>
+          <a:p>
+            <a:pPr>
+              <a:buFont typeface="Wingdings" panose="05000000000000000000" pitchFamily="2" charset="2"/>
+              <a:buChar char="Ø"/>
+            </a:pPr>
+            <a:r>
+              <a:rPr lang="pt-BR" sz="2800" dirty="0" smtClean="0"/>
+              <a:t>Agilizar e padronizar processo de apontamento de horas;</a:t>
+            </a:r>
+          </a:p>
+          <a:p>
+            <a:pPr>
+              <a:buFont typeface="Wingdings" panose="05000000000000000000" pitchFamily="2" charset="2"/>
+              <a:buChar char="Ø"/>
+            </a:pPr>
+            <a:r>
+              <a:rPr lang="pt-BR" sz="2800" dirty="0" smtClean="0"/>
               <a:t>Gestão administrativa do efetivo;</a:t>
             </a:r>
           </a:p>
@@ -8088,7 +9376,7 @@
           </p:nvPr>
         </p:nvPicPr>
         <p:blipFill>
-          <a:blip r:embed="rId2">
+          <a:blip r:embed="rId3">
             <a:extLst>
               <a:ext uri="{28A0092B-C50C-407E-A947-70E740481C1C}">
                 <a14:useLocalDpi xmlns:a14="http://schemas.microsoft.com/office/drawing/2010/main" val="0"/>
@@ -8101,7 +9389,7 @@
         </p:blipFill>
         <p:spPr>
           <a:xfrm>
-            <a:off x="593858" y="4615243"/>
+            <a:off x="9226371" y="4615243"/>
             <a:ext cx="2965629" cy="2242757"/>
           </a:xfrm>
         </p:spPr>
@@ -8355,116 +9643,131 @@
             </a:lvl9pPr>
           </a:lstStyle>
           <a:p>
-            <a:r>
-              <a:rPr lang="pt-BR" sz="2400" b="1" dirty="0"/>
-              <a:t> </a:t>
-            </a:r>
-            <a:r>
-              <a:rPr lang="pt-BR" sz="2400" dirty="0" smtClean="0"/>
+            <a:pPr>
+              <a:buFont typeface="Wingdings" panose="05000000000000000000" pitchFamily="2" charset="2"/>
+              <a:buChar char="Ø"/>
+            </a:pPr>
+            <a:r>
+              <a:rPr lang="pt-BR" sz="2800" dirty="0" smtClean="0"/>
               <a:t>Utiliza programação </a:t>
             </a:r>
             <a:r>
-              <a:rPr lang="pt-BR" sz="2400" dirty="0"/>
+              <a:rPr lang="pt-BR" sz="2800" dirty="0"/>
               <a:t>orientado a </a:t>
             </a:r>
             <a:r>
-              <a:rPr lang="pt-BR" sz="2400" dirty="0" smtClean="0"/>
+              <a:rPr lang="pt-BR" sz="2800" dirty="0" smtClean="0"/>
               <a:t>objetos;</a:t>
             </a:r>
           </a:p>
           <a:p>
-            <a:r>
-              <a:rPr lang="pt-BR" sz="2400" dirty="0" smtClean="0"/>
+            <a:pPr>
+              <a:buFont typeface="Wingdings" panose="05000000000000000000" pitchFamily="2" charset="2"/>
+              <a:buChar char="Ø"/>
+            </a:pPr>
+            <a:r>
+              <a:rPr lang="pt-BR" sz="2800" dirty="0" smtClean="0"/>
               <a:t>Levantamento </a:t>
             </a:r>
             <a:r>
-              <a:rPr lang="pt-BR" sz="2400" dirty="0"/>
+              <a:rPr lang="pt-BR" sz="2800" dirty="0"/>
               <a:t>dos requisitos </a:t>
             </a:r>
             <a:r>
-              <a:rPr lang="pt-BR" sz="2400" dirty="0" smtClean="0"/>
+              <a:rPr lang="pt-BR" sz="2800" dirty="0" smtClean="0"/>
               <a:t>;</a:t>
             </a:r>
           </a:p>
           <a:p>
-            <a:r>
-              <a:rPr lang="pt-BR" sz="2400" dirty="0" smtClean="0"/>
+            <a:pPr>
+              <a:buFont typeface="Wingdings" panose="05000000000000000000" pitchFamily="2" charset="2"/>
+              <a:buChar char="Ø"/>
+            </a:pPr>
+            <a:r>
+              <a:rPr lang="pt-BR" sz="2800" dirty="0" smtClean="0"/>
               <a:t>Linguagem </a:t>
             </a:r>
             <a:r>
-              <a:rPr lang="pt-BR" sz="2400" dirty="0"/>
+              <a:rPr lang="pt-BR" sz="2800" dirty="0"/>
               <a:t>UML </a:t>
             </a:r>
             <a:r>
-              <a:rPr lang="pt-BR" sz="2400" dirty="0" smtClean="0"/>
+              <a:rPr lang="pt-BR" sz="2800" dirty="0" smtClean="0"/>
               <a:t>;</a:t>
             </a:r>
           </a:p>
           <a:p>
-            <a:r>
-              <a:rPr lang="pt-BR" sz="2400" dirty="0" smtClean="0"/>
+            <a:pPr>
+              <a:buFont typeface="Wingdings" panose="05000000000000000000" pitchFamily="2" charset="2"/>
+              <a:buChar char="Ø"/>
+            </a:pPr>
+            <a:r>
+              <a:rPr lang="pt-BR" sz="2800" dirty="0" smtClean="0"/>
               <a:t>Diagramas </a:t>
             </a:r>
             <a:r>
-              <a:rPr lang="pt-BR" sz="2400" dirty="0"/>
+              <a:rPr lang="pt-BR" sz="2800" dirty="0"/>
               <a:t>de casos de uso, classes e </a:t>
             </a:r>
             <a:r>
-              <a:rPr lang="pt-BR" sz="2400" dirty="0" smtClean="0"/>
+              <a:rPr lang="pt-BR" sz="2800" dirty="0" smtClean="0"/>
               <a:t>sequencia;</a:t>
             </a:r>
           </a:p>
           <a:p>
-            <a:r>
-              <a:rPr lang="pt-BR" sz="2400" dirty="0" smtClean="0"/>
+            <a:pPr>
+              <a:buFont typeface="Wingdings" panose="05000000000000000000" pitchFamily="2" charset="2"/>
+              <a:buChar char="Ø"/>
+            </a:pPr>
+            <a:r>
+              <a:rPr lang="pt-BR" sz="2800" dirty="0" smtClean="0"/>
               <a:t>Banco de dados PostgreSQL;</a:t>
             </a:r>
-            <a:endParaRPr lang="pt-BR" sz="2400" dirty="0"/>
-          </a:p>
-          <a:p>
-            <a:r>
-              <a:rPr lang="pt-BR" sz="2400" dirty="0" smtClean="0"/>
-              <a:t> Java, </a:t>
-            </a:r>
-            <a:r>
-              <a:rPr lang="pt-BR" sz="2400" dirty="0" err="1" smtClean="0"/>
-              <a:t>JavaScript</a:t>
-            </a:r>
-            <a:r>
-              <a:rPr lang="pt-BR" sz="2400" dirty="0" smtClean="0"/>
-              <a:t>, </a:t>
-            </a:r>
-            <a:r>
-              <a:rPr lang="pt-BR" sz="2400" dirty="0" err="1" smtClean="0"/>
-              <a:t>R</a:t>
-            </a:r>
-            <a:r>
-              <a:rPr lang="pt-BR" sz="2400" dirty="0" err="1" smtClean="0"/>
-              <a:t>uby</a:t>
-            </a:r>
-            <a:r>
-              <a:rPr lang="pt-BR" sz="2400" dirty="0" smtClean="0"/>
+            <a:endParaRPr lang="pt-BR" sz="2800" dirty="0"/>
+          </a:p>
+          <a:p>
+            <a:pPr>
+              <a:buFont typeface="Wingdings" panose="05000000000000000000" pitchFamily="2" charset="2"/>
+              <a:buChar char="Ø"/>
+            </a:pPr>
+            <a:r>
+              <a:rPr lang="pt-BR" sz="2800" dirty="0" err="1" smtClean="0"/>
+              <a:t>Ruby</a:t>
+            </a:r>
+            <a:r>
+              <a:rPr lang="pt-BR" sz="2800" dirty="0" smtClean="0"/>
               <a:t> </a:t>
             </a:r>
             <a:r>
-              <a:rPr lang="pt-BR" sz="2400" dirty="0" err="1"/>
+              <a:rPr lang="pt-BR" sz="2800" dirty="0" err="1"/>
               <a:t>on</a:t>
             </a:r>
             <a:r>
-              <a:rPr lang="pt-BR" sz="2400" dirty="0"/>
+              <a:rPr lang="pt-BR" sz="2800" dirty="0"/>
               <a:t> </a:t>
             </a:r>
             <a:r>
-              <a:rPr lang="pt-BR" sz="2400" dirty="0" err="1" smtClean="0"/>
+              <a:rPr lang="pt-BR" sz="2800" dirty="0" err="1" smtClean="0"/>
               <a:t>Rails</a:t>
             </a:r>
             <a:r>
-              <a:rPr lang="pt-BR" sz="2400" dirty="0"/>
+              <a:rPr lang="pt-BR" sz="2800" dirty="0" smtClean="0"/>
+              <a:t>, CSS3, HTML 5, </a:t>
+            </a:r>
+            <a:r>
+              <a:rPr lang="pt-BR" sz="2800" dirty="0" err="1" smtClean="0"/>
+              <a:t>Jquery</a:t>
+            </a:r>
+            <a:r>
+              <a:rPr lang="pt-BR" sz="2800" dirty="0" smtClean="0"/>
               <a:t>;</a:t>
             </a:r>
-            <a:endParaRPr lang="pt-BR" sz="2400" dirty="0" smtClean="0"/>
-          </a:p>
-          <a:p>
+          </a:p>
+          <a:p>
+            <a:pPr>
+              <a:buFont typeface="Wingdings" panose="05000000000000000000" pitchFamily="2" charset="2"/>
+              <a:buChar char="Ø"/>
+            </a:pPr>
             <a:endParaRPr lang="pt-BR" sz="2400" dirty="0"/>
           </a:p>
         </p:txBody>
@@ -8634,16 +9937,19 @@
               <a:lnSpc>
                 <a:spcPct val="150000"/>
               </a:lnSpc>
+              <a:buClr>
+                <a:schemeClr val="accent1"/>
+              </a:buClr>
               <a:buFont typeface="Wingdings" panose="05000000000000000000" pitchFamily="2" charset="2"/>
               <a:buChar char="Ø"/>
             </a:pPr>
             <a:r>
-              <a:rPr lang="pt-BR" sz="2400" dirty="0" smtClean="0">
+              <a:rPr lang="pt-BR" sz="2800" dirty="0" smtClean="0">
                 <a:solidFill>
                   <a:schemeClr val="tx1"/>
                 </a:solidFill>
               </a:rPr>
-              <a:t>Gerenciamento de Usuários, Unidades, funções.. (21).</a:t>
+              <a:t>Gerenciamento de Usuários, Unidades, funções, totalizando 21 cadastros (CRUD);</a:t>
             </a:r>
           </a:p>
           <a:p>
@@ -8651,16 +9957,19 @@
               <a:lnSpc>
                 <a:spcPct val="150000"/>
               </a:lnSpc>
+              <a:buClr>
+                <a:schemeClr val="accent1"/>
+              </a:buClr>
               <a:buFont typeface="Wingdings" panose="05000000000000000000" pitchFamily="2" charset="2"/>
               <a:buChar char="Ø"/>
             </a:pPr>
             <a:r>
-              <a:rPr lang="pt-BR" sz="2400" dirty="0" smtClean="0">
+              <a:rPr lang="pt-BR" sz="2800" dirty="0" smtClean="0">
                 <a:solidFill>
                   <a:schemeClr val="tx1"/>
                 </a:solidFill>
               </a:rPr>
-              <a:t>Pedido de licenças , férias , afastamento com níveis de aprovação.</a:t>
+              <a:t>Solicitação de licenças, férias, afastamento com níveis de aprovação;</a:t>
             </a:r>
           </a:p>
           <a:p>
@@ -8668,16 +9977,19 @@
               <a:lnSpc>
                 <a:spcPct val="150000"/>
               </a:lnSpc>
+              <a:buClr>
+                <a:schemeClr val="accent1"/>
+              </a:buClr>
               <a:buFont typeface="Wingdings" panose="05000000000000000000" pitchFamily="2" charset="2"/>
               <a:buChar char="Ø"/>
             </a:pPr>
             <a:r>
-              <a:rPr lang="pt-BR" sz="2400" dirty="0" smtClean="0">
+              <a:rPr lang="pt-BR" sz="2800" dirty="0" smtClean="0">
                 <a:solidFill>
                   <a:schemeClr val="tx1"/>
                 </a:solidFill>
               </a:rPr>
-              <a:t>Importação de boletim externo.</a:t>
+              <a:t>Importação de boletim externo;</a:t>
             </a:r>
           </a:p>
           <a:p>
@@ -8685,16 +9997,19 @@
               <a:lnSpc>
                 <a:spcPct val="150000"/>
               </a:lnSpc>
+              <a:buClr>
+                <a:schemeClr val="accent1"/>
+              </a:buClr>
               <a:buFont typeface="Wingdings" panose="05000000000000000000" pitchFamily="2" charset="2"/>
               <a:buChar char="Ø"/>
             </a:pPr>
             <a:r>
-              <a:rPr lang="pt-BR" sz="2400" dirty="0" smtClean="0">
+              <a:rPr lang="pt-BR" sz="2800" dirty="0" smtClean="0">
                 <a:solidFill>
                   <a:schemeClr val="tx1"/>
                 </a:solidFill>
               </a:rPr>
-              <a:t>Gerenciamento de horas Extras.</a:t>
+              <a:t>Gerenciamento de horas Extras;</a:t>
             </a:r>
           </a:p>
           <a:p>
@@ -8702,39 +10017,20 @@
               <a:lnSpc>
                 <a:spcPct val="150000"/>
               </a:lnSpc>
+              <a:buClr>
+                <a:schemeClr val="accent1"/>
+              </a:buClr>
               <a:buFont typeface="Wingdings" panose="05000000000000000000" pitchFamily="2" charset="2"/>
               <a:buChar char="Ø"/>
             </a:pPr>
             <a:r>
-              <a:rPr lang="pt-BR" sz="2400" dirty="0" smtClean="0">
+              <a:rPr lang="pt-BR" sz="2800" dirty="0" smtClean="0">
                 <a:solidFill>
                   <a:schemeClr val="tx1"/>
                 </a:solidFill>
               </a:rPr>
-              <a:t>Gerenciamento de Quadro de Efetivo.</a:t>
-            </a:r>
-          </a:p>
-          <a:p>
-            <a:pPr marL="342900" indent="-342900">
-              <a:lnSpc>
-                <a:spcPct val="150000"/>
-              </a:lnSpc>
-              <a:buFont typeface="Wingdings" panose="05000000000000000000" pitchFamily="2" charset="2"/>
-              <a:buChar char="Ø"/>
-            </a:pPr>
-            <a:r>
-              <a:rPr lang="pt-BR" sz="2400" dirty="0" smtClean="0">
-                <a:solidFill>
-                  <a:schemeClr val="tx1"/>
-                </a:solidFill>
-              </a:rPr>
-              <a:t>Gerenciamento de Perfil de acesso.</a:t>
-            </a:r>
-            <a:endParaRPr lang="pt-BR" sz="2400" dirty="0" smtClean="0">
-              <a:solidFill>
-                <a:schemeClr val="tx1"/>
-              </a:solidFill>
-            </a:endParaRPr>
+              <a:t>Gerenciamento de Quadro de Efetivo;</a:t>
+            </a:r>
           </a:p>
           <a:p>
             <a:pPr marL="342900" indent="-342900">
@@ -8780,6 +10076,35 @@
           </a:p>
         </p:txBody>
       </p:sp>
+      <p:pic>
+        <p:nvPicPr>
+          <p:cNvPr id="5" name="Espaço Reservado para Conteúdo 3"/>
+          <p:cNvPicPr>
+            <a:picLocks noGrp="1" noChangeAspect="1"/>
+          </p:cNvPicPr>
+          <p:nvPr>
+            <p:ph idx="1"/>
+          </p:nvPr>
+        </p:nvPicPr>
+        <p:blipFill>
+          <a:blip r:embed="rId3">
+            <a:extLst>
+              <a:ext uri="{28A0092B-C50C-407E-A947-70E740481C1C}">
+                <a14:useLocalDpi xmlns:a14="http://schemas.microsoft.com/office/drawing/2010/main" val="0"/>
+              </a:ext>
+            </a:extLst>
+          </a:blip>
+          <a:stretch>
+            <a:fillRect/>
+          </a:stretch>
+        </p:blipFill>
+        <p:spPr>
+          <a:xfrm>
+            <a:off x="9226371" y="4615243"/>
+            <a:ext cx="2965629" cy="2242757"/>
+          </a:xfrm>
+        </p:spPr>
+      </p:pic>
     </p:spTree>
     <p:extLst>
       <p:ext uri="{BB962C8B-B14F-4D97-AF65-F5344CB8AC3E}">
@@ -8947,15 +10272,7 @@
                   <a:schemeClr val="tx1"/>
                 </a:solidFill>
               </a:rPr>
-              <a:t>Interface - </a:t>
-            </a:r>
-            <a:r>
-              <a:rPr lang="pt-BR" sz="2000" dirty="0" smtClean="0">
-                <a:solidFill>
-                  <a:schemeClr val="tx1"/>
-                </a:solidFill>
-              </a:rPr>
-              <a:t>Home</a:t>
+              <a:t>Interface - Home</a:t>
             </a:r>
             <a:endParaRPr lang="pt-BR" sz="2000" dirty="0">
               <a:solidFill>
@@ -8965,36 +10282,6 @@
           </a:p>
         </p:txBody>
       </p:sp>
-      <p:pic>
-        <p:nvPicPr>
-          <p:cNvPr id="3" name="Imagem 2"/>
-          <p:cNvPicPr>
-            <a:picLocks noChangeAspect="1"/>
-          </p:cNvPicPr>
-          <p:nvPr/>
-        </p:nvPicPr>
-        <p:blipFill>
-          <a:blip r:embed="rId2">
-            <a:extLst>
-              <a:ext uri="{28A0092B-C50C-407E-A947-70E740481C1C}">
-                <a14:useLocalDpi xmlns:a14="http://schemas.microsoft.com/office/drawing/2010/main" val="0"/>
-              </a:ext>
-            </a:extLst>
-          </a:blip>
-          <a:stretch>
-            <a:fillRect/>
-          </a:stretch>
-        </p:blipFill>
-        <p:spPr>
-          <a:xfrm>
-            <a:off x="22964" y="842601"/>
-            <a:ext cx="11246049" cy="4789494"/>
-          </a:xfrm>
-          <a:prstGeom prst="rect">
-            <a:avLst/>
-          </a:prstGeom>
-        </p:spPr>
-      </p:pic>
     </p:spTree>
     <p:extLst>
       <p:ext uri="{BB962C8B-B14F-4D97-AF65-F5344CB8AC3E}">
@@ -9044,8 +10331,8 @@
         </p:nvSpPr>
         <p:spPr>
           <a:xfrm>
-            <a:off x="2821199" y="145960"/>
-            <a:ext cx="4545515" cy="626771"/>
+            <a:off x="3490175" y="145957"/>
+            <a:ext cx="4572000" cy="626771"/>
           </a:xfrm>
         </p:spPr>
         <p:txBody>
@@ -9056,140 +10343,24 @@
           <a:p>
             <a:r>
               <a:rPr lang="pt-BR" dirty="0" smtClean="0"/>
-              <a:t>Interface - Protótipo</a:t>
+              <a:t>Diagrama de Classes </a:t>
             </a:r>
             <a:endParaRPr lang="pt-BR" dirty="0"/>
-          </a:p>
-        </p:txBody>
-      </p:sp>
-      <p:sp>
-        <p:nvSpPr>
-          <p:cNvPr id="5" name="Título 1"/>
-          <p:cNvSpPr txBox="1">
-            <a:spLocks/>
-          </p:cNvSpPr>
-          <p:nvPr/>
-        </p:nvSpPr>
-        <p:spPr>
-          <a:xfrm>
-            <a:off x="3371905" y="5755609"/>
-            <a:ext cx="4545515" cy="626771"/>
-          </a:xfrm>
-          <a:prstGeom prst="rect">
-            <a:avLst/>
-          </a:prstGeom>
-        </p:spPr>
-        <p:txBody>
-          <a:bodyPr vert="horz" lIns="91440" tIns="45720" rIns="91440" bIns="45720" rtlCol="0" anchor="t">
-            <a:normAutofit fontScale="97500"/>
-          </a:bodyPr>
-          <a:lstStyle>
-            <a:lvl1pPr algn="l" defTabSz="457200" rtl="0" eaLnBrk="1" latinLnBrk="0" hangingPunct="1">
-              <a:spcBef>
-                <a:spcPct val="0"/>
-              </a:spcBef>
-              <a:buNone/>
-              <a:defRPr sz="3600" kern="1200">
-                <a:solidFill>
-                  <a:schemeClr val="accent1"/>
-                </a:solidFill>
-                <a:latin typeface="+mj-lt"/>
-                <a:ea typeface="+mj-ea"/>
-                <a:cs typeface="+mj-cs"/>
-              </a:defRPr>
-            </a:lvl1pPr>
-            <a:lvl2pPr eaLnBrk="1" hangingPunct="1">
-              <a:defRPr>
-                <a:solidFill>
-                  <a:schemeClr val="tx2"/>
-                </a:solidFill>
-              </a:defRPr>
-            </a:lvl2pPr>
-            <a:lvl3pPr eaLnBrk="1" hangingPunct="1">
-              <a:defRPr>
-                <a:solidFill>
-                  <a:schemeClr val="tx2"/>
-                </a:solidFill>
-              </a:defRPr>
-            </a:lvl3pPr>
-            <a:lvl4pPr eaLnBrk="1" hangingPunct="1">
-              <a:defRPr>
-                <a:solidFill>
-                  <a:schemeClr val="tx2"/>
-                </a:solidFill>
-              </a:defRPr>
-            </a:lvl4pPr>
-            <a:lvl5pPr eaLnBrk="1" hangingPunct="1">
-              <a:defRPr>
-                <a:solidFill>
-                  <a:schemeClr val="tx2"/>
-                </a:solidFill>
-              </a:defRPr>
-            </a:lvl5pPr>
-            <a:lvl6pPr eaLnBrk="1" hangingPunct="1">
-              <a:defRPr>
-                <a:solidFill>
-                  <a:schemeClr val="tx2"/>
-                </a:solidFill>
-              </a:defRPr>
-            </a:lvl6pPr>
-            <a:lvl7pPr eaLnBrk="1" hangingPunct="1">
-              <a:defRPr>
-                <a:solidFill>
-                  <a:schemeClr val="tx2"/>
-                </a:solidFill>
-              </a:defRPr>
-            </a:lvl7pPr>
-            <a:lvl8pPr eaLnBrk="1" hangingPunct="1">
-              <a:defRPr>
-                <a:solidFill>
-                  <a:schemeClr val="tx2"/>
-                </a:solidFill>
-              </a:defRPr>
-            </a:lvl8pPr>
-            <a:lvl9pPr eaLnBrk="1" hangingPunct="1">
-              <a:defRPr>
-                <a:solidFill>
-                  <a:schemeClr val="tx2"/>
-                </a:solidFill>
-              </a:defRPr>
-            </a:lvl9pPr>
-          </a:lstStyle>
-          <a:p>
-            <a:r>
-              <a:rPr lang="pt-BR" sz="2000" dirty="0" smtClean="0">
-                <a:solidFill>
-                  <a:schemeClr val="tx1"/>
-                </a:solidFill>
-              </a:rPr>
-              <a:t>Interface </a:t>
-            </a:r>
-            <a:r>
-              <a:rPr lang="pt-BR" sz="2000" dirty="0" smtClean="0">
-                <a:solidFill>
-                  <a:schemeClr val="tx1"/>
-                </a:solidFill>
-              </a:rPr>
-              <a:t>– Gerenciamento de Usuário</a:t>
-            </a:r>
-            <a:endParaRPr lang="pt-BR" sz="2000" dirty="0">
-              <a:solidFill>
-                <a:schemeClr val="tx1"/>
-              </a:solidFill>
-            </a:endParaRPr>
           </a:p>
         </p:txBody>
       </p:sp>
       <p:pic>
         <p:nvPicPr>
-          <p:cNvPr id="4" name="Imagem 3"/>
+          <p:cNvPr id="3" name="Espaço Reservado para Conteúdo 3"/>
           <p:cNvPicPr>
-            <a:picLocks noChangeAspect="1"/>
+            <a:picLocks noGrp="1" noChangeAspect="1"/>
           </p:cNvPicPr>
-          <p:nvPr/>
+          <p:nvPr>
+            <p:ph idx="1"/>
+          </p:nvPr>
         </p:nvPicPr>
         <p:blipFill>
-          <a:blip r:embed="rId2">
+          <a:blip r:embed="rId3">
             <a:extLst>
               <a:ext uri="{28A0092B-C50C-407E-A947-70E740481C1C}">
                 <a14:useLocalDpi xmlns:a14="http://schemas.microsoft.com/office/drawing/2010/main" val="0"/>
@@ -9202,8 +10373,264 @@
         </p:blipFill>
         <p:spPr>
           <a:xfrm>
-            <a:off x="18202" y="1209365"/>
-            <a:ext cx="11252922" cy="4109610"/>
+            <a:off x="9226371" y="4615243"/>
+            <a:ext cx="2965629" cy="2242757"/>
+          </a:xfrm>
+        </p:spPr>
+      </p:pic>
+      <p:sp>
+        <p:nvSpPr>
+          <p:cNvPr id="4" name="Título 1"/>
+          <p:cNvSpPr txBox="1">
+            <a:spLocks/>
+          </p:cNvSpPr>
+          <p:nvPr/>
+        </p:nvSpPr>
+        <p:spPr>
+          <a:xfrm>
+            <a:off x="1491401" y="6014658"/>
+            <a:ext cx="8569548" cy="4107912"/>
+          </a:xfrm>
+          <a:prstGeom prst="rect">
+            <a:avLst/>
+          </a:prstGeom>
+        </p:spPr>
+        <p:txBody>
+          <a:bodyPr vert="horz" lIns="91440" tIns="45720" rIns="91440" bIns="45720" rtlCol="0" anchor="t">
+            <a:noAutofit/>
+          </a:bodyPr>
+          <a:lstStyle>
+            <a:lvl1pPr algn="l" defTabSz="457200" rtl="0" eaLnBrk="1" latinLnBrk="0" hangingPunct="1">
+              <a:spcBef>
+                <a:spcPct val="0"/>
+              </a:spcBef>
+              <a:buNone/>
+              <a:defRPr sz="3600" kern="1200">
+                <a:solidFill>
+                  <a:schemeClr val="accent1"/>
+                </a:solidFill>
+                <a:latin typeface="+mj-lt"/>
+                <a:ea typeface="+mj-ea"/>
+                <a:cs typeface="+mj-cs"/>
+              </a:defRPr>
+            </a:lvl1pPr>
+            <a:lvl2pPr eaLnBrk="1" hangingPunct="1">
+              <a:defRPr>
+                <a:solidFill>
+                  <a:schemeClr val="tx2"/>
+                </a:solidFill>
+              </a:defRPr>
+            </a:lvl2pPr>
+            <a:lvl3pPr eaLnBrk="1" hangingPunct="1">
+              <a:defRPr>
+                <a:solidFill>
+                  <a:schemeClr val="tx2"/>
+                </a:solidFill>
+              </a:defRPr>
+            </a:lvl3pPr>
+            <a:lvl4pPr eaLnBrk="1" hangingPunct="1">
+              <a:defRPr>
+                <a:solidFill>
+                  <a:schemeClr val="tx2"/>
+                </a:solidFill>
+              </a:defRPr>
+            </a:lvl4pPr>
+            <a:lvl5pPr eaLnBrk="1" hangingPunct="1">
+              <a:defRPr>
+                <a:solidFill>
+                  <a:schemeClr val="tx2"/>
+                </a:solidFill>
+              </a:defRPr>
+            </a:lvl5pPr>
+            <a:lvl6pPr eaLnBrk="1" hangingPunct="1">
+              <a:defRPr>
+                <a:solidFill>
+                  <a:schemeClr val="tx2"/>
+                </a:solidFill>
+              </a:defRPr>
+            </a:lvl6pPr>
+            <a:lvl7pPr eaLnBrk="1" hangingPunct="1">
+              <a:defRPr>
+                <a:solidFill>
+                  <a:schemeClr val="tx2"/>
+                </a:solidFill>
+              </a:defRPr>
+            </a:lvl7pPr>
+            <a:lvl8pPr eaLnBrk="1" hangingPunct="1">
+              <a:defRPr>
+                <a:solidFill>
+                  <a:schemeClr val="tx2"/>
+                </a:solidFill>
+              </a:defRPr>
+            </a:lvl8pPr>
+            <a:lvl9pPr eaLnBrk="1" hangingPunct="1">
+              <a:defRPr>
+                <a:solidFill>
+                  <a:schemeClr val="tx2"/>
+                </a:solidFill>
+              </a:defRPr>
+            </a:lvl9pPr>
+          </a:lstStyle>
+          <a:p>
+            <a:pPr marL="342900" indent="-342900">
+              <a:lnSpc>
+                <a:spcPct val="150000"/>
+              </a:lnSpc>
+              <a:buClr>
+                <a:schemeClr val="accent1"/>
+              </a:buClr>
+              <a:buFont typeface="Wingdings" panose="05000000000000000000" pitchFamily="2" charset="2"/>
+              <a:buChar char="Ø"/>
+            </a:pPr>
+            <a:r>
+              <a:rPr lang="pt-BR" sz="2800" dirty="0" smtClean="0">
+                <a:solidFill>
+                  <a:schemeClr val="tx1"/>
+                </a:solidFill>
+              </a:rPr>
+              <a:t>27 </a:t>
+            </a:r>
+            <a:r>
+              <a:rPr lang="pt-BR" sz="2800" dirty="0" err="1" smtClean="0">
+                <a:solidFill>
+                  <a:schemeClr val="tx1"/>
+                </a:solidFill>
+              </a:rPr>
+              <a:t>Controllers</a:t>
+            </a:r>
+            <a:r>
+              <a:rPr lang="pt-BR" sz="2800" dirty="0" smtClean="0">
+                <a:solidFill>
+                  <a:schemeClr val="tx1"/>
+                </a:solidFill>
+              </a:rPr>
+              <a:t>; 28 </a:t>
+            </a:r>
+            <a:r>
+              <a:rPr lang="pt-BR" sz="2800" dirty="0" err="1" smtClean="0">
+                <a:solidFill>
+                  <a:schemeClr val="tx1"/>
+                </a:solidFill>
+              </a:rPr>
+              <a:t>Models</a:t>
+            </a:r>
+            <a:r>
+              <a:rPr lang="pt-BR" sz="2800" dirty="0" smtClean="0">
+                <a:solidFill>
+                  <a:schemeClr val="tx1"/>
+                </a:solidFill>
+              </a:rPr>
+              <a:t>; 81 </a:t>
+            </a:r>
+            <a:r>
+              <a:rPr lang="pt-BR" sz="2800" dirty="0" err="1">
+                <a:solidFill>
+                  <a:schemeClr val="tx1"/>
+                </a:solidFill>
+              </a:rPr>
+              <a:t>V</a:t>
+            </a:r>
+            <a:r>
+              <a:rPr lang="pt-BR" sz="2800" dirty="0" err="1" smtClean="0">
+                <a:solidFill>
+                  <a:schemeClr val="tx1"/>
+                </a:solidFill>
+              </a:rPr>
+              <a:t>iews</a:t>
+            </a:r>
+            <a:r>
+              <a:rPr lang="pt-BR" sz="2800" dirty="0" smtClean="0">
+                <a:solidFill>
+                  <a:schemeClr val="tx1"/>
+                </a:solidFill>
+              </a:rPr>
+              <a:t>;</a:t>
+            </a:r>
+          </a:p>
+          <a:p>
+            <a:pPr marL="342900" indent="-342900">
+              <a:lnSpc>
+                <a:spcPct val="150000"/>
+              </a:lnSpc>
+              <a:buClr>
+                <a:schemeClr val="accent1"/>
+              </a:buClr>
+              <a:buFont typeface="Wingdings" panose="05000000000000000000" pitchFamily="2" charset="2"/>
+              <a:buChar char="Ø"/>
+            </a:pPr>
+            <a:endParaRPr lang="pt-BR" sz="2800" dirty="0" smtClean="0">
+              <a:solidFill>
+                <a:schemeClr val="tx1"/>
+              </a:solidFill>
+            </a:endParaRPr>
+          </a:p>
+          <a:p>
+            <a:pPr marL="342900" indent="-342900">
+              <a:lnSpc>
+                <a:spcPct val="150000"/>
+              </a:lnSpc>
+              <a:buFont typeface="Wingdings" panose="05000000000000000000" pitchFamily="2" charset="2"/>
+              <a:buChar char="Ø"/>
+            </a:pPr>
+            <a:endParaRPr lang="pt-BR" sz="2400" dirty="0" smtClean="0">
+              <a:solidFill>
+                <a:schemeClr val="tx1"/>
+              </a:solidFill>
+            </a:endParaRPr>
+          </a:p>
+          <a:p>
+            <a:pPr marL="342900" indent="-342900">
+              <a:lnSpc>
+                <a:spcPct val="150000"/>
+              </a:lnSpc>
+              <a:buFont typeface="Wingdings" panose="05000000000000000000" pitchFamily="2" charset="2"/>
+              <a:buChar char="Ø"/>
+            </a:pPr>
+            <a:endParaRPr lang="pt-BR" sz="2400" dirty="0" smtClean="0">
+              <a:solidFill>
+                <a:schemeClr val="tx1"/>
+              </a:solidFill>
+            </a:endParaRPr>
+          </a:p>
+          <a:p>
+            <a:pPr marL="342900" indent="-342900">
+              <a:lnSpc>
+                <a:spcPct val="150000"/>
+              </a:lnSpc>
+              <a:buFont typeface="Wingdings" panose="05000000000000000000" pitchFamily="2" charset="2"/>
+              <a:buChar char="Ø"/>
+            </a:pPr>
+            <a:endParaRPr lang="pt-BR" sz="2400" dirty="0">
+              <a:solidFill>
+                <a:schemeClr val="tx1"/>
+              </a:solidFill>
+            </a:endParaRPr>
+          </a:p>
+        </p:txBody>
+      </p:sp>
+      <p:pic>
+        <p:nvPicPr>
+          <p:cNvPr id="5" name="Imagem 4"/>
+          <p:cNvPicPr>
+            <a:picLocks noChangeAspect="1"/>
+          </p:cNvPicPr>
+          <p:nvPr/>
+        </p:nvPicPr>
+        <p:blipFill rotWithShape="1">
+          <a:blip r:embed="rId4">
+            <a:extLst>
+              <a:ext uri="{28A0092B-C50C-407E-A947-70E740481C1C}">
+                <a14:useLocalDpi xmlns:a14="http://schemas.microsoft.com/office/drawing/2010/main" val="0"/>
+              </a:ext>
+            </a:extLst>
+          </a:blip>
+          <a:srcRect l="37346" t="39061" r="36260" b="41122"/>
+          <a:stretch/>
+        </p:blipFill>
+        <p:spPr>
+          <a:xfrm>
+            <a:off x="1962551" y="1255798"/>
+            <a:ext cx="7627248" cy="4275790"/>
           </a:xfrm>
           <a:prstGeom prst="rect">
             <a:avLst/>
@@ -9213,7 +10640,7 @@
     </p:spTree>
     <p:extLst>
       <p:ext uri="{BB962C8B-B14F-4D97-AF65-F5344CB8AC3E}">
-        <p14:creationId xmlns:p14="http://schemas.microsoft.com/office/powerpoint/2010/main" val="3111364820"/>
+        <p14:creationId xmlns:p14="http://schemas.microsoft.com/office/powerpoint/2010/main" val="3359377260"/>
       </p:ext>
     </p:extLst>
   </p:cSld>
@@ -9271,16 +10698,312 @@
           <a:p>
             <a:r>
               <a:rPr lang="pt-BR" dirty="0" smtClean="0"/>
-              <a:t>Diagrama de Classes </a:t>
+              <a:t>Implementação</a:t>
             </a:r>
             <a:endParaRPr lang="pt-BR" dirty="0"/>
+          </a:p>
+        </p:txBody>
+      </p:sp>
+      <p:pic>
+        <p:nvPicPr>
+          <p:cNvPr id="5" name="Espaço Reservado para Conteúdo 3"/>
+          <p:cNvPicPr>
+            <a:picLocks noGrp="1" noChangeAspect="1"/>
+          </p:cNvPicPr>
+          <p:nvPr>
+            <p:ph idx="1"/>
+          </p:nvPr>
+        </p:nvPicPr>
+        <p:blipFill>
+          <a:blip r:embed="rId3">
+            <a:extLst>
+              <a:ext uri="{28A0092B-C50C-407E-A947-70E740481C1C}">
+                <a14:useLocalDpi xmlns:a14="http://schemas.microsoft.com/office/drawing/2010/main" val="0"/>
+              </a:ext>
+            </a:extLst>
+          </a:blip>
+          <a:stretch>
+            <a:fillRect/>
+          </a:stretch>
+        </p:blipFill>
+        <p:spPr>
+          <a:xfrm>
+            <a:off x="9226371" y="4615243"/>
+            <a:ext cx="2965629" cy="2242757"/>
+          </a:xfrm>
+        </p:spPr>
+      </p:pic>
+      <p:sp>
+        <p:nvSpPr>
+          <p:cNvPr id="4" name="Título 1"/>
+          <p:cNvSpPr txBox="1">
+            <a:spLocks/>
+          </p:cNvSpPr>
+          <p:nvPr/>
+        </p:nvSpPr>
+        <p:spPr>
+          <a:xfrm>
+            <a:off x="431442" y="1017879"/>
+            <a:ext cx="10026203" cy="5434435"/>
+          </a:xfrm>
+          <a:prstGeom prst="rect">
+            <a:avLst/>
+          </a:prstGeom>
+        </p:spPr>
+        <p:txBody>
+          <a:bodyPr vert="horz" lIns="91440" tIns="45720" rIns="91440" bIns="45720" rtlCol="0" anchor="t">
+            <a:noAutofit/>
+          </a:bodyPr>
+          <a:lstStyle>
+            <a:lvl1pPr algn="l" defTabSz="457200" rtl="0" eaLnBrk="1" latinLnBrk="0" hangingPunct="1">
+              <a:spcBef>
+                <a:spcPct val="0"/>
+              </a:spcBef>
+              <a:buNone/>
+              <a:defRPr sz="3600" kern="1200">
+                <a:solidFill>
+                  <a:schemeClr val="accent1"/>
+                </a:solidFill>
+                <a:latin typeface="+mj-lt"/>
+                <a:ea typeface="+mj-ea"/>
+                <a:cs typeface="+mj-cs"/>
+              </a:defRPr>
+            </a:lvl1pPr>
+            <a:lvl2pPr eaLnBrk="1" hangingPunct="1">
+              <a:defRPr>
+                <a:solidFill>
+                  <a:schemeClr val="tx2"/>
+                </a:solidFill>
+              </a:defRPr>
+            </a:lvl2pPr>
+            <a:lvl3pPr eaLnBrk="1" hangingPunct="1">
+              <a:defRPr>
+                <a:solidFill>
+                  <a:schemeClr val="tx2"/>
+                </a:solidFill>
+              </a:defRPr>
+            </a:lvl3pPr>
+            <a:lvl4pPr eaLnBrk="1" hangingPunct="1">
+              <a:defRPr>
+                <a:solidFill>
+                  <a:schemeClr val="tx2"/>
+                </a:solidFill>
+              </a:defRPr>
+            </a:lvl4pPr>
+            <a:lvl5pPr eaLnBrk="1" hangingPunct="1">
+              <a:defRPr>
+                <a:solidFill>
+                  <a:schemeClr val="tx2"/>
+                </a:solidFill>
+              </a:defRPr>
+            </a:lvl5pPr>
+            <a:lvl6pPr eaLnBrk="1" hangingPunct="1">
+              <a:defRPr>
+                <a:solidFill>
+                  <a:schemeClr val="tx2"/>
+                </a:solidFill>
+              </a:defRPr>
+            </a:lvl6pPr>
+            <a:lvl7pPr eaLnBrk="1" hangingPunct="1">
+              <a:defRPr>
+                <a:solidFill>
+                  <a:schemeClr val="tx2"/>
+                </a:solidFill>
+              </a:defRPr>
+            </a:lvl7pPr>
+            <a:lvl8pPr eaLnBrk="1" hangingPunct="1">
+              <a:defRPr>
+                <a:solidFill>
+                  <a:schemeClr val="tx2"/>
+                </a:solidFill>
+              </a:defRPr>
+            </a:lvl8pPr>
+            <a:lvl9pPr eaLnBrk="1" hangingPunct="1">
+              <a:defRPr>
+                <a:solidFill>
+                  <a:schemeClr val="tx2"/>
+                </a:solidFill>
+              </a:defRPr>
+            </a:lvl9pPr>
+          </a:lstStyle>
+          <a:p>
+            <a:pPr marL="342900" indent="-342900">
+              <a:lnSpc>
+                <a:spcPct val="150000"/>
+              </a:lnSpc>
+              <a:buClr>
+                <a:schemeClr val="accent1"/>
+              </a:buClr>
+              <a:buFont typeface="Wingdings" panose="05000000000000000000" pitchFamily="2" charset="2"/>
+              <a:buChar char="Ø"/>
+            </a:pPr>
+            <a:r>
+              <a:rPr lang="pt-BR" sz="2800" dirty="0" smtClean="0">
+                <a:solidFill>
+                  <a:schemeClr val="tx1"/>
+                </a:solidFill>
+              </a:rPr>
+              <a:t>O sistema web CRPO/Serra visa agilizar as atividades administrativas;</a:t>
+            </a:r>
+          </a:p>
+          <a:p>
+            <a:pPr marL="342900" indent="-342900">
+              <a:lnSpc>
+                <a:spcPct val="150000"/>
+              </a:lnSpc>
+              <a:buClr>
+                <a:schemeClr val="accent1"/>
+              </a:buClr>
+              <a:buFont typeface="Wingdings" panose="05000000000000000000" pitchFamily="2" charset="2"/>
+              <a:buChar char="Ø"/>
+            </a:pPr>
+            <a:r>
+              <a:rPr lang="pt-BR" sz="2800" dirty="0" smtClean="0">
+                <a:solidFill>
+                  <a:schemeClr val="tx1"/>
+                </a:solidFill>
+              </a:rPr>
+              <a:t>Gerenciar o efetivo;</a:t>
+            </a:r>
+          </a:p>
+          <a:p>
+            <a:pPr marL="342900" indent="-342900">
+              <a:lnSpc>
+                <a:spcPct val="150000"/>
+              </a:lnSpc>
+              <a:buClr>
+                <a:schemeClr val="accent1"/>
+              </a:buClr>
+              <a:buFont typeface="Wingdings" panose="05000000000000000000" pitchFamily="2" charset="2"/>
+              <a:buChar char="Ø"/>
+            </a:pPr>
+            <a:r>
+              <a:rPr lang="pt-BR" sz="2800" dirty="0" smtClean="0">
+                <a:solidFill>
+                  <a:schemeClr val="tx1"/>
+                </a:solidFill>
+              </a:rPr>
+              <a:t>Agilizar o processo de apontamento de horas extras e gerenciamento de escala de serviço;</a:t>
+            </a:r>
+          </a:p>
+          <a:p>
+            <a:pPr marL="342900" indent="-342900">
+              <a:lnSpc>
+                <a:spcPct val="150000"/>
+              </a:lnSpc>
+              <a:buClr>
+                <a:schemeClr val="accent1"/>
+              </a:buClr>
+              <a:buFont typeface="Wingdings" panose="05000000000000000000" pitchFamily="2" charset="2"/>
+              <a:buChar char="Ø"/>
+            </a:pPr>
+            <a:r>
+              <a:rPr lang="pt-BR" sz="2800" dirty="0" smtClean="0">
+                <a:solidFill>
+                  <a:schemeClr val="tx1"/>
+                </a:solidFill>
+              </a:rPr>
+              <a:t>Gerenciar o processo de solicitações e aprovações de dispensa, férias, licenças;</a:t>
+            </a:r>
+          </a:p>
+          <a:p>
+            <a:pPr marL="342900" indent="-342900">
+              <a:lnSpc>
+                <a:spcPct val="150000"/>
+              </a:lnSpc>
+              <a:buClr>
+                <a:schemeClr val="accent1"/>
+              </a:buClr>
+              <a:buFont typeface="Wingdings" panose="05000000000000000000" pitchFamily="2" charset="2"/>
+              <a:buChar char="Ø"/>
+            </a:pPr>
+            <a:r>
+              <a:rPr lang="pt-BR" sz="2800" dirty="0" smtClean="0">
+                <a:solidFill>
+                  <a:schemeClr val="tx1"/>
+                </a:solidFill>
+              </a:rPr>
+              <a:t>Gerenciar o processo de documentos internos e </a:t>
+            </a:r>
+          </a:p>
+          <a:p>
+            <a:pPr>
+              <a:lnSpc>
+                <a:spcPct val="150000"/>
+              </a:lnSpc>
+              <a:buClr>
+                <a:schemeClr val="accent1"/>
+              </a:buClr>
+            </a:pPr>
+            <a:r>
+              <a:rPr lang="pt-BR" sz="2800" dirty="0" smtClean="0">
+                <a:solidFill>
+                  <a:schemeClr val="tx1"/>
+                </a:solidFill>
+              </a:rPr>
+              <a:t>   externos;</a:t>
+            </a:r>
+          </a:p>
+          <a:p>
+            <a:pPr>
+              <a:lnSpc>
+                <a:spcPct val="150000"/>
+              </a:lnSpc>
+            </a:pPr>
+            <a:endParaRPr lang="pt-BR" sz="2400" dirty="0" smtClean="0">
+              <a:solidFill>
+                <a:schemeClr val="tx1"/>
+              </a:solidFill>
+            </a:endParaRPr>
+          </a:p>
+          <a:p>
+            <a:pPr marL="342900" indent="-342900">
+              <a:lnSpc>
+                <a:spcPct val="150000"/>
+              </a:lnSpc>
+              <a:buFont typeface="Wingdings" panose="05000000000000000000" pitchFamily="2" charset="2"/>
+              <a:buChar char="Ø"/>
+            </a:pPr>
+            <a:endParaRPr lang="pt-BR" sz="2400" dirty="0" smtClean="0">
+              <a:solidFill>
+                <a:schemeClr val="tx1"/>
+              </a:solidFill>
+            </a:endParaRPr>
+          </a:p>
+          <a:p>
+            <a:pPr marL="342900" indent="-342900">
+              <a:lnSpc>
+                <a:spcPct val="150000"/>
+              </a:lnSpc>
+              <a:buFont typeface="Wingdings" panose="05000000000000000000" pitchFamily="2" charset="2"/>
+              <a:buChar char="Ø"/>
+            </a:pPr>
+            <a:endParaRPr lang="pt-BR" sz="2400" dirty="0" smtClean="0">
+              <a:solidFill>
+                <a:schemeClr val="tx1"/>
+              </a:solidFill>
+            </a:endParaRPr>
+          </a:p>
+          <a:p>
+            <a:pPr marL="342900" indent="-342900">
+              <a:lnSpc>
+                <a:spcPct val="150000"/>
+              </a:lnSpc>
+              <a:buFont typeface="Wingdings" panose="05000000000000000000" pitchFamily="2" charset="2"/>
+              <a:buChar char="Ø"/>
+            </a:pPr>
+            <a:endParaRPr lang="pt-BR" sz="2400" dirty="0">
+              <a:solidFill>
+                <a:schemeClr val="tx1"/>
+              </a:solidFill>
+            </a:endParaRPr>
           </a:p>
         </p:txBody>
       </p:sp>
     </p:spTree>
     <p:extLst>
       <p:ext uri="{BB962C8B-B14F-4D97-AF65-F5344CB8AC3E}">
-        <p14:creationId xmlns:p14="http://schemas.microsoft.com/office/powerpoint/2010/main" val="3359377260"/>
+        <p14:creationId xmlns:p14="http://schemas.microsoft.com/office/powerpoint/2010/main" val="2028673774"/>
       </p:ext>
     </p:extLst>
   </p:cSld>
@@ -9327,7 +11050,7 @@
         <p:spPr>
           <a:xfrm>
             <a:off x="3490175" y="145957"/>
-            <a:ext cx="4572000" cy="626771"/>
+            <a:ext cx="3503053" cy="626771"/>
           </a:xfrm>
         </p:spPr>
         <p:txBody>
@@ -9337,17 +11060,289 @@
           <a:lstStyle/>
           <a:p>
             <a:r>
-              <a:rPr lang="pt-BR" dirty="0" smtClean="0"/>
-              <a:t>Diagrama de Sequencia </a:t>
-            </a:r>
-            <a:endParaRPr lang="pt-BR" dirty="0"/>
-          </a:p>
-        </p:txBody>
-      </p:sp>
+              <a:rPr lang="pt-BR" dirty="0"/>
+              <a:t>Lições aprendidas</a:t>
+            </a:r>
+          </a:p>
+        </p:txBody>
+      </p:sp>
+      <p:sp>
+        <p:nvSpPr>
+          <p:cNvPr id="4" name="Título 1"/>
+          <p:cNvSpPr txBox="1">
+            <a:spLocks/>
+          </p:cNvSpPr>
+          <p:nvPr/>
+        </p:nvSpPr>
+        <p:spPr>
+          <a:xfrm>
+            <a:off x="431442" y="1481519"/>
+            <a:ext cx="9124681" cy="4107912"/>
+          </a:xfrm>
+          <a:prstGeom prst="rect">
+            <a:avLst/>
+          </a:prstGeom>
+        </p:spPr>
+        <p:txBody>
+          <a:bodyPr vert="horz" lIns="91440" tIns="45720" rIns="91440" bIns="45720" rtlCol="0" anchor="t">
+            <a:noAutofit/>
+          </a:bodyPr>
+          <a:lstStyle>
+            <a:lvl1pPr algn="l" defTabSz="457200" rtl="0" eaLnBrk="1" latinLnBrk="0" hangingPunct="1">
+              <a:spcBef>
+                <a:spcPct val="0"/>
+              </a:spcBef>
+              <a:buNone/>
+              <a:defRPr sz="3600" kern="1200">
+                <a:solidFill>
+                  <a:schemeClr val="accent1"/>
+                </a:solidFill>
+                <a:latin typeface="+mj-lt"/>
+                <a:ea typeface="+mj-ea"/>
+                <a:cs typeface="+mj-cs"/>
+              </a:defRPr>
+            </a:lvl1pPr>
+            <a:lvl2pPr eaLnBrk="1" hangingPunct="1">
+              <a:defRPr>
+                <a:solidFill>
+                  <a:schemeClr val="tx2"/>
+                </a:solidFill>
+              </a:defRPr>
+            </a:lvl2pPr>
+            <a:lvl3pPr eaLnBrk="1" hangingPunct="1">
+              <a:defRPr>
+                <a:solidFill>
+                  <a:schemeClr val="tx2"/>
+                </a:solidFill>
+              </a:defRPr>
+            </a:lvl3pPr>
+            <a:lvl4pPr eaLnBrk="1" hangingPunct="1">
+              <a:defRPr>
+                <a:solidFill>
+                  <a:schemeClr val="tx2"/>
+                </a:solidFill>
+              </a:defRPr>
+            </a:lvl4pPr>
+            <a:lvl5pPr eaLnBrk="1" hangingPunct="1">
+              <a:defRPr>
+                <a:solidFill>
+                  <a:schemeClr val="tx2"/>
+                </a:solidFill>
+              </a:defRPr>
+            </a:lvl5pPr>
+            <a:lvl6pPr eaLnBrk="1" hangingPunct="1">
+              <a:defRPr>
+                <a:solidFill>
+                  <a:schemeClr val="tx2"/>
+                </a:solidFill>
+              </a:defRPr>
+            </a:lvl6pPr>
+            <a:lvl7pPr eaLnBrk="1" hangingPunct="1">
+              <a:defRPr>
+                <a:solidFill>
+                  <a:schemeClr val="tx2"/>
+                </a:solidFill>
+              </a:defRPr>
+            </a:lvl7pPr>
+            <a:lvl8pPr eaLnBrk="1" hangingPunct="1">
+              <a:defRPr>
+                <a:solidFill>
+                  <a:schemeClr val="tx2"/>
+                </a:solidFill>
+              </a:defRPr>
+            </a:lvl8pPr>
+            <a:lvl9pPr eaLnBrk="1" hangingPunct="1">
+              <a:defRPr>
+                <a:solidFill>
+                  <a:schemeClr val="tx2"/>
+                </a:solidFill>
+              </a:defRPr>
+            </a:lvl9pPr>
+          </a:lstStyle>
+          <a:p>
+            <a:pPr marL="342900" indent="-342900">
+              <a:lnSpc>
+                <a:spcPct val="150000"/>
+              </a:lnSpc>
+              <a:buClr>
+                <a:schemeClr val="accent1"/>
+              </a:buClr>
+              <a:buFont typeface="Wingdings" panose="05000000000000000000" pitchFamily="2" charset="2"/>
+              <a:buChar char="Ø"/>
+            </a:pPr>
+            <a:r>
+              <a:rPr lang="pt-BR" sz="2800" dirty="0">
+                <a:solidFill>
+                  <a:schemeClr val="tx1"/>
+                </a:solidFill>
+              </a:rPr>
+              <a:t>Levantamento de requisitos</a:t>
+            </a:r>
+            <a:r>
+              <a:rPr lang="pt-BR" sz="2800" dirty="0" smtClean="0">
+                <a:solidFill>
+                  <a:schemeClr val="tx1"/>
+                </a:solidFill>
+              </a:rPr>
+              <a:t>;</a:t>
+            </a:r>
+            <a:endParaRPr lang="pt-BR" sz="2800" dirty="0" smtClean="0">
+              <a:solidFill>
+                <a:schemeClr val="tx1"/>
+              </a:solidFill>
+            </a:endParaRPr>
+          </a:p>
+          <a:p>
+            <a:pPr marL="342900" indent="-342900">
+              <a:lnSpc>
+                <a:spcPct val="150000"/>
+              </a:lnSpc>
+              <a:buClr>
+                <a:schemeClr val="accent1"/>
+              </a:buClr>
+              <a:buFont typeface="Wingdings" panose="05000000000000000000" pitchFamily="2" charset="2"/>
+              <a:buChar char="Ø"/>
+            </a:pPr>
+            <a:r>
+              <a:rPr lang="pt-BR" sz="2800" dirty="0" smtClean="0">
+                <a:solidFill>
+                  <a:schemeClr val="tx1"/>
+                </a:solidFill>
+              </a:rPr>
+              <a:t>Trabalho </a:t>
+            </a:r>
+            <a:r>
+              <a:rPr lang="pt-BR" sz="2800" dirty="0" smtClean="0">
+                <a:solidFill>
+                  <a:schemeClr val="tx1"/>
+                </a:solidFill>
+              </a:rPr>
+              <a:t>em equipe;</a:t>
+            </a:r>
+          </a:p>
+          <a:p>
+            <a:pPr marL="342900" indent="-342900">
+              <a:lnSpc>
+                <a:spcPct val="150000"/>
+              </a:lnSpc>
+              <a:buClr>
+                <a:schemeClr val="accent1"/>
+              </a:buClr>
+              <a:buFont typeface="Wingdings" panose="05000000000000000000" pitchFamily="2" charset="2"/>
+              <a:buChar char="Ø"/>
+            </a:pPr>
+            <a:r>
+              <a:rPr lang="pt-BR" sz="2800" dirty="0" smtClean="0">
+                <a:solidFill>
+                  <a:schemeClr val="tx1"/>
+                </a:solidFill>
+              </a:rPr>
+              <a:t>Distribuição de responsabilidades;</a:t>
+            </a:r>
+          </a:p>
+          <a:p>
+            <a:pPr marL="342900" indent="-342900">
+              <a:lnSpc>
+                <a:spcPct val="150000"/>
+              </a:lnSpc>
+              <a:buClr>
+                <a:schemeClr val="accent1"/>
+              </a:buClr>
+              <a:buFont typeface="Wingdings" panose="05000000000000000000" pitchFamily="2" charset="2"/>
+              <a:buChar char="Ø"/>
+            </a:pPr>
+            <a:r>
+              <a:rPr lang="pt-BR" sz="2800" dirty="0" smtClean="0">
+                <a:solidFill>
+                  <a:schemeClr val="tx1"/>
+                </a:solidFill>
+              </a:rPr>
+              <a:t>Controle de tempo;</a:t>
+            </a:r>
+          </a:p>
+          <a:p>
+            <a:pPr marL="342900" indent="-342900">
+              <a:lnSpc>
+                <a:spcPct val="150000"/>
+              </a:lnSpc>
+              <a:buClr>
+                <a:schemeClr val="accent1"/>
+              </a:buClr>
+              <a:buFont typeface="Wingdings" panose="05000000000000000000" pitchFamily="2" charset="2"/>
+              <a:buChar char="Ø"/>
+            </a:pPr>
+            <a:r>
+              <a:rPr lang="pt-BR" sz="2800" dirty="0" smtClean="0">
+                <a:solidFill>
+                  <a:schemeClr val="tx1"/>
+                </a:solidFill>
+              </a:rPr>
+              <a:t>Assiduidade nas entregas;</a:t>
+            </a:r>
+          </a:p>
+          <a:p>
+            <a:pPr marL="342900" indent="-342900">
+              <a:lnSpc>
+                <a:spcPct val="150000"/>
+              </a:lnSpc>
+              <a:buFont typeface="Wingdings" panose="05000000000000000000" pitchFamily="2" charset="2"/>
+              <a:buChar char="Ø"/>
+            </a:pPr>
+            <a:endParaRPr lang="pt-BR" sz="2400" dirty="0" smtClean="0">
+              <a:solidFill>
+                <a:schemeClr val="tx1"/>
+              </a:solidFill>
+            </a:endParaRPr>
+          </a:p>
+          <a:p>
+            <a:pPr marL="342900" indent="-342900">
+              <a:lnSpc>
+                <a:spcPct val="150000"/>
+              </a:lnSpc>
+              <a:buFont typeface="Wingdings" panose="05000000000000000000" pitchFamily="2" charset="2"/>
+              <a:buChar char="Ø"/>
+            </a:pPr>
+            <a:endParaRPr lang="pt-BR" sz="2400" dirty="0">
+              <a:solidFill>
+                <a:schemeClr val="tx1"/>
+              </a:solidFill>
+            </a:endParaRPr>
+          </a:p>
+        </p:txBody>
+      </p:sp>
+      <p:pic>
+        <p:nvPicPr>
+          <p:cNvPr id="5" name="Espaço Reservado para Conteúdo 3"/>
+          <p:cNvPicPr>
+            <a:picLocks noGrp="1" noChangeAspect="1"/>
+          </p:cNvPicPr>
+          <p:nvPr>
+            <p:ph idx="1"/>
+          </p:nvPr>
+        </p:nvPicPr>
+        <p:blipFill>
+          <a:blip r:embed="rId3">
+            <a:extLst>
+              <a:ext uri="{28A0092B-C50C-407E-A947-70E740481C1C}">
+                <a14:useLocalDpi xmlns:a14="http://schemas.microsoft.com/office/drawing/2010/main" val="0"/>
+              </a:ext>
+            </a:extLst>
+          </a:blip>
+          <a:stretch>
+            <a:fillRect/>
+          </a:stretch>
+        </p:blipFill>
+        <p:spPr>
+          <a:xfrm>
+            <a:off x="9226371" y="4615243"/>
+            <a:ext cx="2965629" cy="2242757"/>
+          </a:xfrm>
+        </p:spPr>
+      </p:pic>
     </p:spTree>
     <p:extLst>
       <p:ext uri="{BB962C8B-B14F-4D97-AF65-F5344CB8AC3E}">
-        <p14:creationId xmlns:p14="http://schemas.microsoft.com/office/powerpoint/2010/main" val="2510832480"/>
+        <p14:creationId xmlns:p14="http://schemas.microsoft.com/office/powerpoint/2010/main" val="2702419248"/>
       </p:ext>
     </p:extLst>
   </p:cSld>
@@ -9619,4 +11614,265 @@
     </a:ext>
   </a:extLst>
 </a:theme>
+</file>
+
+<file path=ppt/theme/theme2.xml><?xml version="1.0" encoding="utf-8"?>
+<a:theme xmlns:a="http://schemas.openxmlformats.org/drawingml/2006/main" name="Tema do Office">
+  <a:themeElements>
+    <a:clrScheme name="Escritório">
+      <a:dk1>
+        <a:sysClr val="windowText" lastClr="000000"/>
+      </a:dk1>
+      <a:lt1>
+        <a:sysClr val="window" lastClr="FFFFFF"/>
+      </a:lt1>
+      <a:dk2>
+        <a:srgbClr val="44546A"/>
+      </a:dk2>
+      <a:lt2>
+        <a:srgbClr val="E7E6E6"/>
+      </a:lt2>
+      <a:accent1>
+        <a:srgbClr val="5B9BD5"/>
+      </a:accent1>
+      <a:accent2>
+        <a:srgbClr val="ED7D31"/>
+      </a:accent2>
+      <a:accent3>
+        <a:srgbClr val="A5A5A5"/>
+      </a:accent3>
+      <a:accent4>
+        <a:srgbClr val="FFC000"/>
+      </a:accent4>
+      <a:accent5>
+        <a:srgbClr val="4472C4"/>
+      </a:accent5>
+      <a:accent6>
+        <a:srgbClr val="70AD47"/>
+      </a:accent6>
+      <a:hlink>
+        <a:srgbClr val="0563C1"/>
+      </a:hlink>
+      <a:folHlink>
+        <a:srgbClr val="954F72"/>
+      </a:folHlink>
+    </a:clrScheme>
+    <a:fontScheme name="Escritório">
+      <a:majorFont>
+        <a:latin typeface="Calibri Light" panose="020F0302020204030204"/>
+        <a:ea typeface=""/>
+        <a:cs typeface=""/>
+        <a:font script="Jpan" typeface="ＭＳ Ｐゴシック"/>
+        <a:font script="Hang" typeface="맑은 고딕"/>
+        <a:font script="Hans" typeface="宋体"/>
+        <a:font script="Hant" typeface="新細明體"/>
+        <a:font script="Arab" typeface="Times New Roman"/>
+        <a:font script="Hebr" typeface="Times New Roman"/>
+        <a:font script="Thai" typeface="Angsana New"/>
+        <a:font script="Ethi" typeface="Nyala"/>
+        <a:font script="Beng" typeface="Vrinda"/>
+        <a:font script="Gujr" typeface="Shruti"/>
+        <a:font script="Khmr" typeface="MoolBoran"/>
+        <a:font script="Knda" typeface="Tunga"/>
+        <a:font script="Guru" typeface="Raavi"/>
+        <a:font script="Cans" typeface="Euphemia"/>
+        <a:font script="Cher" typeface="Plantagenet Cherokee"/>
+        <a:font script="Yiii" typeface="Microsoft Yi Baiti"/>
+        <a:font script="Tibt" typeface="Microsoft Himalaya"/>
+        <a:font script="Thaa" typeface="MV Boli"/>
+        <a:font script="Deva" typeface="Mangal"/>
+        <a:font script="Telu" typeface="Gautami"/>
+        <a:font script="Taml" typeface="Latha"/>
+        <a:font script="Syrc" typeface="Estrangelo Edessa"/>
+        <a:font script="Orya" typeface="Kalinga"/>
+        <a:font script="Mlym" typeface="Kartika"/>
+        <a:font script="Laoo" typeface="DokChampa"/>
+        <a:font script="Sinh" typeface="Iskoola Pota"/>
+        <a:font script="Mong" typeface="Mongolian Baiti"/>
+        <a:font script="Viet" typeface="Times New Roman"/>
+        <a:font script="Uigh" typeface="Microsoft Uighur"/>
+        <a:font script="Geor" typeface="Sylfaen"/>
+      </a:majorFont>
+      <a:minorFont>
+        <a:latin typeface="Calibri" panose="020F0502020204030204"/>
+        <a:ea typeface=""/>
+        <a:cs typeface=""/>
+        <a:font script="Jpan" typeface="ＭＳ Ｐゴシック"/>
+        <a:font script="Hang" typeface="맑은 고딕"/>
+        <a:font script="Hans" typeface="宋体"/>
+        <a:font script="Hant" typeface="新細明體"/>
+        <a:font script="Arab" typeface="Arial"/>
+        <a:font script="Hebr" typeface="Arial"/>
+        <a:font script="Thai" typeface="Cordia New"/>
+        <a:font script="Ethi" typeface="Nyala"/>
+        <a:font script="Beng" typeface="Vrinda"/>
+        <a:font script="Gujr" typeface="Shruti"/>
+        <a:font script="Khmr" typeface="DaunPenh"/>
+        <a:font script="Knda" typeface="Tunga"/>
+        <a:font script="Guru" typeface="Raavi"/>
+        <a:font script="Cans" typeface="Euphemia"/>
+        <a:font script="Cher" typeface="Plantagenet Cherokee"/>
+        <a:font script="Yiii" typeface="Microsoft Yi Baiti"/>
+        <a:font script="Tibt" typeface="Microsoft Himalaya"/>
+        <a:font script="Thaa" typeface="MV Boli"/>
+        <a:font script="Deva" typeface="Mangal"/>
+        <a:font script="Telu" typeface="Gautami"/>
+        <a:font script="Taml" typeface="Latha"/>
+        <a:font script="Syrc" typeface="Estrangelo Edessa"/>
+        <a:font script="Orya" typeface="Kalinga"/>
+        <a:font script="Mlym" typeface="Kartika"/>
+        <a:font script="Laoo" typeface="DokChampa"/>
+        <a:font script="Sinh" typeface="Iskoola Pota"/>
+        <a:font script="Mong" typeface="Mongolian Baiti"/>
+        <a:font script="Viet" typeface="Arial"/>
+        <a:font script="Uigh" typeface="Microsoft Uighur"/>
+        <a:font script="Geor" typeface="Sylfaen"/>
+      </a:minorFont>
+    </a:fontScheme>
+    <a:fmtScheme name="Escritório">
+      <a:fillStyleLst>
+        <a:solidFill>
+          <a:schemeClr val="phClr"/>
+        </a:solidFill>
+        <a:gradFill rotWithShape="1">
+          <a:gsLst>
+            <a:gs pos="0">
+              <a:schemeClr val="phClr">
+                <a:lumMod val="110000"/>
+                <a:satMod val="105000"/>
+                <a:tint val="67000"/>
+              </a:schemeClr>
+            </a:gs>
+            <a:gs pos="50000">
+              <a:schemeClr val="phClr">
+                <a:lumMod val="105000"/>
+                <a:satMod val="103000"/>
+                <a:tint val="73000"/>
+              </a:schemeClr>
+            </a:gs>
+            <a:gs pos="100000">
+              <a:schemeClr val="phClr">
+                <a:lumMod val="105000"/>
+                <a:satMod val="109000"/>
+                <a:tint val="81000"/>
+              </a:schemeClr>
+            </a:gs>
+          </a:gsLst>
+          <a:lin ang="5400000" scaled="0"/>
+        </a:gradFill>
+        <a:gradFill rotWithShape="1">
+          <a:gsLst>
+            <a:gs pos="0">
+              <a:schemeClr val="phClr">
+                <a:satMod val="103000"/>
+                <a:lumMod val="102000"/>
+                <a:tint val="94000"/>
+              </a:schemeClr>
+            </a:gs>
+            <a:gs pos="50000">
+              <a:schemeClr val="phClr">
+                <a:satMod val="110000"/>
+                <a:lumMod val="100000"/>
+                <a:shade val="100000"/>
+              </a:schemeClr>
+            </a:gs>
+            <a:gs pos="100000">
+              <a:schemeClr val="phClr">
+                <a:lumMod val="99000"/>
+                <a:satMod val="120000"/>
+                <a:shade val="78000"/>
+              </a:schemeClr>
+            </a:gs>
+          </a:gsLst>
+          <a:lin ang="5400000" scaled="0"/>
+        </a:gradFill>
+      </a:fillStyleLst>
+      <a:lnStyleLst>
+        <a:ln w="6350" cap="flat" cmpd="sng" algn="ctr">
+          <a:solidFill>
+            <a:schemeClr val="phClr"/>
+          </a:solidFill>
+          <a:prstDash val="solid"/>
+          <a:miter lim="800000"/>
+        </a:ln>
+        <a:ln w="12700" cap="flat" cmpd="sng" algn="ctr">
+          <a:solidFill>
+            <a:schemeClr val="phClr"/>
+          </a:solidFill>
+          <a:prstDash val="solid"/>
+          <a:miter lim="800000"/>
+        </a:ln>
+        <a:ln w="19050" cap="flat" cmpd="sng" algn="ctr">
+          <a:solidFill>
+            <a:schemeClr val="phClr"/>
+          </a:solidFill>
+          <a:prstDash val="solid"/>
+          <a:miter lim="800000"/>
+        </a:ln>
+      </a:lnStyleLst>
+      <a:effectStyleLst>
+        <a:effectStyle>
+          <a:effectLst/>
+        </a:effectStyle>
+        <a:effectStyle>
+          <a:effectLst/>
+        </a:effectStyle>
+        <a:effectStyle>
+          <a:effectLst>
+            <a:outerShdw blurRad="57150" dist="19050" dir="5400000" algn="ctr" rotWithShape="0">
+              <a:srgbClr val="000000">
+                <a:alpha val="63000"/>
+              </a:srgbClr>
+            </a:outerShdw>
+          </a:effectLst>
+        </a:effectStyle>
+      </a:effectStyleLst>
+      <a:bgFillStyleLst>
+        <a:solidFill>
+          <a:schemeClr val="phClr"/>
+        </a:solidFill>
+        <a:solidFill>
+          <a:schemeClr val="phClr">
+            <a:tint val="95000"/>
+            <a:satMod val="170000"/>
+          </a:schemeClr>
+        </a:solidFill>
+        <a:gradFill rotWithShape="1">
+          <a:gsLst>
+            <a:gs pos="0">
+              <a:schemeClr val="phClr">
+                <a:tint val="93000"/>
+                <a:satMod val="150000"/>
+                <a:shade val="98000"/>
+                <a:lumMod val="102000"/>
+              </a:schemeClr>
+            </a:gs>
+            <a:gs pos="50000">
+              <a:schemeClr val="phClr">
+                <a:tint val="98000"/>
+                <a:satMod val="130000"/>
+                <a:shade val="90000"/>
+                <a:lumMod val="103000"/>
+              </a:schemeClr>
+            </a:gs>
+            <a:gs pos="100000">
+              <a:schemeClr val="phClr">
+                <a:shade val="63000"/>
+                <a:satMod val="120000"/>
+              </a:schemeClr>
+            </a:gs>
+          </a:gsLst>
+          <a:lin ang="5400000" scaled="0"/>
+        </a:gradFill>
+      </a:bgFillStyleLst>
+    </a:fmtScheme>
+  </a:themeElements>
+  <a:objectDefaults/>
+  <a:extraClrSchemeLst/>
+  <a:extLst>
+    <a:ext uri="{05A4C25C-085E-4340-85A3-A5531E510DB2}">
+      <thm15:themeFamily xmlns:thm15="http://schemas.microsoft.com/office/thememl/2012/main" name="Office Theme" id="{62F939B6-93AF-4DB8-9C6B-D6C7DFDC589F}" vid="{4A3C46E8-61CC-4603-A589-7422A47A8E4A}"/>
+    </a:ext>
+  </a:extLst>
+</a:theme>
 </file>
--- a/CRPO.pptx
+++ b/CRPO.pptx
@@ -208,7 +208,7 @@
           <a:p>
             <a:fld id="{3397FD11-4E9F-44C1-A834-3767C312FD22}" type="datetimeFigureOut">
               <a:rPr lang="pt-BR" smtClean="0"/>
-              <a:t>26/11/2016</a:t>
+              <a:t>02/12/2016</a:t>
             </a:fld>
             <a:endParaRPr lang="pt-BR"/>
           </a:p>
@@ -272,38 +272,37 @@
           <a:p>
             <a:pPr lvl="0"/>
             <a:r>
-              <a:rPr lang="pt-BR" smtClean="0"/>
+              <a:rPr lang="pt-BR"/>
               <a:t>Clique para editar o texto mestre</a:t>
             </a:r>
           </a:p>
           <a:p>
             <a:pPr lvl="1"/>
             <a:r>
-              <a:rPr lang="pt-BR" smtClean="0"/>
+              <a:rPr lang="pt-BR"/>
               <a:t>Segundo nível</a:t>
             </a:r>
           </a:p>
           <a:p>
             <a:pPr lvl="2"/>
             <a:r>
-              <a:rPr lang="pt-BR" smtClean="0"/>
+              <a:rPr lang="pt-BR"/>
               <a:t>Terceiro nível</a:t>
             </a:r>
           </a:p>
           <a:p>
             <a:pPr lvl="3"/>
             <a:r>
-              <a:rPr lang="pt-BR" smtClean="0"/>
+              <a:rPr lang="pt-BR"/>
               <a:t>Quarto nível</a:t>
             </a:r>
           </a:p>
           <a:p>
             <a:pPr lvl="4"/>
             <a:r>
-              <a:rPr lang="pt-BR" smtClean="0"/>
+              <a:rPr lang="pt-BR"/>
               <a:t>Quinto nível</a:t>
             </a:r>
-            <a:endParaRPr lang="pt-BR"/>
           </a:p>
         </p:txBody>
       </p:sp>
@@ -538,36 +537,34 @@
               <a:defRPr/>
             </a:pPr>
             <a:r>
-              <a:rPr lang="it-IT" dirty="0" smtClean="0"/>
+              <a:rPr lang="it-IT" dirty="0"/>
               <a:t>Demetrius</a:t>
             </a:r>
-            <a:endParaRPr lang="pt-BR" dirty="0" smtClean="0"/>
-          </a:p>
-          <a:p>
-            <a:r>
-              <a:rPr lang="it-IT" dirty="0" smtClean="0"/>
+            <a:endParaRPr lang="pt-BR" dirty="0"/>
+          </a:p>
+          <a:p>
+            <a:r>
+              <a:rPr lang="it-IT" dirty="0"/>
               <a:t>Diogo</a:t>
             </a:r>
-            <a:endParaRPr lang="it-IT" dirty="0" smtClean="0"/>
-          </a:p>
-          <a:p>
-            <a:r>
-              <a:rPr lang="it-IT" dirty="0" smtClean="0"/>
+          </a:p>
+          <a:p>
+            <a:r>
+              <a:rPr lang="it-IT" dirty="0"/>
               <a:t>Carlos</a:t>
             </a:r>
           </a:p>
           <a:p>
             <a:r>
-              <a:rPr lang="it-IT" dirty="0" smtClean="0"/>
+              <a:rPr lang="it-IT" dirty="0"/>
               <a:t>Clei</a:t>
             </a:r>
           </a:p>
           <a:p>
             <a:r>
-              <a:rPr lang="it-IT" dirty="0" smtClean="0"/>
+              <a:rPr lang="it-IT" dirty="0"/>
               <a:t>Daniel</a:t>
             </a:r>
-            <a:endParaRPr lang="it-IT" dirty="0" smtClean="0"/>
           </a:p>
         </p:txBody>
       </p:sp>
@@ -652,7 +649,7 @@
           <a:lstStyle/>
           <a:p>
             <a:r>
-              <a:rPr lang="pt-BR" dirty="0" err="1" smtClean="0"/>
+              <a:rPr lang="pt-BR" dirty="0" err="1"/>
               <a:t>clei</a:t>
             </a:r>
             <a:endParaRPr lang="pt-BR" dirty="0"/>
@@ -740,34 +737,34 @@
           <a:lstStyle/>
           <a:p>
             <a:r>
-              <a:rPr lang="it-IT" dirty="0" smtClean="0"/>
+              <a:rPr lang="it-IT" dirty="0"/>
               <a:t>Diogo</a:t>
             </a:r>
           </a:p>
           <a:p>
             <a:r>
-              <a:rPr lang="it-IT" dirty="0" smtClean="0"/>
+              <a:rPr lang="it-IT" dirty="0"/>
               <a:t>Carlos</a:t>
             </a:r>
           </a:p>
           <a:p>
             <a:r>
-              <a:rPr lang="it-IT" dirty="0" smtClean="0"/>
+              <a:rPr lang="it-IT" dirty="0"/>
               <a:t>Clei</a:t>
             </a:r>
           </a:p>
           <a:p>
             <a:r>
-              <a:rPr lang="it-IT" dirty="0" smtClean="0"/>
+              <a:rPr lang="it-IT" dirty="0"/>
               <a:t>Daniel</a:t>
             </a:r>
           </a:p>
           <a:p>
             <a:r>
-              <a:rPr lang="it-IT" dirty="0" smtClean="0"/>
+              <a:rPr lang="it-IT" dirty="0"/>
               <a:t>demetrius</a:t>
             </a:r>
-            <a:endParaRPr lang="pt-BR" dirty="0" smtClean="0"/>
+            <a:endParaRPr lang="pt-BR" dirty="0"/>
           </a:p>
           <a:p>
             <a:endParaRPr lang="pt-BR" dirty="0"/>
@@ -855,10 +852,9 @@
           <a:lstStyle/>
           <a:p>
             <a:r>
-              <a:rPr lang="pt-BR" dirty="0" smtClean="0"/>
+              <a:rPr lang="pt-BR" dirty="0"/>
               <a:t>Diogo – 1:30</a:t>
             </a:r>
-            <a:endParaRPr lang="pt-BR" dirty="0"/>
           </a:p>
         </p:txBody>
       </p:sp>
@@ -943,14 +939,13 @@
           <a:lstStyle/>
           <a:p>
             <a:r>
-              <a:rPr lang="pt-BR" dirty="0" err="1" smtClean="0"/>
+              <a:rPr lang="pt-BR" dirty="0" err="1"/>
               <a:t>carlos</a:t>
             </a:r>
             <a:r>
-              <a:rPr lang="pt-BR" dirty="0" smtClean="0"/>
+              <a:rPr lang="pt-BR" dirty="0"/>
               <a:t> - 2:00 slide 3</a:t>
             </a:r>
-            <a:endParaRPr lang="pt-BR" dirty="0"/>
           </a:p>
         </p:txBody>
       </p:sp>
@@ -1035,14 +1030,13 @@
           <a:lstStyle/>
           <a:p>
             <a:r>
-              <a:rPr lang="pt-BR" dirty="0" err="1" smtClean="0"/>
+              <a:rPr lang="pt-BR" dirty="0" err="1"/>
               <a:t>clei</a:t>
             </a:r>
             <a:r>
-              <a:rPr lang="pt-BR" dirty="0" smtClean="0"/>
+              <a:rPr lang="pt-BR" dirty="0"/>
               <a:t> - 2:00 slide 4</a:t>
             </a:r>
-            <a:endParaRPr lang="pt-BR" dirty="0"/>
           </a:p>
         </p:txBody>
       </p:sp>
@@ -1127,14 +1121,13 @@
           <a:lstStyle/>
           <a:p>
             <a:r>
-              <a:rPr lang="pt-BR" dirty="0" err="1" smtClean="0"/>
+              <a:rPr lang="pt-BR" dirty="0" err="1"/>
               <a:t>daniel</a:t>
             </a:r>
             <a:r>
-              <a:rPr lang="pt-BR" dirty="0" smtClean="0"/>
+              <a:rPr lang="pt-BR" dirty="0"/>
               <a:t> - 2:00 slide 5</a:t>
             </a:r>
-            <a:endParaRPr lang="pt-BR" dirty="0"/>
           </a:p>
         </p:txBody>
       </p:sp>
@@ -1219,14 +1212,13 @@
           <a:lstStyle/>
           <a:p>
             <a:r>
-              <a:rPr lang="pt-BR" dirty="0" err="1" smtClean="0"/>
+              <a:rPr lang="pt-BR" dirty="0" err="1"/>
               <a:t>demetrius</a:t>
             </a:r>
             <a:r>
-              <a:rPr lang="pt-BR" dirty="0" smtClean="0"/>
+              <a:rPr lang="pt-BR" dirty="0"/>
               <a:t> 1:00 slide 6</a:t>
             </a:r>
-            <a:endParaRPr lang="pt-BR" dirty="0"/>
           </a:p>
         </p:txBody>
       </p:sp>
@@ -1311,18 +1303,13 @@
           <a:lstStyle/>
           <a:p>
             <a:r>
-              <a:rPr lang="pt-BR" dirty="0" err="1" smtClean="0"/>
+              <a:rPr lang="pt-BR" dirty="0" err="1"/>
               <a:t>diogo</a:t>
             </a:r>
             <a:r>
-              <a:rPr lang="pt-BR" dirty="0" smtClean="0"/>
-              <a:t> </a:t>
-            </a:r>
-            <a:r>
-              <a:rPr lang="pt-BR" dirty="0" smtClean="0"/>
-              <a:t>1:00 slide 7</a:t>
-            </a:r>
-            <a:endParaRPr lang="pt-BR" dirty="0"/>
+              <a:rPr lang="pt-BR" dirty="0"/>
+              <a:t> 1:00 slide 7</a:t>
+            </a:r>
           </a:p>
         </p:txBody>
       </p:sp>
@@ -1407,28 +1394,20 @@
           <a:lstStyle/>
           <a:p>
             <a:r>
-              <a:rPr lang="pt-BR" dirty="0" err="1" smtClean="0"/>
+              <a:rPr lang="pt-BR" dirty="0" err="1"/>
               <a:t>carlos</a:t>
             </a:r>
             <a:r>
-              <a:rPr lang="pt-BR" dirty="0" smtClean="0"/>
-              <a:t> </a:t>
-            </a:r>
-            <a:r>
-              <a:rPr lang="pt-BR" dirty="0" smtClean="0"/>
-              <a:t>- 1:30 slide </a:t>
-            </a:r>
-            <a:r>
-              <a:rPr lang="pt-BR" dirty="0" smtClean="0"/>
-              <a:t>8</a:t>
-            </a:r>
-          </a:p>
-          <a:p>
-            <a:endParaRPr lang="pt-BR" dirty="0" smtClean="0"/>
-          </a:p>
-          <a:p>
-            <a:r>
-              <a:rPr lang="pt-BR" dirty="0" smtClean="0"/>
+              <a:rPr lang="pt-BR" dirty="0"/>
+              <a:t> - 1:30 slide 8</a:t>
+            </a:r>
+          </a:p>
+          <a:p>
+            <a:endParaRPr lang="pt-BR" dirty="0"/>
+          </a:p>
+          <a:p>
+            <a:r>
+              <a:rPr lang="pt-BR" dirty="0"/>
               <a:t>Colocar estatísticas de comparativo antes e depois</a:t>
             </a:r>
           </a:p>
@@ -1518,34 +1497,34 @@
           <a:lstStyle/>
           <a:p>
             <a:r>
-              <a:rPr lang="it-IT" dirty="0" smtClean="0"/>
+              <a:rPr lang="it-IT" dirty="0"/>
               <a:t>Diogo</a:t>
             </a:r>
           </a:p>
           <a:p>
             <a:r>
-              <a:rPr lang="it-IT" dirty="0" smtClean="0"/>
+              <a:rPr lang="it-IT" dirty="0"/>
               <a:t>Carlos</a:t>
             </a:r>
           </a:p>
           <a:p>
             <a:r>
-              <a:rPr lang="it-IT" dirty="0" smtClean="0"/>
+              <a:rPr lang="it-IT" dirty="0"/>
               <a:t>Clei</a:t>
             </a:r>
           </a:p>
           <a:p>
             <a:r>
-              <a:rPr lang="it-IT" dirty="0" smtClean="0"/>
+              <a:rPr lang="it-IT" dirty="0"/>
               <a:t>Daniel</a:t>
             </a:r>
           </a:p>
           <a:p>
             <a:r>
-              <a:rPr lang="it-IT" dirty="0" smtClean="0"/>
+              <a:rPr lang="it-IT" dirty="0"/>
               <a:t>demetrius</a:t>
             </a:r>
-            <a:endParaRPr lang="pt-BR" dirty="0" smtClean="0"/>
+            <a:endParaRPr lang="pt-BR" dirty="0"/>
           </a:p>
         </p:txBody>
       </p:sp>
@@ -2186,7 +2165,7 @@
           </a:lstStyle>
           <a:p>
             <a:r>
-              <a:rPr lang="pt-BR" smtClean="0"/>
+              <a:rPr lang="pt-BR"/>
               <a:t>Clique para editar o título mestre</a:t>
             </a:r>
             <a:endParaRPr lang="en-US" dirty="0"/>
@@ -2306,7 +2285,7 @@
           </a:lstStyle>
           <a:p>
             <a:r>
-              <a:rPr lang="pt-BR" smtClean="0"/>
+              <a:rPr lang="pt-BR"/>
               <a:t>Clique para editar o estilo do subtítulo mestre</a:t>
             </a:r>
             <a:endParaRPr lang="en-US" dirty="0"/>
@@ -2331,7 +2310,7 @@
             <a:fld id="{B61BEF0D-F0BB-DE4B-95CE-6DB70DBA9567}" type="datetimeFigureOut">
               <a:rPr lang="en-US" dirty="0"/>
               <a:pPr/>
-              <a:t>11/26/2016</a:t>
+              <a:t>12/2/2016</a:t>
             </a:fld>
             <a:endParaRPr lang="en-US" dirty="0"/>
           </a:p>
@@ -2432,7 +2411,7 @@
           </a:lstStyle>
           <a:p>
             <a:r>
-              <a:rPr lang="pt-BR" smtClean="0"/>
+              <a:rPr lang="pt-BR"/>
               <a:t>Clique para editar o título mestre</a:t>
             </a:r>
             <a:endParaRPr lang="en-US" dirty="0"/>
@@ -2555,7 +2534,7 @@
           <a:p>
             <a:pPr lvl="0"/>
             <a:r>
-              <a:rPr lang="pt-BR" smtClean="0"/>
+              <a:rPr lang="pt-BR"/>
               <a:t>Clique para editar o texto mestre</a:t>
             </a:r>
           </a:p>
@@ -2579,7 +2558,7 @@
             <a:fld id="{B61BEF0D-F0BB-DE4B-95CE-6DB70DBA9567}" type="datetimeFigureOut">
               <a:rPr lang="en-US" dirty="0"/>
               <a:pPr/>
-              <a:t>11/26/2016</a:t>
+              <a:t>12/2/2016</a:t>
             </a:fld>
             <a:endParaRPr lang="en-US" dirty="0"/>
           </a:p>
@@ -2680,7 +2659,7 @@
           </a:lstStyle>
           <a:p>
             <a:r>
-              <a:rPr lang="pt-BR" smtClean="0"/>
+              <a:rPr lang="pt-BR"/>
               <a:t>Clique para editar o título mestre</a:t>
             </a:r>
             <a:endParaRPr lang="en-US" dirty="0"/>
@@ -2744,7 +2723,7 @@
           <a:p>
             <a:pPr lvl="0"/>
             <a:r>
-              <a:rPr lang="pt-BR" smtClean="0"/>
+              <a:rPr lang="pt-BR"/>
               <a:t>Clique para editar o texto mestre</a:t>
             </a:r>
           </a:p>
@@ -2866,7 +2845,7 @@
           <a:p>
             <a:pPr lvl="0"/>
             <a:r>
-              <a:rPr lang="pt-BR" smtClean="0"/>
+              <a:rPr lang="pt-BR"/>
               <a:t>Clique para editar o texto mestre</a:t>
             </a:r>
           </a:p>
@@ -2890,7 +2869,7 @@
             <a:fld id="{B61BEF0D-F0BB-DE4B-95CE-6DB70DBA9567}" type="datetimeFigureOut">
               <a:rPr lang="en-US" dirty="0"/>
               <a:pPr/>
-              <a:t>11/26/2016</a:t>
+              <a:t>12/2/2016</a:t>
             </a:fld>
             <a:endParaRPr lang="en-US" dirty="0"/>
           </a:p>
@@ -3073,7 +3052,7 @@
           </a:lstStyle>
           <a:p>
             <a:r>
-              <a:rPr lang="pt-BR" smtClean="0"/>
+              <a:rPr lang="pt-BR"/>
               <a:t>Clique para editar o título mestre</a:t>
             </a:r>
             <a:endParaRPr lang="en-US" dirty="0"/>
@@ -3196,7 +3175,7 @@
           <a:p>
             <a:pPr lvl="0"/>
             <a:r>
-              <a:rPr lang="pt-BR" smtClean="0"/>
+              <a:rPr lang="pt-BR"/>
               <a:t>Clique para editar o texto mestre</a:t>
             </a:r>
           </a:p>
@@ -3220,7 +3199,7 @@
             <a:fld id="{B61BEF0D-F0BB-DE4B-95CE-6DB70DBA9567}" type="datetimeFigureOut">
               <a:rPr lang="en-US" dirty="0"/>
               <a:pPr/>
-              <a:t>11/26/2016</a:t>
+              <a:t>12/2/2016</a:t>
             </a:fld>
             <a:endParaRPr lang="en-US" dirty="0"/>
           </a:p>
@@ -3321,7 +3300,7 @@
           </a:lstStyle>
           <a:p>
             <a:r>
-              <a:rPr lang="pt-BR" smtClean="0"/>
+              <a:rPr lang="pt-BR"/>
               <a:t>Clique para editar o título mestre</a:t>
             </a:r>
             <a:endParaRPr lang="en-US" dirty="0"/>
@@ -3385,7 +3364,7 @@
           <a:p>
             <a:pPr lvl="0"/>
             <a:r>
-              <a:rPr lang="pt-BR" smtClean="0"/>
+              <a:rPr lang="pt-BR"/>
               <a:t>Clique para editar o texto mestre</a:t>
             </a:r>
           </a:p>
@@ -3507,7 +3486,7 @@
           <a:p>
             <a:pPr lvl="0"/>
             <a:r>
-              <a:rPr lang="pt-BR" smtClean="0"/>
+              <a:rPr lang="pt-BR"/>
               <a:t>Clique para editar o texto mestre</a:t>
             </a:r>
           </a:p>
@@ -3531,7 +3510,7 @@
             <a:fld id="{B61BEF0D-F0BB-DE4B-95CE-6DB70DBA9567}" type="datetimeFigureOut">
               <a:rPr lang="en-US" dirty="0"/>
               <a:pPr/>
-              <a:t>11/26/2016</a:t>
+              <a:t>12/2/2016</a:t>
             </a:fld>
             <a:endParaRPr lang="en-US" dirty="0"/>
           </a:p>
@@ -3714,7 +3693,7 @@
           </a:lstStyle>
           <a:p>
             <a:r>
-              <a:rPr lang="pt-BR" smtClean="0"/>
+              <a:rPr lang="pt-BR"/>
               <a:t>Clique para editar o título mestre</a:t>
             </a:r>
             <a:endParaRPr lang="en-US" dirty="0"/>
@@ -3775,7 +3754,7 @@
           <a:p>
             <a:pPr lvl="0"/>
             <a:r>
-              <a:rPr lang="pt-BR" smtClean="0"/>
+              <a:rPr lang="pt-BR"/>
               <a:t>Clique para editar o texto mestre</a:t>
             </a:r>
           </a:p>
@@ -3897,7 +3876,7 @@
           <a:p>
             <a:pPr lvl="0"/>
             <a:r>
-              <a:rPr lang="pt-BR" smtClean="0"/>
+              <a:rPr lang="pt-BR"/>
               <a:t>Clique para editar o texto mestre</a:t>
             </a:r>
           </a:p>
@@ -3921,7 +3900,7 @@
             <a:fld id="{B61BEF0D-F0BB-DE4B-95CE-6DB70DBA9567}" type="datetimeFigureOut">
               <a:rPr lang="en-US" dirty="0"/>
               <a:pPr/>
-              <a:t>11/26/2016</a:t>
+              <a:t>12/2/2016</a:t>
             </a:fld>
             <a:endParaRPr lang="en-US" dirty="0"/>
           </a:p>
@@ -4011,7 +3990,7 @@
           <a:lstStyle/>
           <a:p>
             <a:r>
-              <a:rPr lang="pt-BR" smtClean="0"/>
+              <a:rPr lang="pt-BR"/>
               <a:t>Clique para editar o título mestre</a:t>
             </a:r>
             <a:endParaRPr lang="en-US" dirty="0"/>
@@ -4035,35 +4014,35 @@
           <a:p>
             <a:pPr lvl="0"/>
             <a:r>
-              <a:rPr lang="pt-BR" smtClean="0"/>
+              <a:rPr lang="pt-BR"/>
               <a:t>Clique para editar o texto mestre</a:t>
             </a:r>
           </a:p>
           <a:p>
             <a:pPr lvl="1"/>
             <a:r>
-              <a:rPr lang="pt-BR" smtClean="0"/>
+              <a:rPr lang="pt-BR"/>
               <a:t>Segundo nível</a:t>
             </a:r>
           </a:p>
           <a:p>
             <a:pPr lvl="2"/>
             <a:r>
-              <a:rPr lang="pt-BR" smtClean="0"/>
+              <a:rPr lang="pt-BR"/>
               <a:t>Terceiro nível</a:t>
             </a:r>
           </a:p>
           <a:p>
             <a:pPr lvl="3"/>
             <a:r>
-              <a:rPr lang="pt-BR" smtClean="0"/>
+              <a:rPr lang="pt-BR"/>
               <a:t>Quarto nível</a:t>
             </a:r>
           </a:p>
           <a:p>
             <a:pPr lvl="4"/>
             <a:r>
-              <a:rPr lang="pt-BR" smtClean="0"/>
+              <a:rPr lang="pt-BR"/>
               <a:t>Quinto nível</a:t>
             </a:r>
             <a:endParaRPr lang="en-US" dirty="0"/>
@@ -4087,7 +4066,7 @@
           <a:p>
             <a:fld id="{55C6B4A9-1611-4792-9094-5F34BCA07E0B}" type="datetimeFigureOut">
               <a:rPr lang="en-US" dirty="0"/>
-              <a:t>11/26/2016</a:t>
+              <a:t>12/2/2016</a:t>
             </a:fld>
             <a:endParaRPr lang="en-US" dirty="0"/>
           </a:p>
@@ -4181,7 +4160,7 @@
           <a:lstStyle/>
           <a:p>
             <a:r>
-              <a:rPr lang="pt-BR" smtClean="0"/>
+              <a:rPr lang="pt-BR"/>
               <a:t>Clique para editar o título mestre</a:t>
             </a:r>
             <a:endParaRPr lang="en-US" dirty="0"/>
@@ -4210,35 +4189,35 @@
           <a:p>
             <a:pPr lvl="0"/>
             <a:r>
-              <a:rPr lang="pt-BR" smtClean="0"/>
+              <a:rPr lang="pt-BR"/>
               <a:t>Clique para editar o texto mestre</a:t>
             </a:r>
           </a:p>
           <a:p>
             <a:pPr lvl="1"/>
             <a:r>
-              <a:rPr lang="pt-BR" smtClean="0"/>
+              <a:rPr lang="pt-BR"/>
               <a:t>Segundo nível</a:t>
             </a:r>
           </a:p>
           <a:p>
             <a:pPr lvl="2"/>
             <a:r>
-              <a:rPr lang="pt-BR" smtClean="0"/>
+              <a:rPr lang="pt-BR"/>
               <a:t>Terceiro nível</a:t>
             </a:r>
           </a:p>
           <a:p>
             <a:pPr lvl="3"/>
             <a:r>
-              <a:rPr lang="pt-BR" smtClean="0"/>
+              <a:rPr lang="pt-BR"/>
               <a:t>Quarto nível</a:t>
             </a:r>
           </a:p>
           <a:p>
             <a:pPr lvl="4"/>
             <a:r>
-              <a:rPr lang="pt-BR" smtClean="0"/>
+              <a:rPr lang="pt-BR"/>
               <a:t>Quinto nível</a:t>
             </a:r>
             <a:endParaRPr lang="en-US" dirty="0"/>
@@ -4263,7 +4242,7 @@
             <a:fld id="{B61BEF0D-F0BB-DE4B-95CE-6DB70DBA9567}" type="datetimeFigureOut">
               <a:rPr lang="en-US" dirty="0"/>
               <a:pPr/>
-              <a:t>11/26/2016</a:t>
+              <a:t>12/2/2016</a:t>
             </a:fld>
             <a:endParaRPr lang="en-US" dirty="0"/>
           </a:p>
@@ -4353,7 +4332,7 @@
           <a:lstStyle/>
           <a:p>
             <a:r>
-              <a:rPr lang="pt-BR" smtClean="0"/>
+              <a:rPr lang="pt-BR"/>
               <a:t>Clique para editar o título mestre</a:t>
             </a:r>
             <a:endParaRPr lang="en-US" dirty="0"/>
@@ -4377,35 +4356,35 @@
           <a:p>
             <a:pPr lvl="0"/>
             <a:r>
-              <a:rPr lang="pt-BR" smtClean="0"/>
+              <a:rPr lang="pt-BR"/>
               <a:t>Clique para editar o texto mestre</a:t>
             </a:r>
           </a:p>
           <a:p>
             <a:pPr lvl="1"/>
             <a:r>
-              <a:rPr lang="pt-BR" smtClean="0"/>
+              <a:rPr lang="pt-BR"/>
               <a:t>Segundo nível</a:t>
             </a:r>
           </a:p>
           <a:p>
             <a:pPr lvl="2"/>
             <a:r>
-              <a:rPr lang="pt-BR" smtClean="0"/>
+              <a:rPr lang="pt-BR"/>
               <a:t>Terceiro nível</a:t>
             </a:r>
           </a:p>
           <a:p>
             <a:pPr lvl="3"/>
             <a:r>
-              <a:rPr lang="pt-BR" smtClean="0"/>
+              <a:rPr lang="pt-BR"/>
               <a:t>Quarto nível</a:t>
             </a:r>
           </a:p>
           <a:p>
             <a:pPr lvl="4"/>
             <a:r>
-              <a:rPr lang="pt-BR" smtClean="0"/>
+              <a:rPr lang="pt-BR"/>
               <a:t>Quinto nível</a:t>
             </a:r>
             <a:endParaRPr lang="en-US" dirty="0"/>
@@ -4429,7 +4408,7 @@
           <a:p>
             <a:fld id="{42A54C80-263E-416B-A8E0-580EDEADCBDC}" type="datetimeFigureOut">
               <a:rPr lang="en-US" dirty="0"/>
-              <a:t>11/26/2016</a:t>
+              <a:t>12/2/2016</a:t>
             </a:fld>
             <a:endParaRPr lang="en-US" dirty="0"/>
           </a:p>
@@ -4527,7 +4506,7 @@
           </a:lstStyle>
           <a:p>
             <a:r>
-              <a:rPr lang="pt-BR" smtClean="0"/>
+              <a:rPr lang="pt-BR"/>
               <a:t>Clique para editar o título mestre</a:t>
             </a:r>
             <a:endParaRPr lang="en-US" dirty="0"/>
@@ -4648,7 +4627,7 @@
           <a:p>
             <a:pPr lvl="0"/>
             <a:r>
-              <a:rPr lang="pt-BR" smtClean="0"/>
+              <a:rPr lang="pt-BR"/>
               <a:t>Clique para editar o texto mestre</a:t>
             </a:r>
           </a:p>
@@ -4672,7 +4651,7 @@
             <a:fld id="{B61BEF0D-F0BB-DE4B-95CE-6DB70DBA9567}" type="datetimeFigureOut">
               <a:rPr lang="en-US" dirty="0"/>
               <a:pPr/>
-              <a:t>11/26/2016</a:t>
+              <a:t>12/2/2016</a:t>
             </a:fld>
             <a:endParaRPr lang="en-US" dirty="0"/>
           </a:p>
@@ -4762,7 +4741,7 @@
           <a:lstStyle/>
           <a:p>
             <a:r>
-              <a:rPr lang="pt-BR" smtClean="0"/>
+              <a:rPr lang="pt-BR"/>
               <a:t>Clique para editar o título mestre</a:t>
             </a:r>
             <a:endParaRPr lang="en-US" dirty="0"/>
@@ -4791,35 +4770,35 @@
           <a:p>
             <a:pPr lvl="0"/>
             <a:r>
-              <a:rPr lang="pt-BR" smtClean="0"/>
+              <a:rPr lang="pt-BR"/>
               <a:t>Clique para editar o texto mestre</a:t>
             </a:r>
           </a:p>
           <a:p>
             <a:pPr lvl="1"/>
             <a:r>
-              <a:rPr lang="pt-BR" smtClean="0"/>
+              <a:rPr lang="pt-BR"/>
               <a:t>Segundo nível</a:t>
             </a:r>
           </a:p>
           <a:p>
             <a:pPr lvl="2"/>
             <a:r>
-              <a:rPr lang="pt-BR" smtClean="0"/>
+              <a:rPr lang="pt-BR"/>
               <a:t>Terceiro nível</a:t>
             </a:r>
           </a:p>
           <a:p>
             <a:pPr lvl="3"/>
             <a:r>
-              <a:rPr lang="pt-BR" smtClean="0"/>
+              <a:rPr lang="pt-BR"/>
               <a:t>Quarto nível</a:t>
             </a:r>
           </a:p>
           <a:p>
             <a:pPr lvl="4"/>
             <a:r>
-              <a:rPr lang="pt-BR" smtClean="0"/>
+              <a:rPr lang="pt-BR"/>
               <a:t>Quinto nível</a:t>
             </a:r>
             <a:endParaRPr lang="en-US" dirty="0"/>
@@ -4848,35 +4827,35 @@
           <a:p>
             <a:pPr lvl="0"/>
             <a:r>
-              <a:rPr lang="pt-BR" smtClean="0"/>
+              <a:rPr lang="pt-BR"/>
               <a:t>Clique para editar o texto mestre</a:t>
             </a:r>
           </a:p>
           <a:p>
             <a:pPr lvl="1"/>
             <a:r>
-              <a:rPr lang="pt-BR" smtClean="0"/>
+              <a:rPr lang="pt-BR"/>
               <a:t>Segundo nível</a:t>
             </a:r>
           </a:p>
           <a:p>
             <a:pPr lvl="2"/>
             <a:r>
-              <a:rPr lang="pt-BR" smtClean="0"/>
+              <a:rPr lang="pt-BR"/>
               <a:t>Terceiro nível</a:t>
             </a:r>
           </a:p>
           <a:p>
             <a:pPr lvl="3"/>
             <a:r>
-              <a:rPr lang="pt-BR" smtClean="0"/>
+              <a:rPr lang="pt-BR"/>
               <a:t>Quarto nível</a:t>
             </a:r>
           </a:p>
           <a:p>
             <a:pPr lvl="4"/>
             <a:r>
-              <a:rPr lang="pt-BR" smtClean="0"/>
+              <a:rPr lang="pt-BR"/>
               <a:t>Quinto nível</a:t>
             </a:r>
             <a:endParaRPr lang="en-US" dirty="0"/>
@@ -4900,7 +4879,7 @@
           <a:p>
             <a:fld id="{42A54C80-263E-416B-A8E0-580EDEADCBDC}" type="datetimeFigureOut">
               <a:rPr lang="en-US" dirty="0"/>
-              <a:t>11/26/2016</a:t>
+              <a:t>12/2/2016</a:t>
             </a:fld>
             <a:endParaRPr lang="en-US" dirty="0"/>
           </a:p>
@@ -4993,7 +4972,7 @@
           </a:lstStyle>
           <a:p>
             <a:r>
-              <a:rPr lang="pt-BR" smtClean="0"/>
+              <a:rPr lang="pt-BR"/>
               <a:t>Clique para editar o título mestre</a:t>
             </a:r>
             <a:endParaRPr lang="en-US" dirty="0"/>
@@ -5061,7 +5040,7 @@
           <a:p>
             <a:pPr lvl="0"/>
             <a:r>
-              <a:rPr lang="pt-BR" smtClean="0"/>
+              <a:rPr lang="pt-BR"/>
               <a:t>Clique para editar o texto mestre</a:t>
             </a:r>
           </a:p>
@@ -5091,35 +5070,35 @@
           <a:p>
             <a:pPr lvl="0"/>
             <a:r>
-              <a:rPr lang="pt-BR" smtClean="0"/>
+              <a:rPr lang="pt-BR"/>
               <a:t>Clique para editar o texto mestre</a:t>
             </a:r>
           </a:p>
           <a:p>
             <a:pPr lvl="1"/>
             <a:r>
-              <a:rPr lang="pt-BR" smtClean="0"/>
+              <a:rPr lang="pt-BR"/>
               <a:t>Segundo nível</a:t>
             </a:r>
           </a:p>
           <a:p>
             <a:pPr lvl="2"/>
             <a:r>
-              <a:rPr lang="pt-BR" smtClean="0"/>
+              <a:rPr lang="pt-BR"/>
               <a:t>Terceiro nível</a:t>
             </a:r>
           </a:p>
           <a:p>
             <a:pPr lvl="3"/>
             <a:r>
-              <a:rPr lang="pt-BR" smtClean="0"/>
+              <a:rPr lang="pt-BR"/>
               <a:t>Quarto nível</a:t>
             </a:r>
           </a:p>
           <a:p>
             <a:pPr lvl="4"/>
             <a:r>
-              <a:rPr lang="pt-BR" smtClean="0"/>
+              <a:rPr lang="pt-BR"/>
               <a:t>Quinto nível</a:t>
             </a:r>
             <a:endParaRPr lang="en-US" dirty="0"/>
@@ -5187,7 +5166,7 @@
           <a:p>
             <a:pPr lvl="0"/>
             <a:r>
-              <a:rPr lang="pt-BR" smtClean="0"/>
+              <a:rPr lang="pt-BR"/>
               <a:t>Clique para editar o texto mestre</a:t>
             </a:r>
           </a:p>
@@ -5217,35 +5196,35 @@
           <a:p>
             <a:pPr lvl="0"/>
             <a:r>
-              <a:rPr lang="pt-BR" smtClean="0"/>
+              <a:rPr lang="pt-BR"/>
               <a:t>Clique para editar o texto mestre</a:t>
             </a:r>
           </a:p>
           <a:p>
             <a:pPr lvl="1"/>
             <a:r>
-              <a:rPr lang="pt-BR" smtClean="0"/>
+              <a:rPr lang="pt-BR"/>
               <a:t>Segundo nível</a:t>
             </a:r>
           </a:p>
           <a:p>
             <a:pPr lvl="2"/>
             <a:r>
-              <a:rPr lang="pt-BR" smtClean="0"/>
+              <a:rPr lang="pt-BR"/>
               <a:t>Terceiro nível</a:t>
             </a:r>
           </a:p>
           <a:p>
             <a:pPr lvl="3"/>
             <a:r>
-              <a:rPr lang="pt-BR" smtClean="0"/>
+              <a:rPr lang="pt-BR"/>
               <a:t>Quarto nível</a:t>
             </a:r>
           </a:p>
           <a:p>
             <a:pPr lvl="4"/>
             <a:r>
-              <a:rPr lang="pt-BR" smtClean="0"/>
+              <a:rPr lang="pt-BR"/>
               <a:t>Quinto nível</a:t>
             </a:r>
             <a:endParaRPr lang="en-US" dirty="0"/>
@@ -5270,7 +5249,7 @@
             <a:fld id="{B61BEF0D-F0BB-DE4B-95CE-6DB70DBA9567}" type="datetimeFigureOut">
               <a:rPr lang="en-US" dirty="0"/>
               <a:pPr/>
-              <a:t>11/26/2016</a:t>
+              <a:t>12/2/2016</a:t>
             </a:fld>
             <a:endParaRPr lang="en-US" dirty="0"/>
           </a:p>
@@ -5365,7 +5344,7 @@
           <a:lstStyle/>
           <a:p>
             <a:r>
-              <a:rPr lang="pt-BR" smtClean="0"/>
+              <a:rPr lang="pt-BR"/>
               <a:t>Clique para editar o título mestre</a:t>
             </a:r>
             <a:endParaRPr lang="en-US" dirty="0"/>
@@ -5390,7 +5369,7 @@
             <a:fld id="{B61BEF0D-F0BB-DE4B-95CE-6DB70DBA9567}" type="datetimeFigureOut">
               <a:rPr lang="en-US" dirty="0"/>
               <a:pPr/>
-              <a:t>11/26/2016</a:t>
+              <a:t>12/2/2016</a:t>
             </a:fld>
             <a:endParaRPr lang="en-US" dirty="0"/>
           </a:p>
@@ -5482,7 +5461,7 @@
             <a:fld id="{B61BEF0D-F0BB-DE4B-95CE-6DB70DBA9567}" type="datetimeFigureOut">
               <a:rPr lang="en-US" dirty="0"/>
               <a:pPr/>
-              <a:t>11/26/2016</a:t>
+              <a:t>12/2/2016</a:t>
             </a:fld>
             <a:endParaRPr lang="en-US" dirty="0"/>
           </a:p>
@@ -5583,7 +5562,7 @@
           </a:lstStyle>
           <a:p>
             <a:r>
-              <a:rPr lang="pt-BR" smtClean="0"/>
+              <a:rPr lang="pt-BR"/>
               <a:t>Clique para editar o título mestre</a:t>
             </a:r>
             <a:endParaRPr lang="en-US" dirty="0"/>
@@ -5614,35 +5593,35 @@
           <a:p>
             <a:pPr lvl="0"/>
             <a:r>
-              <a:rPr lang="pt-BR" smtClean="0"/>
+              <a:rPr lang="pt-BR"/>
               <a:t>Clique para editar o texto mestre</a:t>
             </a:r>
           </a:p>
           <a:p>
             <a:pPr lvl="1"/>
             <a:r>
-              <a:rPr lang="pt-BR" smtClean="0"/>
+              <a:rPr lang="pt-BR"/>
               <a:t>Segundo nível</a:t>
             </a:r>
           </a:p>
           <a:p>
             <a:pPr lvl="2"/>
             <a:r>
-              <a:rPr lang="pt-BR" smtClean="0"/>
+              <a:rPr lang="pt-BR"/>
               <a:t>Terceiro nível</a:t>
             </a:r>
           </a:p>
           <a:p>
             <a:pPr lvl="3"/>
             <a:r>
-              <a:rPr lang="pt-BR" smtClean="0"/>
+              <a:rPr lang="pt-BR"/>
               <a:t>Quarto nível</a:t>
             </a:r>
           </a:p>
           <a:p>
             <a:pPr lvl="4"/>
             <a:r>
-              <a:rPr lang="pt-BR" smtClean="0"/>
+              <a:rPr lang="pt-BR"/>
               <a:t>Quinto nível</a:t>
             </a:r>
             <a:endParaRPr lang="en-US" dirty="0"/>
@@ -5710,7 +5689,7 @@
           <a:p>
             <a:pPr lvl="0"/>
             <a:r>
-              <a:rPr lang="pt-BR" smtClean="0"/>
+              <a:rPr lang="pt-BR"/>
               <a:t>Clique para editar o texto mestre</a:t>
             </a:r>
           </a:p>
@@ -5733,7 +5712,7 @@
           <a:p>
             <a:fld id="{42A54C80-263E-416B-A8E0-580EDEADCBDC}" type="datetimeFigureOut">
               <a:rPr lang="en-US" dirty="0"/>
-              <a:t>11/26/2016</a:t>
+              <a:t>12/2/2016</a:t>
             </a:fld>
             <a:endParaRPr lang="en-US" dirty="0"/>
           </a:p>
@@ -5833,7 +5812,7 @@
           </a:lstStyle>
           <a:p>
             <a:r>
-              <a:rPr lang="pt-BR" smtClean="0"/>
+              <a:rPr lang="pt-BR"/>
               <a:t>Clique para editar o título mestre</a:t>
             </a:r>
             <a:endParaRPr lang="en-US" dirty="0"/>
@@ -5900,7 +5879,7 @@
           </a:lstStyle>
           <a:p>
             <a:r>
-              <a:rPr lang="pt-BR" smtClean="0"/>
+              <a:rPr lang="pt-BR"/>
               <a:t>Clique no ícone para adicionar uma imagem</a:t>
             </a:r>
             <a:endParaRPr lang="en-US" dirty="0"/>
@@ -5968,7 +5947,7 @@
           <a:p>
             <a:pPr lvl="0"/>
             <a:r>
-              <a:rPr lang="pt-BR" smtClean="0"/>
+              <a:rPr lang="pt-BR"/>
               <a:t>Clique para editar o texto mestre</a:t>
             </a:r>
           </a:p>
@@ -6035,7 +6014,7 @@
             <a:fld id="{B61BEF0D-F0BB-DE4B-95CE-6DB70DBA9567}" type="datetimeFigureOut">
               <a:rPr lang="en-US" dirty="0"/>
               <a:pPr/>
-              <a:t>11/26/2016</a:t>
+              <a:t>12/2/2016</a:t>
             </a:fld>
             <a:endParaRPr lang="en-US" dirty="0"/>
           </a:p>
@@ -6628,7 +6607,7 @@
           <a:lstStyle/>
           <a:p>
             <a:r>
-              <a:rPr lang="pt-BR" smtClean="0"/>
+              <a:rPr lang="pt-BR"/>
               <a:t>Clique para editar o título mestre</a:t>
             </a:r>
             <a:endParaRPr lang="en-US" dirty="0"/>
@@ -6662,35 +6641,35 @@
           <a:p>
             <a:pPr lvl="0"/>
             <a:r>
-              <a:rPr lang="pt-BR" smtClean="0"/>
+              <a:rPr lang="pt-BR"/>
               <a:t>Clique para editar o texto mestre</a:t>
             </a:r>
           </a:p>
           <a:p>
             <a:pPr lvl="1"/>
             <a:r>
-              <a:rPr lang="pt-BR" smtClean="0"/>
+              <a:rPr lang="pt-BR"/>
               <a:t>Segundo nível</a:t>
             </a:r>
           </a:p>
           <a:p>
             <a:pPr lvl="2"/>
             <a:r>
-              <a:rPr lang="pt-BR" smtClean="0"/>
+              <a:rPr lang="pt-BR"/>
               <a:t>Terceiro nível</a:t>
             </a:r>
           </a:p>
           <a:p>
             <a:pPr lvl="3"/>
             <a:r>
-              <a:rPr lang="pt-BR" smtClean="0"/>
+              <a:rPr lang="pt-BR"/>
               <a:t>Quarto nível</a:t>
             </a:r>
           </a:p>
           <a:p>
             <a:pPr lvl="4"/>
             <a:r>
-              <a:rPr lang="pt-BR" smtClean="0"/>
+              <a:rPr lang="pt-BR"/>
               <a:t>Quinto nível</a:t>
             </a:r>
             <a:endParaRPr lang="en-US" dirty="0"/>
@@ -6733,7 +6712,7 @@
             <a:fld id="{B61BEF0D-F0BB-DE4B-95CE-6DB70DBA9567}" type="datetimeFigureOut">
               <a:rPr lang="en-US" dirty="0"/>
               <a:pPr/>
-              <a:t>11/26/2016</a:t>
+              <a:t>12/2/2016</a:t>
             </a:fld>
             <a:endParaRPr lang="en-US" dirty="0"/>
           </a:p>
@@ -7274,10 +7253,9 @@
           <a:lstStyle/>
           <a:p>
             <a:r>
-              <a:rPr lang="pt-BR" dirty="0" smtClean="0"/>
+              <a:rPr lang="pt-BR" dirty="0"/>
               <a:t>CRPO/SERRA</a:t>
             </a:r>
-            <a:endParaRPr lang="pt-BR" dirty="0"/>
           </a:p>
         </p:txBody>
       </p:sp>
@@ -7305,18 +7283,9 @@
           <a:p>
             <a:pPr algn="ctr"/>
             <a:r>
-              <a:rPr lang="pt-BR" sz="3200" dirty="0" smtClean="0"/>
-              <a:t>Comando Regional de </a:t>
-            </a:r>
-            <a:r>
               <a:rPr lang="pt-BR" sz="3200" dirty="0"/>
-              <a:t>P</a:t>
-            </a:r>
-            <a:r>
-              <a:rPr lang="pt-BR" sz="3200" dirty="0" smtClean="0"/>
-              <a:t>atrulhamento Ostensivo</a:t>
-            </a:r>
-            <a:endParaRPr lang="pt-BR" sz="3200" dirty="0"/>
+              <a:t>Comando Regional de Patrulhamento Ostensivo</a:t>
+            </a:r>
           </a:p>
         </p:txBody>
       </p:sp>
@@ -7575,37 +7544,8 @@
                 <a:ea typeface="Calibri" panose="020F0502020204030204" pitchFamily="34" charset="0"/>
                 <a:cs typeface="Times New Roman" panose="02020603050405020304" pitchFamily="18" charset="0"/>
               </a:rPr>
-              <a:t>CARLOS ANDRE </a:t>
-            </a:r>
-            <a:r>
-              <a:rPr lang="pt-BR" sz="1600" b="1" dirty="0" smtClean="0">
-                <a:latin typeface="Arial" panose="020B0604020202020204" pitchFamily="34" charset="0"/>
-                <a:ea typeface="Calibri" panose="020F0502020204030204" pitchFamily="34" charset="0"/>
-                <a:cs typeface="Times New Roman" panose="02020603050405020304" pitchFamily="18" charset="0"/>
-              </a:rPr>
-              <a:t>ANTUNES, CLEI </a:t>
-            </a:r>
-            <a:r>
-              <a:rPr lang="pt-BR" sz="1600" b="1" dirty="0">
-                <a:latin typeface="Arial" panose="020B0604020202020204" pitchFamily="34" charset="0"/>
-                <a:ea typeface="Calibri" panose="020F0502020204030204" pitchFamily="34" charset="0"/>
-                <a:cs typeface="Times New Roman" panose="02020603050405020304" pitchFamily="18" charset="0"/>
-              </a:rPr>
-              <a:t>EVERS </a:t>
-            </a:r>
-            <a:r>
-              <a:rPr lang="pt-BR" sz="1600" b="1" dirty="0" smtClean="0">
-                <a:latin typeface="Arial" panose="020B0604020202020204" pitchFamily="34" charset="0"/>
-                <a:ea typeface="Calibri" panose="020F0502020204030204" pitchFamily="34" charset="0"/>
-                <a:cs typeface="Times New Roman" panose="02020603050405020304" pitchFamily="18" charset="0"/>
-              </a:rPr>
-              <a:t>FLORES, DANIEL RIBEIRO, </a:t>
-            </a:r>
-            <a:endParaRPr lang="pt-BR" sz="1600" b="1" dirty="0">
-              <a:latin typeface="Arial" panose="020B0604020202020204" pitchFamily="34" charset="0"/>
-              <a:ea typeface="Calibri" panose="020F0502020204030204" pitchFamily="34" charset="0"/>
-              <a:cs typeface="Times New Roman" panose="02020603050405020304" pitchFamily="18" charset="0"/>
-            </a:endParaRPr>
+              <a:t>CARLOS ANDRE ANTUNES, CLEI EVERS FLORES, DANIEL RIBEIRO, </a:t>
+            </a:r>
           </a:p>
           <a:p>
             <a:pPr algn="ctr">
@@ -7617,20 +7557,12 @@
               </a:spcAft>
             </a:pPr>
             <a:r>
-              <a:rPr lang="pt-BR" sz="1600" b="1" dirty="0" smtClean="0">
-                <a:latin typeface="Arial" panose="020B0604020202020204" pitchFamily="34" charset="0"/>
-                <a:ea typeface="Calibri" panose="020F0502020204030204" pitchFamily="34" charset="0"/>
-                <a:cs typeface="Times New Roman" panose="02020603050405020304" pitchFamily="18" charset="0"/>
-              </a:rPr>
-              <a:t>DIOGO PARADELLA, LUIS </a:t>
-            </a:r>
-            <a:r>
               <a:rPr lang="pt-BR" sz="1600" b="1" dirty="0">
                 <a:latin typeface="Arial" panose="020B0604020202020204" pitchFamily="34" charset="0"/>
                 <a:ea typeface="Calibri" panose="020F0502020204030204" pitchFamily="34" charset="0"/>
                 <a:cs typeface="Times New Roman" panose="02020603050405020304" pitchFamily="18" charset="0"/>
               </a:rPr>
-              <a:t>DEMETRIUS TELES</a:t>
+              <a:t>DIOGO PARADELLA, LUIS DEMETRIUS TELES</a:t>
             </a:r>
             <a:endParaRPr lang="pt-BR" sz="1600" dirty="0">
               <a:effectLst/>
@@ -7651,13 +7583,6 @@
   <p:clrMapOvr>
     <a:masterClrMapping/>
   </p:clrMapOvr>
-  <p:timing>
-    <p:tnLst>
-      <p:par>
-        <p:cTn id="1" dur="indefinite" restart="never" nodeType="tmRoot"/>
-      </p:par>
-    </p:tnLst>
-  </p:timing>
 </p:sld>
 </file>
 
@@ -7701,10 +7626,9 @@
           <a:lstStyle/>
           <a:p>
             <a:r>
-              <a:rPr lang="pt-BR" dirty="0" smtClean="0"/>
+              <a:rPr lang="pt-BR" dirty="0"/>
               <a:t>Futuras Implementações</a:t>
             </a:r>
-            <a:endParaRPr lang="pt-BR" dirty="0"/>
           </a:p>
         </p:txBody>
       </p:sp>
@@ -7813,7 +7737,7 @@
               <a:buChar char="Ø"/>
             </a:pPr>
             <a:r>
-              <a:rPr lang="pt-BR" sz="2800" dirty="0" smtClean="0">
+              <a:rPr lang="pt-BR" sz="2800" dirty="0">
                 <a:solidFill>
                   <a:schemeClr val="tx1"/>
                 </a:solidFill>
@@ -7833,7 +7757,7 @@
               <a:buChar char="Ø"/>
             </a:pPr>
             <a:r>
-              <a:rPr lang="pt-BR" sz="2800" dirty="0" smtClean="0">
+              <a:rPr lang="pt-BR" sz="2800" dirty="0">
                 <a:solidFill>
                   <a:schemeClr val="tx1"/>
                 </a:solidFill>
@@ -7853,7 +7777,7 @@
               <a:buChar char="Ø"/>
             </a:pPr>
             <a:r>
-              <a:rPr lang="pt-BR" sz="2800" dirty="0" smtClean="0">
+              <a:rPr lang="pt-BR" sz="2800" dirty="0">
                 <a:solidFill>
                   <a:schemeClr val="tx1"/>
                 </a:solidFill>
@@ -7873,7 +7797,7 @@
               <a:buChar char="Ø"/>
             </a:pPr>
             <a:r>
-              <a:rPr lang="pt-BR" sz="2800" dirty="0" smtClean="0">
+              <a:rPr lang="pt-BR" sz="2800" dirty="0">
                 <a:solidFill>
                   <a:schemeClr val="tx1"/>
                 </a:solidFill>
@@ -7892,7 +7816,7 @@
               <a:buFont typeface="Wingdings" panose="05000000000000000000" pitchFamily="2" charset="2"/>
               <a:buChar char="Ø"/>
             </a:pPr>
-            <a:endParaRPr lang="pt-BR" sz="2800" dirty="0" smtClean="0">
+            <a:endParaRPr lang="pt-BR" sz="2800" dirty="0">
               <a:solidFill>
                 <a:schemeClr val="tx1"/>
               </a:solidFill>
@@ -7907,7 +7831,7 @@
                 <a:schemeClr val="accent1"/>
               </a:buClr>
             </a:pPr>
-            <a:endParaRPr lang="pt-BR" sz="2800" dirty="0" smtClean="0">
+            <a:endParaRPr lang="pt-BR" sz="2800" dirty="0">
               <a:solidFill>
                 <a:schemeClr val="tx1"/>
               </a:solidFill>
@@ -7921,7 +7845,7 @@
               <a:buFont typeface="Wingdings" panose="05000000000000000000" pitchFamily="2" charset="2"/>
               <a:buChar char="Ø"/>
             </a:pPr>
-            <a:endParaRPr lang="pt-BR" sz="2400" dirty="0" smtClean="0">
+            <a:endParaRPr lang="pt-BR" sz="2400" dirty="0">
               <a:solidFill>
                 <a:schemeClr val="tx1"/>
               </a:solidFill>
@@ -7982,13 +7906,6 @@
   <p:clrMapOvr>
     <a:masterClrMapping/>
   </p:clrMapOvr>
-  <p:timing>
-    <p:tnLst>
-      <p:par>
-        <p:cTn id="1" dur="indefinite" restart="never" nodeType="tmRoot"/>
-      </p:par>
-    </p:tnLst>
-  </p:timing>
 </p:sld>
 </file>
 
@@ -8061,10 +7978,9 @@
           <a:lstStyle/>
           <a:p>
             <a:r>
-              <a:rPr lang="pt-BR" dirty="0" smtClean="0"/>
+              <a:rPr lang="pt-BR" dirty="0"/>
               <a:t>Conclusão</a:t>
             </a:r>
-            <a:endParaRPr lang="pt-BR" dirty="0"/>
           </a:p>
         </p:txBody>
       </p:sp>
@@ -8105,15 +8021,7 @@
                 <a:ea typeface="Calibri" panose="020F0502020204030204" pitchFamily="34" charset="0"/>
                 <a:cs typeface="Times New Roman" panose="02020603050405020304" pitchFamily="18" charset="0"/>
               </a:rPr>
-              <a:t>A realidade vista nas repartições públicas, no quesito controle dos </a:t>
-            </a:r>
-            <a:r>
-              <a:rPr lang="pt-BR" sz="2400" dirty="0" smtClean="0">
-                <a:latin typeface="Arial" panose="020B0604020202020204" pitchFamily="34" charset="0"/>
-                <a:ea typeface="Calibri" panose="020F0502020204030204" pitchFamily="34" charset="0"/>
-                <a:cs typeface="Times New Roman" panose="02020603050405020304" pitchFamily="18" charset="0"/>
-              </a:rPr>
-              <a:t>processos</a:t>
+              <a:t>A realidade vista nas repartições públicas, no quesito controle dos processos</a:t>
             </a:r>
           </a:p>
           <a:p>
@@ -8128,44 +8036,12 @@
               <a:buChar char="Ø"/>
             </a:pPr>
             <a:r>
-              <a:rPr lang="pt-BR" sz="2400" dirty="0" smtClean="0">
-                <a:latin typeface="Arial" panose="020B0604020202020204" pitchFamily="34" charset="0"/>
-                <a:ea typeface="Calibri" panose="020F0502020204030204" pitchFamily="34" charset="0"/>
-                <a:cs typeface="Times New Roman" panose="02020603050405020304" pitchFamily="18" charset="0"/>
-              </a:rPr>
-              <a:t>O </a:t>
-            </a:r>
-            <a:r>
               <a:rPr lang="pt-BR" sz="2400" dirty="0">
                 <a:latin typeface="Arial" panose="020B0604020202020204" pitchFamily="34" charset="0"/>
                 <a:ea typeface="Calibri" panose="020F0502020204030204" pitchFamily="34" charset="0"/>
                 <a:cs typeface="Times New Roman" panose="02020603050405020304" pitchFamily="18" charset="0"/>
               </a:rPr>
-              <a:t>objetivo </a:t>
-            </a:r>
-            <a:r>
-              <a:rPr lang="pt-BR" sz="2400" dirty="0" smtClean="0">
-                <a:latin typeface="Arial" panose="020B0604020202020204" pitchFamily="34" charset="0"/>
-                <a:ea typeface="Calibri" panose="020F0502020204030204" pitchFamily="34" charset="0"/>
-                <a:cs typeface="Times New Roman" panose="02020603050405020304" pitchFamily="18" charset="0"/>
-              </a:rPr>
-              <a:t>deste </a:t>
-            </a:r>
-            <a:r>
-              <a:rPr lang="pt-BR" sz="2400" dirty="0">
-                <a:latin typeface="Arial" panose="020B0604020202020204" pitchFamily="34" charset="0"/>
-                <a:ea typeface="Calibri" panose="020F0502020204030204" pitchFamily="34" charset="0"/>
-                <a:cs typeface="Times New Roman" panose="02020603050405020304" pitchFamily="18" charset="0"/>
-              </a:rPr>
-              <a:t>estudo foi alcançado e permitirá aos usuários uma automatização do fluxo de trabalho, proporcionando-lhes maior controle sobre as escalas e menor probabilidade de </a:t>
-            </a:r>
-            <a:r>
-              <a:rPr lang="pt-BR" sz="2400" dirty="0" smtClean="0">
-                <a:latin typeface="Arial" panose="020B0604020202020204" pitchFamily="34" charset="0"/>
-                <a:ea typeface="Calibri" panose="020F0502020204030204" pitchFamily="34" charset="0"/>
-                <a:cs typeface="Times New Roman" panose="02020603050405020304" pitchFamily="18" charset="0"/>
-              </a:rPr>
-              <a:t>erro.</a:t>
+              <a:t>O objetivo deste estudo foi alcançado e permitirá aos usuários uma automatização do fluxo de trabalho, proporcionando-lhes maior controle sobre as escalas e menor probabilidade de erro.</a:t>
             </a:r>
             <a:endParaRPr lang="pt-BR" sz="2000" dirty="0">
               <a:latin typeface="Calibri" panose="020F0502020204030204" pitchFamily="34" charset="0"/>
@@ -8185,28 +8061,12 @@
               <a:buChar char="Ø"/>
             </a:pPr>
             <a:r>
-              <a:rPr lang="pt-BR" sz="2400" dirty="0" smtClean="0">
-                <a:latin typeface="Arial" panose="020B0604020202020204" pitchFamily="34" charset="0"/>
-                <a:ea typeface="Calibri" panose="020F0502020204030204" pitchFamily="34" charset="0"/>
-                <a:cs typeface="Times New Roman" panose="02020603050405020304" pitchFamily="18" charset="0"/>
-              </a:rPr>
-              <a:t>Uma </a:t>
-            </a:r>
-            <a:r>
               <a:rPr lang="pt-BR" sz="2400" dirty="0">
                 <a:latin typeface="Arial" panose="020B0604020202020204" pitchFamily="34" charset="0"/>
                 <a:ea typeface="Calibri" panose="020F0502020204030204" pitchFamily="34" charset="0"/>
                 <a:cs typeface="Times New Roman" panose="02020603050405020304" pitchFamily="18" charset="0"/>
               </a:rPr>
-              <a:t>ferramenta deste porte se define não apenas como um simples software de controle, e sim como uma ferramenta de apoio nas tomadas de decisão dos diferentes setores</a:t>
-            </a:r>
-            <a:r>
-              <a:rPr lang="pt-BR" sz="2400" dirty="0" smtClean="0">
-                <a:latin typeface="Arial" panose="020B0604020202020204" pitchFamily="34" charset="0"/>
-                <a:ea typeface="Calibri" panose="020F0502020204030204" pitchFamily="34" charset="0"/>
-                <a:cs typeface="Times New Roman" panose="02020603050405020304" pitchFamily="18" charset="0"/>
-              </a:rPr>
-              <a:t>.</a:t>
+              <a:t>Uma ferramenta deste porte se define não apenas como um simples software de controle, e sim como uma ferramenta de apoio nas tomadas de decisão dos diferentes setores.</a:t>
             </a:r>
             <a:endParaRPr lang="pt-BR" sz="2000" dirty="0">
               <a:effectLst/>
@@ -8227,13 +8087,6 @@
   <p:clrMapOvr>
     <a:masterClrMapping/>
   </p:clrMapOvr>
-  <p:timing>
-    <p:tnLst>
-      <p:par>
-        <p:cTn id="1" dur="indefinite" restart="never" nodeType="tmRoot"/>
-      </p:par>
-    </p:tnLst>
-  </p:timing>
 </p:sld>
 </file>
 
@@ -8306,10 +8159,9 @@
           <a:lstStyle/>
           <a:p>
             <a:r>
-              <a:rPr lang="pt-BR" dirty="0" smtClean="0"/>
+              <a:rPr lang="pt-BR" dirty="0"/>
               <a:t>Referencias Bibliográficas</a:t>
             </a:r>
-            <a:endParaRPr lang="pt-BR" dirty="0"/>
           </a:p>
         </p:txBody>
       </p:sp>
@@ -8429,13 +8281,6 @@
   <p:clrMapOvr>
     <a:masterClrMapping/>
   </p:clrMapOvr>
-  <p:timing>
-    <p:tnLst>
-      <p:par>
-        <p:cTn id="1" dur="indefinite" restart="never" nodeType="tmRoot"/>
-      </p:par>
-    </p:tnLst>
-  </p:timing>
 </p:sld>
 </file>
 
@@ -8479,10 +8324,9 @@
           <a:lstStyle/>
           <a:p>
             <a:r>
-              <a:rPr lang="pt-BR" dirty="0" smtClean="0"/>
+              <a:rPr lang="pt-BR" dirty="0"/>
               <a:t>CRPO</a:t>
             </a:r>
-            <a:endParaRPr lang="pt-BR" dirty="0"/>
           </a:p>
         </p:txBody>
       </p:sp>
@@ -8772,7 +8616,7 @@
               <a:buChar char="Ø"/>
             </a:pPr>
             <a:r>
-              <a:rPr lang="pt-BR" sz="2800" dirty="0" smtClean="0"/>
+              <a:rPr lang="pt-BR" sz="2800" dirty="0"/>
               <a:t>Comando Regional de Patrulhamento Ostensivo.</a:t>
             </a:r>
           </a:p>
@@ -8786,19 +8630,7 @@
             </a:pPr>
             <a:r>
               <a:rPr lang="pt-BR" sz="2800" dirty="0"/>
-              <a:t>F</a:t>
-            </a:r>
-            <a:r>
-              <a:rPr lang="pt-BR" sz="2800" dirty="0" smtClean="0"/>
-              <a:t>oi </a:t>
-            </a:r>
-            <a:r>
-              <a:rPr lang="pt-BR" sz="2800" dirty="0"/>
-              <a:t>criado no dia 09 de dezembro de 1986 </a:t>
-            </a:r>
-            <a:r>
-              <a:rPr lang="pt-BR" sz="2800" dirty="0" smtClean="0"/>
-              <a:t>.</a:t>
+              <a:t>Foi criado no dia 09 de dezembro de 1986 .</a:t>
             </a:r>
           </a:p>
           <a:p>
@@ -8819,11 +8651,7 @@
             </a:r>
             <a:r>
               <a:rPr lang="pt-BR" sz="2800" dirty="0"/>
-              <a:t>, n.º </a:t>
-            </a:r>
-            <a:r>
-              <a:rPr lang="pt-BR" sz="2800" dirty="0" smtClean="0"/>
-              <a:t>1110, centro – Caxias do Sul/RS.</a:t>
+              <a:t>, n.º 1110, centro – Caxias do Sul/RS.</a:t>
             </a:r>
           </a:p>
           <a:p>
@@ -8836,21 +8664,8 @@
             </a:pPr>
             <a:r>
               <a:rPr lang="pt-BR" sz="2800" dirty="0"/>
-              <a:t>C</a:t>
-            </a:r>
-            <a:r>
-              <a:rPr lang="pt-BR" sz="2800" dirty="0" smtClean="0"/>
-              <a:t>oordena </a:t>
-            </a:r>
-            <a:r>
-              <a:rPr lang="pt-BR" sz="2800" dirty="0"/>
-              <a:t>o policiamento ostensivo em 68 </a:t>
-            </a:r>
-            <a:r>
-              <a:rPr lang="pt-BR" sz="2800" dirty="0" smtClean="0"/>
-              <a:t>municípios.</a:t>
-            </a:r>
-            <a:endParaRPr lang="pt-BR" sz="2800" dirty="0"/>
+              <a:t>Coordena o policiamento ostensivo em 68 municípios.</a:t>
+            </a:r>
           </a:p>
         </p:txBody>
       </p:sp>
@@ -8864,13 +8679,6 @@
   <p:clrMapOvr>
     <a:masterClrMapping/>
   </p:clrMapOvr>
-  <p:timing>
-    <p:tnLst>
-      <p:par>
-        <p:cTn id="1" dur="indefinite" restart="never" nodeType="tmRoot"/>
-      </p:par>
-    </p:tnLst>
-  </p:timing>
 </p:sld>
 </file>
 
@@ -8914,10 +8722,9 @@
           <a:lstStyle/>
           <a:p>
             <a:r>
-              <a:rPr lang="pt-BR" dirty="0" smtClean="0"/>
+              <a:rPr lang="pt-BR" dirty="0"/>
               <a:t>Introdução</a:t>
             </a:r>
-            <a:endParaRPr lang="pt-BR" dirty="0"/>
           </a:p>
         </p:txBody>
       </p:sp>
@@ -9204,32 +9011,8 @@
               <a:buChar char="Ø"/>
             </a:pPr>
             <a:r>
-              <a:rPr lang="pt-BR" sz="2800" dirty="0" smtClean="0"/>
-              <a:t>Este </a:t>
-            </a:r>
-            <a:r>
               <a:rPr lang="pt-BR" sz="2800" dirty="0"/>
-              <a:t>trabalho </a:t>
-            </a:r>
-            <a:r>
-              <a:rPr lang="pt-BR" sz="2800" dirty="0" smtClean="0"/>
-              <a:t>apresenta um </a:t>
-            </a:r>
-            <a:r>
-              <a:rPr lang="pt-BR" sz="2800" dirty="0"/>
-              <a:t>sistema de gerenciamento </a:t>
-            </a:r>
-            <a:r>
-              <a:rPr lang="pt-BR" sz="2800" dirty="0" smtClean="0"/>
-              <a:t>de fluxo </a:t>
-            </a:r>
-            <a:r>
-              <a:rPr lang="pt-BR" sz="2800" dirty="0"/>
-              <a:t>de </a:t>
-            </a:r>
-            <a:r>
-              <a:rPr lang="pt-BR" sz="2800" dirty="0" smtClean="0"/>
-              <a:t>documentos;</a:t>
+              <a:t>Este trabalho apresenta um sistema de gerenciamento de fluxo de documentos;</a:t>
             </a:r>
           </a:p>
           <a:p>
@@ -9238,24 +9021,8 @@
               <a:buChar char="Ø"/>
             </a:pPr>
             <a:r>
-              <a:rPr lang="pt-BR" sz="2800" dirty="0" smtClean="0"/>
-              <a:t>O </a:t>
-            </a:r>
-            <a:r>
               <a:rPr lang="pt-BR" sz="2800" dirty="0"/>
-              <a:t>sistema </a:t>
-            </a:r>
-            <a:r>
-              <a:rPr lang="pt-BR" sz="2800" dirty="0" smtClean="0"/>
-              <a:t>automatiza o </a:t>
-            </a:r>
-            <a:r>
-              <a:rPr lang="pt-BR" sz="2800" dirty="0"/>
-              <a:t>gerenciamento </a:t>
-            </a:r>
-            <a:r>
-              <a:rPr lang="pt-BR" sz="2800" dirty="0" smtClean="0"/>
-              <a:t>de carga horária e escalas; </a:t>
+              <a:t>O sistema automatiza o gerenciamento de carga horária e escalas; </a:t>
             </a:r>
           </a:p>
           <a:p>
@@ -9264,16 +9031,8 @@
               <a:buChar char="Ø"/>
             </a:pPr>
             <a:r>
-              <a:rPr lang="pt-BR" sz="2800" dirty="0" smtClean="0"/>
-              <a:t>Controle </a:t>
-            </a:r>
-            <a:r>
               <a:rPr lang="pt-BR" sz="2800" dirty="0"/>
-              <a:t>de boletins administrativos </a:t>
-            </a:r>
-            <a:r>
-              <a:rPr lang="pt-BR" sz="2800" dirty="0" smtClean="0"/>
-              <a:t>internos e externos;</a:t>
+              <a:t>Controle de boletins administrativos internos e externos;</a:t>
             </a:r>
           </a:p>
           <a:p>
@@ -9282,7 +9041,7 @@
               <a:buChar char="Ø"/>
             </a:pPr>
             <a:r>
-              <a:rPr lang="pt-BR" sz="2800" dirty="0" smtClean="0"/>
+              <a:rPr lang="pt-BR" sz="2800" dirty="0"/>
               <a:t>Agilizar e padronizar processo de apontamento de horas;</a:t>
             </a:r>
           </a:p>
@@ -9292,7 +9051,7 @@
               <a:buChar char="Ø"/>
             </a:pPr>
             <a:r>
-              <a:rPr lang="pt-BR" sz="2800" dirty="0" smtClean="0"/>
+              <a:rPr lang="pt-BR" sz="2800" dirty="0"/>
               <a:t>Gestão administrativa do efetivo;</a:t>
             </a:r>
           </a:p>
@@ -9308,13 +9067,6 @@
   <p:clrMapOvr>
     <a:masterClrMapping/>
   </p:clrMapOvr>
-  <p:timing>
-    <p:tnLst>
-      <p:par>
-        <p:cTn id="1" dur="indefinite" restart="never" nodeType="tmRoot"/>
-      </p:par>
-    </p:tnLst>
-  </p:timing>
 </p:sld>
 </file>
 
@@ -9358,10 +9110,9 @@
           <a:lstStyle/>
           <a:p>
             <a:r>
-              <a:rPr lang="pt-BR" dirty="0" smtClean="0"/>
+              <a:rPr lang="pt-BR" dirty="0"/>
               <a:t>Introdução</a:t>
             </a:r>
-            <a:endParaRPr lang="pt-BR" dirty="0"/>
           </a:p>
         </p:txBody>
       </p:sp>
@@ -9648,16 +9399,8 @@
               <a:buChar char="Ø"/>
             </a:pPr>
             <a:r>
-              <a:rPr lang="pt-BR" sz="2800" dirty="0" smtClean="0"/>
-              <a:t>Utiliza programação </a:t>
-            </a:r>
-            <a:r>
               <a:rPr lang="pt-BR" sz="2800" dirty="0"/>
-              <a:t>orientado a </a:t>
-            </a:r>
-            <a:r>
-              <a:rPr lang="pt-BR" sz="2800" dirty="0" smtClean="0"/>
-              <a:t>objetos;</a:t>
+              <a:t>Utiliza programação orientado a objetos;</a:t>
             </a:r>
           </a:p>
           <a:p>
@@ -9666,16 +9409,8 @@
               <a:buChar char="Ø"/>
             </a:pPr>
             <a:r>
-              <a:rPr lang="pt-BR" sz="2800" dirty="0" smtClean="0"/>
-              <a:t>Levantamento </a:t>
-            </a:r>
-            <a:r>
               <a:rPr lang="pt-BR" sz="2800" dirty="0"/>
-              <a:t>dos requisitos </a:t>
-            </a:r>
-            <a:r>
-              <a:rPr lang="pt-BR" sz="2800" dirty="0" smtClean="0"/>
-              <a:t>;</a:t>
+              <a:t>Levantamento dos requisitos ;</a:t>
             </a:r>
           </a:p>
           <a:p>
@@ -9684,16 +9419,8 @@
               <a:buChar char="Ø"/>
             </a:pPr>
             <a:r>
-              <a:rPr lang="pt-BR" sz="2800" dirty="0" smtClean="0"/>
-              <a:t>Linguagem </a:t>
-            </a:r>
-            <a:r>
               <a:rPr lang="pt-BR" sz="2800" dirty="0"/>
-              <a:t>UML </a:t>
-            </a:r>
-            <a:r>
-              <a:rPr lang="pt-BR" sz="2800" dirty="0" smtClean="0"/>
-              <a:t>;</a:t>
+              <a:t>Linguagem UML ;</a:t>
             </a:r>
           </a:p>
           <a:p>
@@ -9702,16 +9429,8 @@
               <a:buChar char="Ø"/>
             </a:pPr>
             <a:r>
-              <a:rPr lang="pt-BR" sz="2800" dirty="0" smtClean="0"/>
-              <a:t>Diagramas </a:t>
-            </a:r>
-            <a:r>
               <a:rPr lang="pt-BR" sz="2800" dirty="0"/>
-              <a:t>de casos de uso, classes e </a:t>
-            </a:r>
-            <a:r>
-              <a:rPr lang="pt-BR" sz="2800" dirty="0" smtClean="0"/>
-              <a:t>sequencia;</a:t>
+              <a:t>Diagramas de casos de uso, classes e sequencia;</a:t>
             </a:r>
           </a:p>
           <a:p>
@@ -9720,10 +9439,9 @@
               <a:buChar char="Ø"/>
             </a:pPr>
             <a:r>
-              <a:rPr lang="pt-BR" sz="2800" dirty="0" smtClean="0"/>
+              <a:rPr lang="pt-BR" sz="2800" dirty="0"/>
               <a:t>Banco de dados PostgreSQL;</a:t>
             </a:r>
-            <a:endParaRPr lang="pt-BR" sz="2800" dirty="0"/>
           </a:p>
           <a:p>
             <a:pPr>
@@ -9731,11 +9449,11 @@
               <a:buChar char="Ø"/>
             </a:pPr>
             <a:r>
-              <a:rPr lang="pt-BR" sz="2800" dirty="0" err="1" smtClean="0"/>
+              <a:rPr lang="pt-BR" sz="2800" dirty="0" err="1"/>
               <a:t>Ruby</a:t>
             </a:r>
             <a:r>
-              <a:rPr lang="pt-BR" sz="2800" dirty="0" smtClean="0"/>
+              <a:rPr lang="pt-BR" sz="2800" dirty="0"/>
               <a:t> </a:t>
             </a:r>
             <a:r>
@@ -9747,19 +9465,19 @@
               <a:t> </a:t>
             </a:r>
             <a:r>
-              <a:rPr lang="pt-BR" sz="2800" dirty="0" err="1" smtClean="0"/>
+              <a:rPr lang="pt-BR" sz="2800" dirty="0" err="1"/>
               <a:t>Rails</a:t>
             </a:r>
             <a:r>
-              <a:rPr lang="pt-BR" sz="2800" dirty="0" smtClean="0"/>
+              <a:rPr lang="pt-BR" sz="2800" dirty="0"/>
               <a:t>, CSS3, HTML 5, </a:t>
             </a:r>
             <a:r>
-              <a:rPr lang="pt-BR" sz="2800" dirty="0" err="1" smtClean="0"/>
+              <a:rPr lang="pt-BR" sz="2800" dirty="0" err="1"/>
               <a:t>Jquery</a:t>
             </a:r>
             <a:r>
-              <a:rPr lang="pt-BR" sz="2800" dirty="0" smtClean="0"/>
+              <a:rPr lang="pt-BR" sz="2800" dirty="0"/>
               <a:t>;</a:t>
             </a:r>
           </a:p>
@@ -9782,13 +9500,6 @@
   <p:clrMapOvr>
     <a:masterClrMapping/>
   </p:clrMapOvr>
-  <p:timing>
-    <p:tnLst>
-      <p:par>
-        <p:cTn id="1" dur="indefinite" restart="never" nodeType="tmRoot"/>
-      </p:par>
-    </p:tnLst>
-  </p:timing>
 </p:sld>
 </file>
 
@@ -9832,10 +9543,9 @@
           <a:lstStyle/>
           <a:p>
             <a:r>
-              <a:rPr lang="pt-BR" dirty="0" smtClean="0"/>
+              <a:rPr lang="pt-BR" dirty="0"/>
               <a:t>Funcionalidades:</a:t>
             </a:r>
-            <a:endParaRPr lang="pt-BR" dirty="0"/>
           </a:p>
         </p:txBody>
       </p:sp>
@@ -9944,7 +9654,7 @@
               <a:buChar char="Ø"/>
             </a:pPr>
             <a:r>
-              <a:rPr lang="pt-BR" sz="2800" dirty="0" smtClean="0">
+              <a:rPr lang="pt-BR" sz="2800" dirty="0">
                 <a:solidFill>
                   <a:schemeClr val="tx1"/>
                 </a:solidFill>
@@ -9964,12 +9674,12 @@
               <a:buChar char="Ø"/>
             </a:pPr>
             <a:r>
-              <a:rPr lang="pt-BR" sz="2800" dirty="0" smtClean="0">
+              <a:rPr lang="pt-BR" sz="2800" dirty="0">
                 <a:solidFill>
                   <a:schemeClr val="tx1"/>
                 </a:solidFill>
               </a:rPr>
-              <a:t>Solicitação de licenças, férias, afastamento com níveis de aprovação;</a:t>
+              <a:t>Solicitações, *Licenças, *Férias, *Dispensas;</a:t>
             </a:r>
           </a:p>
           <a:p>
@@ -9984,7 +9694,7 @@
               <a:buChar char="Ø"/>
             </a:pPr>
             <a:r>
-              <a:rPr lang="pt-BR" sz="2800" dirty="0" smtClean="0">
+              <a:rPr lang="pt-BR" sz="2800" dirty="0">
                 <a:solidFill>
                   <a:schemeClr val="tx1"/>
                 </a:solidFill>
@@ -10004,27 +9714,7 @@
               <a:buChar char="Ø"/>
             </a:pPr>
             <a:r>
-              <a:rPr lang="pt-BR" sz="2800" dirty="0" smtClean="0">
-                <a:solidFill>
-                  <a:schemeClr val="tx1"/>
-                </a:solidFill>
-              </a:rPr>
-              <a:t>Gerenciamento de horas Extras;</a:t>
-            </a:r>
-          </a:p>
-          <a:p>
-            <a:pPr marL="342900" indent="-342900">
-              <a:lnSpc>
-                <a:spcPct val="150000"/>
-              </a:lnSpc>
-              <a:buClr>
-                <a:schemeClr val="accent1"/>
-              </a:buClr>
-              <a:buFont typeface="Wingdings" panose="05000000000000000000" pitchFamily="2" charset="2"/>
-              <a:buChar char="Ø"/>
-            </a:pPr>
-            <a:r>
-              <a:rPr lang="pt-BR" sz="2800" dirty="0" smtClean="0">
+              <a:rPr lang="pt-BR" sz="2800" dirty="0">
                 <a:solidFill>
                   <a:schemeClr val="tx1"/>
                 </a:solidFill>
@@ -10040,7 +9730,7 @@
               <a:buFont typeface="Wingdings" panose="05000000000000000000" pitchFamily="2" charset="2"/>
               <a:buChar char="Ø"/>
             </a:pPr>
-            <a:endParaRPr lang="pt-BR" sz="2400" dirty="0" smtClean="0">
+            <a:endParaRPr lang="pt-BR" sz="2400" dirty="0">
               <a:solidFill>
                 <a:schemeClr val="tx1"/>
               </a:solidFill>
@@ -10054,7 +9744,7 @@
               <a:buFont typeface="Wingdings" panose="05000000000000000000" pitchFamily="2" charset="2"/>
               <a:buChar char="Ø"/>
             </a:pPr>
-            <a:endParaRPr lang="pt-BR" sz="2400" dirty="0" smtClean="0">
+            <a:endParaRPr lang="pt-BR" sz="2400" dirty="0">
               <a:solidFill>
                 <a:schemeClr val="tx1"/>
               </a:solidFill>
@@ -10115,13 +9805,6 @@
   <p:clrMapOvr>
     <a:masterClrMapping/>
   </p:clrMapOvr>
-  <p:timing>
-    <p:tnLst>
-      <p:par>
-        <p:cTn id="1" dur="indefinite" restart="never" nodeType="tmRoot"/>
-      </p:par>
-    </p:tnLst>
-  </p:timing>
 </p:sld>
 </file>
 
@@ -10165,10 +9848,9 @@
           <a:lstStyle/>
           <a:p>
             <a:r>
-              <a:rPr lang="pt-BR" dirty="0" smtClean="0"/>
+              <a:rPr lang="pt-BR" dirty="0"/>
               <a:t>Interface - Protótipo</a:t>
             </a:r>
-            <a:endParaRPr lang="pt-BR" dirty="0"/>
           </a:p>
         </p:txBody>
       </p:sp>
@@ -10267,18 +9949,13 @@
           </a:lstStyle>
           <a:p>
             <a:r>
-              <a:rPr lang="pt-BR" sz="2000" dirty="0" smtClean="0">
+              <a:rPr lang="pt-BR" sz="2000" dirty="0">
                 <a:solidFill>
                   <a:schemeClr val="tx1"/>
                 </a:solidFill>
               </a:rPr>
               <a:t>Interface - Home</a:t>
             </a:r>
-            <a:endParaRPr lang="pt-BR" sz="2000" dirty="0">
-              <a:solidFill>
-                <a:schemeClr val="tx1"/>
-              </a:solidFill>
-            </a:endParaRPr>
           </a:p>
         </p:txBody>
       </p:sp>
@@ -10292,13 +9969,6 @@
   <p:clrMapOvr>
     <a:masterClrMapping/>
   </p:clrMapOvr>
-  <p:timing>
-    <p:tnLst>
-      <p:par>
-        <p:cTn id="1" dur="indefinite" restart="never" nodeType="tmRoot"/>
-      </p:par>
-    </p:tnLst>
-  </p:timing>
 </p:sld>
 </file>
 
@@ -10342,10 +10012,9 @@
           <a:lstStyle/>
           <a:p>
             <a:r>
-              <a:rPr lang="pt-BR" dirty="0" smtClean="0"/>
+              <a:rPr lang="pt-BR" dirty="0"/>
               <a:t>Diagrama de Classes </a:t>
             </a:r>
-            <a:endParaRPr lang="pt-BR" dirty="0"/>
           </a:p>
         </p:txBody>
       </p:sp>
@@ -10483,7 +10152,7 @@
               <a:buChar char="Ø"/>
             </a:pPr>
             <a:r>
-              <a:rPr lang="pt-BR" sz="2800" dirty="0" smtClean="0">
+              <a:rPr lang="pt-BR" sz="2800" dirty="0">
                 <a:solidFill>
                   <a:schemeClr val="tx1"/>
                 </a:solidFill>
@@ -10491,7 +10160,7 @@
               <a:t>27 </a:t>
             </a:r>
             <a:r>
-              <a:rPr lang="pt-BR" sz="2800" dirty="0" err="1" smtClean="0">
+              <a:rPr lang="pt-BR" sz="2800" dirty="0" err="1">
                 <a:solidFill>
                   <a:schemeClr val="tx1"/>
                 </a:solidFill>
@@ -10499,7 +10168,7 @@
               <a:t>Controllers</a:t>
             </a:r>
             <a:r>
-              <a:rPr lang="pt-BR" sz="2800" dirty="0" smtClean="0">
+              <a:rPr lang="pt-BR" sz="2800" dirty="0">
                 <a:solidFill>
                   <a:schemeClr val="tx1"/>
                 </a:solidFill>
@@ -10507,7 +10176,7 @@
               <a:t>; 28 </a:t>
             </a:r>
             <a:r>
-              <a:rPr lang="pt-BR" sz="2800" dirty="0" err="1" smtClean="0">
+              <a:rPr lang="pt-BR" sz="2800" dirty="0" err="1">
                 <a:solidFill>
                   <a:schemeClr val="tx1"/>
                 </a:solidFill>
@@ -10515,7 +10184,7 @@
               <a:t>Models</a:t>
             </a:r>
             <a:r>
-              <a:rPr lang="pt-BR" sz="2800" dirty="0" smtClean="0">
+              <a:rPr lang="pt-BR" sz="2800" dirty="0">
                 <a:solidFill>
                   <a:schemeClr val="tx1"/>
                 </a:solidFill>
@@ -10528,18 +10197,10 @@
                   <a:schemeClr val="tx1"/>
                 </a:solidFill>
               </a:rPr>
-              <a:t>V</a:t>
-            </a:r>
-            <a:r>
-              <a:rPr lang="pt-BR" sz="2800" dirty="0" err="1" smtClean="0">
-                <a:solidFill>
-                  <a:schemeClr val="tx1"/>
-                </a:solidFill>
-              </a:rPr>
-              <a:t>iews</a:t>
-            </a:r>
-            <a:r>
-              <a:rPr lang="pt-BR" sz="2800" dirty="0" smtClean="0">
+              <a:t>Views</a:t>
+            </a:r>
+            <a:r>
+              <a:rPr lang="pt-BR" sz="2800" dirty="0">
                 <a:solidFill>
                   <a:schemeClr val="tx1"/>
                 </a:solidFill>
@@ -10558,7 +10219,7 @@
               <a:buFont typeface="Wingdings" panose="05000000000000000000" pitchFamily="2" charset="2"/>
               <a:buChar char="Ø"/>
             </a:pPr>
-            <a:endParaRPr lang="pt-BR" sz="2800" dirty="0" smtClean="0">
+            <a:endParaRPr lang="pt-BR" sz="2800" dirty="0">
               <a:solidFill>
                 <a:schemeClr val="tx1"/>
               </a:solidFill>
@@ -10572,7 +10233,7 @@
               <a:buFont typeface="Wingdings" panose="05000000000000000000" pitchFamily="2" charset="2"/>
               <a:buChar char="Ø"/>
             </a:pPr>
-            <a:endParaRPr lang="pt-BR" sz="2400" dirty="0" smtClean="0">
+            <a:endParaRPr lang="pt-BR" sz="2400" dirty="0">
               <a:solidFill>
                 <a:schemeClr val="tx1"/>
               </a:solidFill>
@@ -10586,7 +10247,7 @@
               <a:buFont typeface="Wingdings" panose="05000000000000000000" pitchFamily="2" charset="2"/>
               <a:buChar char="Ø"/>
             </a:pPr>
-            <a:endParaRPr lang="pt-BR" sz="2400" dirty="0" smtClean="0">
+            <a:endParaRPr lang="pt-BR" sz="2400" dirty="0">
               <a:solidFill>
                 <a:schemeClr val="tx1"/>
               </a:solidFill>
@@ -10647,13 +10308,6 @@
   <p:clrMapOvr>
     <a:masterClrMapping/>
   </p:clrMapOvr>
-  <p:timing>
-    <p:tnLst>
-      <p:par>
-        <p:cTn id="1" dur="indefinite" restart="never" nodeType="tmRoot"/>
-      </p:par>
-    </p:tnLst>
-  </p:timing>
 </p:sld>
 </file>
 
@@ -10697,10 +10351,9 @@
           <a:lstStyle/>
           <a:p>
             <a:r>
-              <a:rPr lang="pt-BR" dirty="0" smtClean="0"/>
+              <a:rPr lang="pt-BR" dirty="0"/>
               <a:t>Implementação</a:t>
             </a:r>
-            <a:endParaRPr lang="pt-BR" dirty="0"/>
           </a:p>
         </p:txBody>
       </p:sp>
@@ -10838,7 +10491,7 @@
               <a:buChar char="Ø"/>
             </a:pPr>
             <a:r>
-              <a:rPr lang="pt-BR" sz="2800" dirty="0" smtClean="0">
+              <a:rPr lang="pt-BR" sz="2800" dirty="0">
                 <a:solidFill>
                   <a:schemeClr val="tx1"/>
                 </a:solidFill>
@@ -10858,7 +10511,7 @@
               <a:buChar char="Ø"/>
             </a:pPr>
             <a:r>
-              <a:rPr lang="pt-BR" sz="2800" dirty="0" smtClean="0">
+              <a:rPr lang="pt-BR" sz="2800" dirty="0">
                 <a:solidFill>
                   <a:schemeClr val="tx1"/>
                 </a:solidFill>
@@ -10878,7 +10531,7 @@
               <a:buChar char="Ø"/>
             </a:pPr>
             <a:r>
-              <a:rPr lang="pt-BR" sz="2800" dirty="0" smtClean="0">
+              <a:rPr lang="pt-BR" sz="2800" dirty="0">
                 <a:solidFill>
                   <a:schemeClr val="tx1"/>
                 </a:solidFill>
@@ -10898,7 +10551,7 @@
               <a:buChar char="Ø"/>
             </a:pPr>
             <a:r>
-              <a:rPr lang="pt-BR" sz="2800" dirty="0" smtClean="0">
+              <a:rPr lang="pt-BR" sz="2800" dirty="0">
                 <a:solidFill>
                   <a:schemeClr val="tx1"/>
                 </a:solidFill>
@@ -10918,7 +10571,7 @@
               <a:buChar char="Ø"/>
             </a:pPr>
             <a:r>
-              <a:rPr lang="pt-BR" sz="2800" dirty="0" smtClean="0">
+              <a:rPr lang="pt-BR" sz="2800" dirty="0">
                 <a:solidFill>
                   <a:schemeClr val="tx1"/>
                 </a:solidFill>
@@ -10936,7 +10589,7 @@
               </a:buClr>
             </a:pPr>
             <a:r>
-              <a:rPr lang="pt-BR" sz="2800" dirty="0" smtClean="0">
+              <a:rPr lang="pt-BR" sz="2800" dirty="0">
                 <a:solidFill>
                   <a:schemeClr val="tx1"/>
                 </a:solidFill>
@@ -10950,35 +10603,7 @@
                 <a:spcPct val="150000"/>
               </a:lnSpc>
             </a:pPr>
-            <a:endParaRPr lang="pt-BR" sz="2400" dirty="0" smtClean="0">
-              <a:solidFill>
-                <a:schemeClr val="tx1"/>
-              </a:solidFill>
-            </a:endParaRPr>
-          </a:p>
-          <a:p>
-            <a:pPr marL="342900" indent="-342900">
-              <a:lnSpc>
-                <a:spcPct val="150000"/>
-              </a:lnSpc>
-              <a:buFont typeface="Wingdings" panose="05000000000000000000" pitchFamily="2" charset="2"/>
-              <a:buChar char="Ø"/>
-            </a:pPr>
-            <a:endParaRPr lang="pt-BR" sz="2400" dirty="0" smtClean="0">
-              <a:solidFill>
-                <a:schemeClr val="tx1"/>
-              </a:solidFill>
-            </a:endParaRPr>
-          </a:p>
-          <a:p>
-            <a:pPr marL="342900" indent="-342900">
-              <a:lnSpc>
-                <a:spcPct val="150000"/>
-              </a:lnSpc>
-              <a:buFont typeface="Wingdings" panose="05000000000000000000" pitchFamily="2" charset="2"/>
-              <a:buChar char="Ø"/>
-            </a:pPr>
-            <a:endParaRPr lang="pt-BR" sz="2400" dirty="0" smtClean="0">
+            <a:endParaRPr lang="pt-BR" sz="2400" dirty="0">
               <a:solidFill>
                 <a:schemeClr val="tx1"/>
               </a:solidFill>
@@ -10998,6 +10623,34 @@
               </a:solidFill>
             </a:endParaRPr>
           </a:p>
+          <a:p>
+            <a:pPr marL="342900" indent="-342900">
+              <a:lnSpc>
+                <a:spcPct val="150000"/>
+              </a:lnSpc>
+              <a:buFont typeface="Wingdings" panose="05000000000000000000" pitchFamily="2" charset="2"/>
+              <a:buChar char="Ø"/>
+            </a:pPr>
+            <a:endParaRPr lang="pt-BR" sz="2400" dirty="0">
+              <a:solidFill>
+                <a:schemeClr val="tx1"/>
+              </a:solidFill>
+            </a:endParaRPr>
+          </a:p>
+          <a:p>
+            <a:pPr marL="342900" indent="-342900">
+              <a:lnSpc>
+                <a:spcPct val="150000"/>
+              </a:lnSpc>
+              <a:buFont typeface="Wingdings" panose="05000000000000000000" pitchFamily="2" charset="2"/>
+              <a:buChar char="Ø"/>
+            </a:pPr>
+            <a:endParaRPr lang="pt-BR" sz="2400" dirty="0">
+              <a:solidFill>
+                <a:schemeClr val="tx1"/>
+              </a:solidFill>
+            </a:endParaRPr>
+          </a:p>
         </p:txBody>
       </p:sp>
     </p:spTree>
@@ -11010,13 +10663,6 @@
   <p:clrMapOvr>
     <a:masterClrMapping/>
   </p:clrMapOvr>
-  <p:timing>
-    <p:tnLst>
-      <p:par>
-        <p:cTn id="1" dur="indefinite" restart="never" nodeType="tmRoot"/>
-      </p:par>
-    </p:tnLst>
-  </p:timing>
 </p:sld>
 </file>
 
@@ -11176,21 +10822,8 @@
                   <a:schemeClr val="tx1"/>
                 </a:solidFill>
               </a:rPr>
-              <a:t>Levantamento de requisitos</a:t>
-            </a:r>
-            <a:r>
-              <a:rPr lang="pt-BR" sz="2800" dirty="0" smtClean="0">
-                <a:solidFill>
-                  <a:schemeClr val="tx1"/>
-                </a:solidFill>
-              </a:rPr>
-              <a:t>;</a:t>
-            </a:r>
-            <a:endParaRPr lang="pt-BR" sz="2800" dirty="0" smtClean="0">
-              <a:solidFill>
-                <a:schemeClr val="tx1"/>
-              </a:solidFill>
-            </a:endParaRPr>
+              <a:t>Levantamento de requisitos;</a:t>
+            </a:r>
           </a:p>
           <a:p>
             <a:pPr marL="342900" indent="-342900">
@@ -11204,20 +10837,12 @@
               <a:buChar char="Ø"/>
             </a:pPr>
             <a:r>
-              <a:rPr lang="pt-BR" sz="2800" dirty="0" smtClean="0">
+              <a:rPr lang="pt-BR" sz="2800" dirty="0">
                 <a:solidFill>
                   <a:schemeClr val="tx1"/>
                 </a:solidFill>
               </a:rPr>
-              <a:t>Trabalho </a:t>
-            </a:r>
-            <a:r>
-              <a:rPr lang="pt-BR" sz="2800" dirty="0" smtClean="0">
-                <a:solidFill>
-                  <a:schemeClr val="tx1"/>
-                </a:solidFill>
-              </a:rPr>
-              <a:t>em equipe;</a:t>
+              <a:t>Trabalho em equipe;</a:t>
             </a:r>
           </a:p>
           <a:p>
@@ -11232,7 +10857,7 @@
               <a:buChar char="Ø"/>
             </a:pPr>
             <a:r>
-              <a:rPr lang="pt-BR" sz="2800" dirty="0" smtClean="0">
+              <a:rPr lang="pt-BR" sz="2800" dirty="0">
                 <a:solidFill>
                   <a:schemeClr val="tx1"/>
                 </a:solidFill>
@@ -11252,7 +10877,7 @@
               <a:buChar char="Ø"/>
             </a:pPr>
             <a:r>
-              <a:rPr lang="pt-BR" sz="2800" dirty="0" smtClean="0">
+              <a:rPr lang="pt-BR" sz="2800" dirty="0">
                 <a:solidFill>
                   <a:schemeClr val="tx1"/>
                 </a:solidFill>
@@ -11272,7 +10897,7 @@
               <a:buChar char="Ø"/>
             </a:pPr>
             <a:r>
-              <a:rPr lang="pt-BR" sz="2800" dirty="0" smtClean="0">
+              <a:rPr lang="pt-BR" sz="2800" dirty="0">
                 <a:solidFill>
                   <a:schemeClr val="tx1"/>
                 </a:solidFill>
@@ -11288,7 +10913,7 @@
               <a:buFont typeface="Wingdings" panose="05000000000000000000" pitchFamily="2" charset="2"/>
               <a:buChar char="Ø"/>
             </a:pPr>
-            <a:endParaRPr lang="pt-BR" sz="2400" dirty="0" smtClean="0">
+            <a:endParaRPr lang="pt-BR" sz="2400" dirty="0">
               <a:solidFill>
                 <a:schemeClr val="tx1"/>
               </a:solidFill>
@@ -11349,13 +10974,6 @@
   <p:clrMapOvr>
     <a:masterClrMapping/>
   </p:clrMapOvr>
-  <p:timing>
-    <p:tnLst>
-      <p:par>
-        <p:cTn id="1" dur="indefinite" restart="never" nodeType="tmRoot"/>
-      </p:par>
-    </p:tnLst>
-  </p:timing>
 </p:sld>
 </file>
 
